--- a/presentatie drielagen model.pptx
+++ b/presentatie drielagen model.pptx
@@ -5,15 +5,27 @@
     <p:sldMasterId id="2147483648" r:id="rId1"/>
   </p:sldMasterIdLst>
   <p:notesMasterIdLst>
-    <p:notesMasterId r:id="rId8"/>
+    <p:notesMasterId r:id="rId20"/>
   </p:notesMasterIdLst>
   <p:sldIdLst>
     <p:sldId id="258" r:id="rId2"/>
     <p:sldId id="257" r:id="rId3"/>
     <p:sldId id="259" r:id="rId4"/>
     <p:sldId id="260" r:id="rId5"/>
-    <p:sldId id="261" r:id="rId6"/>
-    <p:sldId id="262" r:id="rId7"/>
+    <p:sldId id="263" r:id="rId6"/>
+    <p:sldId id="264" r:id="rId7"/>
+    <p:sldId id="265" r:id="rId8"/>
+    <p:sldId id="268" r:id="rId9"/>
+    <p:sldId id="273" r:id="rId10"/>
+    <p:sldId id="270" r:id="rId11"/>
+    <p:sldId id="271" r:id="rId12"/>
+    <p:sldId id="274" r:id="rId13"/>
+    <p:sldId id="275" r:id="rId14"/>
+    <p:sldId id="276" r:id="rId15"/>
+    <p:sldId id="277" r:id="rId16"/>
+    <p:sldId id="278" r:id="rId17"/>
+    <p:sldId id="279" r:id="rId18"/>
+    <p:sldId id="262" r:id="rId19"/>
   </p:sldIdLst>
   <p:sldSz cx="12192000" cy="6858000"/>
   <p:notesSz cx="6858000" cy="9144000"/>
@@ -123,8 +135,8 @@
 <file path=ppt/revisionInfo.xml><?xml version="1.0" encoding="utf-8"?>
 <p1510:revInfo xmlns:a="http://schemas.openxmlformats.org/drawingml/2006/main" xmlns:r="http://schemas.openxmlformats.org/officeDocument/2006/relationships" xmlns:p1510="http://schemas.microsoft.com/office/powerpoint/2015/10/main">
   <p1510:revLst>
-    <p1510:client id="{2FF42CB4-A0DE-4F2B-B5FD-70E0E1ACAF85}" v="104" dt="2024-12-03T11:12:43.670"/>
-    <p1510:client id="{BCA15F3E-3473-4864-9947-F807BFF35F43}" v="509" dt="2024-12-03T11:11:19.658"/>
+    <p1510:client id="{435E4057-FBA8-4E9F-876C-6205051FA952}" v="983" dt="2024-12-17T10:44:18.278"/>
+    <p1510:client id="{5F5CA88F-CF5E-4F61-AC2E-42820B3C4405}" v="40" dt="2024-12-17T10:33:25.820"/>
   </p1510:revLst>
 </p1510:revInfo>
 </file>
@@ -186,6 +198,161 @@
     </pc:docChg>
   </pc:docChgLst>
   <pc:docChgLst>
+    <pc:chgData name="Enes Yilmaz" userId="50f28cf6-57d2-41e5-8501-60a3cb8dcd35" providerId="ADAL" clId="{E77C1AC2-9875-4CCE-AF6B-82CBB5C78BBB}"/>
+    <pc:docChg chg="undo custSel addSld modSld">
+      <pc:chgData name="Enes Yilmaz" userId="50f28cf6-57d2-41e5-8501-60a3cb8dcd35" providerId="ADAL" clId="{E77C1AC2-9875-4CCE-AF6B-82CBB5C78BBB}" dt="2024-12-10T10:45:01.701" v="261"/>
+      <pc:docMkLst>
+        <pc:docMk/>
+      </pc:docMkLst>
+      <pc:sldChg chg="modSp mod">
+        <pc:chgData name="Enes Yilmaz" userId="50f28cf6-57d2-41e5-8501-60a3cb8dcd35" providerId="ADAL" clId="{E77C1AC2-9875-4CCE-AF6B-82CBB5C78BBB}" dt="2024-12-10T10:43:37.056" v="253" actId="122"/>
+        <pc:sldMkLst>
+          <pc:docMk/>
+          <pc:sldMk cId="3236597655" sldId="264"/>
+        </pc:sldMkLst>
+        <pc:spChg chg="mod">
+          <ac:chgData name="Enes Yilmaz" userId="50f28cf6-57d2-41e5-8501-60a3cb8dcd35" providerId="ADAL" clId="{E77C1AC2-9875-4CCE-AF6B-82CBB5C78BBB}" dt="2024-12-10T10:43:37.056" v="253" actId="122"/>
+          <ac:spMkLst>
+            <pc:docMk/>
+            <pc:sldMk cId="3236597655" sldId="264"/>
+            <ac:spMk id="2" creationId="{951F5C6D-ECA4-342F-7D1F-14DB5D72B90F}"/>
+          </ac:spMkLst>
+        </pc:spChg>
+        <pc:spChg chg="mod">
+          <ac:chgData name="Enes Yilmaz" userId="50f28cf6-57d2-41e5-8501-60a3cb8dcd35" providerId="ADAL" clId="{E77C1AC2-9875-4CCE-AF6B-82CBB5C78BBB}" dt="2024-12-10T10:23:35.184" v="14"/>
+          <ac:spMkLst>
+            <pc:docMk/>
+            <pc:sldMk cId="3236597655" sldId="264"/>
+            <ac:spMk id="4" creationId="{2CCB3762-3C94-C22B-59FF-AED9938F584E}"/>
+          </ac:spMkLst>
+        </pc:spChg>
+        <pc:spChg chg="mod">
+          <ac:chgData name="Enes Yilmaz" userId="50f28cf6-57d2-41e5-8501-60a3cb8dcd35" providerId="ADAL" clId="{E77C1AC2-9875-4CCE-AF6B-82CBB5C78BBB}" dt="2024-12-10T10:24:29.749" v="15"/>
+          <ac:spMkLst>
+            <pc:docMk/>
+            <pc:sldMk cId="3236597655" sldId="264"/>
+            <ac:spMk id="8" creationId="{F8C88C72-525E-DAA8-9822-61FF924B9910}"/>
+          </ac:spMkLst>
+        </pc:spChg>
+        <pc:spChg chg="mod">
+          <ac:chgData name="Enes Yilmaz" userId="50f28cf6-57d2-41e5-8501-60a3cb8dcd35" providerId="ADAL" clId="{E77C1AC2-9875-4CCE-AF6B-82CBB5C78BBB}" dt="2024-12-10T10:24:41.230" v="16"/>
+          <ac:spMkLst>
+            <pc:docMk/>
+            <pc:sldMk cId="3236597655" sldId="264"/>
+            <ac:spMk id="9" creationId="{456C4B98-0958-653C-EF48-D25493C47E88}"/>
+          </ac:spMkLst>
+        </pc:spChg>
+        <pc:spChg chg="mod">
+          <ac:chgData name="Enes Yilmaz" userId="50f28cf6-57d2-41e5-8501-60a3cb8dcd35" providerId="ADAL" clId="{E77C1AC2-9875-4CCE-AF6B-82CBB5C78BBB}" dt="2024-12-10T10:25:07.814" v="17"/>
+          <ac:spMkLst>
+            <pc:docMk/>
+            <pc:sldMk cId="3236597655" sldId="264"/>
+            <ac:spMk id="10" creationId="{F921749A-4D6E-5C09-D72C-C9EA809BCC74}"/>
+          </ac:spMkLst>
+        </pc:spChg>
+      </pc:sldChg>
+      <pc:sldChg chg="addSp delSp modSp mod">
+        <pc:chgData name="Enes Yilmaz" userId="50f28cf6-57d2-41e5-8501-60a3cb8dcd35" providerId="ADAL" clId="{E77C1AC2-9875-4CCE-AF6B-82CBB5C78BBB}" dt="2024-12-10T10:45:01.701" v="261"/>
+        <pc:sldMkLst>
+          <pc:docMk/>
+          <pc:sldMk cId="4173602318" sldId="265"/>
+        </pc:sldMkLst>
+        <pc:spChg chg="mod">
+          <ac:chgData name="Enes Yilmaz" userId="50f28cf6-57d2-41e5-8501-60a3cb8dcd35" providerId="ADAL" clId="{E77C1AC2-9875-4CCE-AF6B-82CBB5C78BBB}" dt="2024-12-10T10:16:37.839" v="4" actId="3062"/>
+          <ac:spMkLst>
+            <pc:docMk/>
+            <pc:sldMk cId="4173602318" sldId="265"/>
+            <ac:spMk id="2" creationId="{72313A44-C5C4-9602-2BC2-C4685D48EAE3}"/>
+          </ac:spMkLst>
+        </pc:spChg>
+        <pc:spChg chg="add mod">
+          <ac:chgData name="Enes Yilmaz" userId="50f28cf6-57d2-41e5-8501-60a3cb8dcd35" providerId="ADAL" clId="{E77C1AC2-9875-4CCE-AF6B-82CBB5C78BBB}" dt="2024-12-10T10:45:01.701" v="261"/>
+          <ac:spMkLst>
+            <pc:docMk/>
+            <pc:sldMk cId="4173602318" sldId="265"/>
+            <ac:spMk id="11" creationId="{C455BD92-08F7-B1BE-AEAF-16180410E1D6}"/>
+          </ac:spMkLst>
+        </pc:spChg>
+      </pc:sldChg>
+      <pc:sldChg chg="addSp delSp modSp mod">
+        <pc:chgData name="Enes Yilmaz" userId="50f28cf6-57d2-41e5-8501-60a3cb8dcd35" providerId="ADAL" clId="{E77C1AC2-9875-4CCE-AF6B-82CBB5C78BBB}" dt="2024-12-10T10:35:55.122" v="67" actId="478"/>
+        <pc:sldMkLst>
+          <pc:docMk/>
+          <pc:sldMk cId="2009140676" sldId="266"/>
+        </pc:sldMkLst>
+      </pc:sldChg>
+      <pc:sldChg chg="addSp modSp mod">
+        <pc:chgData name="Enes Yilmaz" userId="50f28cf6-57d2-41e5-8501-60a3cb8dcd35" providerId="ADAL" clId="{E77C1AC2-9875-4CCE-AF6B-82CBB5C78BBB}" dt="2024-12-10T10:33:38.488" v="51"/>
+        <pc:sldMkLst>
+          <pc:docMk/>
+          <pc:sldMk cId="1199880476" sldId="268"/>
+        </pc:sldMkLst>
+        <pc:spChg chg="mod">
+          <ac:chgData name="Enes Yilmaz" userId="50f28cf6-57d2-41e5-8501-60a3cb8dcd35" providerId="ADAL" clId="{E77C1AC2-9875-4CCE-AF6B-82CBB5C78BBB}" dt="2024-12-10T10:17:51.912" v="10" actId="3062"/>
+          <ac:spMkLst>
+            <pc:docMk/>
+            <pc:sldMk cId="1199880476" sldId="268"/>
+            <ac:spMk id="2" creationId="{A0180A33-B08E-6B88-F806-B24883B25762}"/>
+          </ac:spMkLst>
+        </pc:spChg>
+        <pc:picChg chg="add mod">
+          <ac:chgData name="Enes Yilmaz" userId="50f28cf6-57d2-41e5-8501-60a3cb8dcd35" providerId="ADAL" clId="{E77C1AC2-9875-4CCE-AF6B-82CBB5C78BBB}" dt="2024-12-10T10:33:38.488" v="51"/>
+          <ac:picMkLst>
+            <pc:docMk/>
+            <pc:sldMk cId="1199880476" sldId="268"/>
+            <ac:picMk id="4" creationId="{301370E5-E938-1BAA-C155-0CBE183B3E5D}"/>
+          </ac:picMkLst>
+        </pc:picChg>
+      </pc:sldChg>
+      <pc:sldChg chg="addSp modSp mod">
+        <pc:chgData name="Enes Yilmaz" userId="50f28cf6-57d2-41e5-8501-60a3cb8dcd35" providerId="ADAL" clId="{E77C1AC2-9875-4CCE-AF6B-82CBB5C78BBB}" dt="2024-12-10T10:39:05.994" v="216" actId="14100"/>
+        <pc:sldMkLst>
+          <pc:docMk/>
+          <pc:sldMk cId="952186827" sldId="270"/>
+        </pc:sldMkLst>
+        <pc:spChg chg="mod">
+          <ac:chgData name="Enes Yilmaz" userId="50f28cf6-57d2-41e5-8501-60a3cb8dcd35" providerId="ADAL" clId="{E77C1AC2-9875-4CCE-AF6B-82CBB5C78BBB}" dt="2024-12-10T10:18:08.536" v="13" actId="3062"/>
+          <ac:spMkLst>
+            <pc:docMk/>
+            <pc:sldMk cId="952186827" sldId="270"/>
+            <ac:spMk id="2" creationId="{F4EC5E0B-F85F-5EBE-9F10-BEB3A5F885E3}"/>
+          </ac:spMkLst>
+        </pc:spChg>
+        <pc:picChg chg="add mod">
+          <ac:chgData name="Enes Yilmaz" userId="50f28cf6-57d2-41e5-8501-60a3cb8dcd35" providerId="ADAL" clId="{E77C1AC2-9875-4CCE-AF6B-82CBB5C78BBB}" dt="2024-12-10T10:39:05.994" v="216" actId="14100"/>
+          <ac:picMkLst>
+            <pc:docMk/>
+            <pc:sldMk cId="952186827" sldId="270"/>
+            <ac:picMk id="4" creationId="{18457B54-10C1-3A55-2C4B-B815FBC36B63}"/>
+          </ac:picMkLst>
+        </pc:picChg>
+      </pc:sldChg>
+      <pc:sldChg chg="addSp delSp modSp new mod">
+        <pc:chgData name="Enes Yilmaz" userId="50f28cf6-57d2-41e5-8501-60a3cb8dcd35" providerId="ADAL" clId="{E77C1AC2-9875-4CCE-AF6B-82CBB5C78BBB}" dt="2024-12-10T10:44:02.074" v="259" actId="113"/>
+        <pc:sldMkLst>
+          <pc:docMk/>
+          <pc:sldMk cId="3056419735" sldId="271"/>
+        </pc:sldMkLst>
+        <pc:spChg chg="mod">
+          <ac:chgData name="Enes Yilmaz" userId="50f28cf6-57d2-41e5-8501-60a3cb8dcd35" providerId="ADAL" clId="{E77C1AC2-9875-4CCE-AF6B-82CBB5C78BBB}" dt="2024-12-10T10:42:59.485" v="250" actId="1076"/>
+          <ac:spMkLst>
+            <pc:docMk/>
+            <pc:sldMk cId="3056419735" sldId="271"/>
+            <ac:spMk id="2" creationId="{F6E5A015-917C-D071-3AB2-838CD7BEC5C6}"/>
+          </ac:spMkLst>
+        </pc:spChg>
+        <pc:spChg chg="add mod">
+          <ac:chgData name="Enes Yilmaz" userId="50f28cf6-57d2-41e5-8501-60a3cb8dcd35" providerId="ADAL" clId="{E77C1AC2-9875-4CCE-AF6B-82CBB5C78BBB}" dt="2024-12-10T10:44:02.074" v="259" actId="113"/>
+          <ac:spMkLst>
+            <pc:docMk/>
+            <pc:sldMk cId="3056419735" sldId="271"/>
+            <ac:spMk id="5" creationId="{13E6876E-4303-F225-16C1-3E177C6DEA56}"/>
+          </ac:spMkLst>
+        </pc:spChg>
+      </pc:sldChg>
+    </pc:docChg>
+  </pc:docChgLst>
+  <pc:docChgLst>
     <pc:chgData name="Enes Yilmaz" userId="50f28cf6-57d2-41e5-8501-60a3cb8dcd35" providerId="ADAL" clId="{BCA15F3E-3473-4864-9947-F807BFF35F43}"/>
     <pc:docChg chg="undo custSel addSld modSld">
       <pc:chgData name="Enes Yilmaz" userId="50f28cf6-57d2-41e5-8501-60a3cb8dcd35" providerId="ADAL" clId="{BCA15F3E-3473-4864-9947-F807BFF35F43}" dt="2024-12-03T11:11:19.659" v="509" actId="20577"/>
@@ -213,28 +380,12 @@
           <pc:docMk/>
           <pc:sldMk cId="1526345194" sldId="261"/>
         </pc:sldMkLst>
-        <pc:spChg chg="del mod">
-          <ac:chgData name="Enes Yilmaz" userId="50f28cf6-57d2-41e5-8501-60a3cb8dcd35" providerId="ADAL" clId="{BCA15F3E-3473-4864-9947-F807BFF35F43}" dt="2024-12-03T10:56:06.962" v="136" actId="478"/>
-          <ac:spMkLst>
-            <pc:docMk/>
-            <pc:sldMk cId="1526345194" sldId="261"/>
-            <ac:spMk id="2" creationId="{58CF8164-3406-8E12-C696-F28FD360C88E}"/>
-          </ac:spMkLst>
-        </pc:spChg>
         <pc:spChg chg="mod">
           <ac:chgData name="Enes Yilmaz" userId="50f28cf6-57d2-41e5-8501-60a3cb8dcd35" providerId="ADAL" clId="{BCA15F3E-3473-4864-9947-F807BFF35F43}" dt="2024-12-03T11:11:19.659" v="509" actId="20577"/>
           <ac:spMkLst>
             <pc:docMk/>
             <pc:sldMk cId="1526345194" sldId="261"/>
             <ac:spMk id="3" creationId="{9D7A4B3C-4ADA-6783-908C-79F1BC4DD438}"/>
-          </ac:spMkLst>
-        </pc:spChg>
-        <pc:spChg chg="add del mod">
-          <ac:chgData name="Enes Yilmaz" userId="50f28cf6-57d2-41e5-8501-60a3cb8dcd35" providerId="ADAL" clId="{BCA15F3E-3473-4864-9947-F807BFF35F43}" dt="2024-12-03T10:56:19.491" v="140" actId="21"/>
-          <ac:spMkLst>
-            <pc:docMk/>
-            <pc:sldMk cId="1526345194" sldId="261"/>
-            <ac:spMk id="6" creationId="{4CC6523C-7F61-5C18-141D-98BD4E0EBB7E}"/>
           </ac:spMkLst>
         </pc:spChg>
         <pc:spChg chg="add">
@@ -257,6 +408,606 @@
     </pc:docChg>
   </pc:docChgLst>
   <pc:docChgLst>
+    <pc:chgData name="Enes Yilmaz" userId="50f28cf6-57d2-41e5-8501-60a3cb8dcd35" providerId="ADAL" clId="{435E4057-FBA8-4E9F-876C-6205051FA952}"/>
+    <pc:docChg chg="undo custSel addSld delSld modSld">
+      <pc:chgData name="Enes Yilmaz" userId="50f28cf6-57d2-41e5-8501-60a3cb8dcd35" providerId="ADAL" clId="{435E4057-FBA8-4E9F-876C-6205051FA952}" dt="2024-12-17T10:44:18.278" v="987"/>
+      <pc:docMkLst>
+        <pc:docMk/>
+      </pc:docMkLst>
+      <pc:sldChg chg="modSp del mod">
+        <pc:chgData name="Enes Yilmaz" userId="50f28cf6-57d2-41e5-8501-60a3cb8dcd35" providerId="ADAL" clId="{435E4057-FBA8-4E9F-876C-6205051FA952}" dt="2024-12-17T10:38:16.313" v="874" actId="47"/>
+        <pc:sldMkLst>
+          <pc:docMk/>
+          <pc:sldMk cId="1526345194" sldId="261"/>
+        </pc:sldMkLst>
+        <pc:spChg chg="mod">
+          <ac:chgData name="Enes Yilmaz" userId="50f28cf6-57d2-41e5-8501-60a3cb8dcd35" providerId="ADAL" clId="{435E4057-FBA8-4E9F-876C-6205051FA952}" dt="2024-12-17T10:27:00.263" v="791" actId="20577"/>
+          <ac:spMkLst>
+            <pc:docMk/>
+            <pc:sldMk cId="1526345194" sldId="261"/>
+            <ac:spMk id="3" creationId="{9D7A4B3C-4ADA-6783-908C-79F1BC4DD438}"/>
+          </ac:spMkLst>
+        </pc:spChg>
+      </pc:sldChg>
+      <pc:sldChg chg="modSp">
+        <pc:chgData name="Enes Yilmaz" userId="50f28cf6-57d2-41e5-8501-60a3cb8dcd35" providerId="ADAL" clId="{435E4057-FBA8-4E9F-876C-6205051FA952}" dt="2024-12-17T10:15:12.200" v="364"/>
+        <pc:sldMkLst>
+          <pc:docMk/>
+          <pc:sldMk cId="3236597655" sldId="264"/>
+        </pc:sldMkLst>
+        <pc:spChg chg="mod">
+          <ac:chgData name="Enes Yilmaz" userId="50f28cf6-57d2-41e5-8501-60a3cb8dcd35" providerId="ADAL" clId="{435E4057-FBA8-4E9F-876C-6205051FA952}" dt="2024-12-17T10:15:12.200" v="364"/>
+          <ac:spMkLst>
+            <pc:docMk/>
+            <pc:sldMk cId="3236597655" sldId="264"/>
+            <ac:spMk id="8" creationId="{F8C88C72-525E-DAA8-9822-61FF924B9910}"/>
+          </ac:spMkLst>
+        </pc:spChg>
+      </pc:sldChg>
+      <pc:sldChg chg="modSp del mod">
+        <pc:chgData name="Enes Yilmaz" userId="50f28cf6-57d2-41e5-8501-60a3cb8dcd35" providerId="ADAL" clId="{435E4057-FBA8-4E9F-876C-6205051FA952}" dt="2024-12-16T09:51:28.253" v="362" actId="47"/>
+        <pc:sldMkLst>
+          <pc:docMk/>
+          <pc:sldMk cId="2009140676" sldId="266"/>
+        </pc:sldMkLst>
+        <pc:spChg chg="mod">
+          <ac:chgData name="Enes Yilmaz" userId="50f28cf6-57d2-41e5-8501-60a3cb8dcd35" providerId="ADAL" clId="{435E4057-FBA8-4E9F-876C-6205051FA952}" dt="2024-12-16T09:51:19.953" v="360" actId="20577"/>
+          <ac:spMkLst>
+            <pc:docMk/>
+            <pc:sldMk cId="2009140676" sldId="266"/>
+            <ac:spMk id="2" creationId="{31758DBA-669A-4EA3-1B74-8F77B781004A}"/>
+          </ac:spMkLst>
+        </pc:spChg>
+      </pc:sldChg>
+      <pc:sldChg chg="addSp delSp modSp mod">
+        <pc:chgData name="Enes Yilmaz" userId="50f28cf6-57d2-41e5-8501-60a3cb8dcd35" providerId="ADAL" clId="{435E4057-FBA8-4E9F-876C-6205051FA952}" dt="2024-12-17T10:32:59.322" v="821" actId="20577"/>
+        <pc:sldMkLst>
+          <pc:docMk/>
+          <pc:sldMk cId="3056419735" sldId="271"/>
+        </pc:sldMkLst>
+        <pc:spChg chg="add del mod">
+          <ac:chgData name="Enes Yilmaz" userId="50f28cf6-57d2-41e5-8501-60a3cb8dcd35" providerId="ADAL" clId="{435E4057-FBA8-4E9F-876C-6205051FA952}" dt="2024-12-16T09:29:18.342" v="39" actId="478"/>
+          <ac:spMkLst>
+            <pc:docMk/>
+            <pc:sldMk cId="3056419735" sldId="271"/>
+            <ac:spMk id="3" creationId="{5DF7AA10-83AA-1B32-6BAB-7FE71EAA05A1}"/>
+          </ac:spMkLst>
+        </pc:spChg>
+        <pc:spChg chg="add mod">
+          <ac:chgData name="Enes Yilmaz" userId="50f28cf6-57d2-41e5-8501-60a3cb8dcd35" providerId="ADAL" clId="{435E4057-FBA8-4E9F-876C-6205051FA952}" dt="2024-12-17T10:31:27.666" v="813"/>
+          <ac:spMkLst>
+            <pc:docMk/>
+            <pc:sldMk cId="3056419735" sldId="271"/>
+            <ac:spMk id="4" creationId="{7550BDD5-CB53-0F00-80A1-26148F5AC5F2}"/>
+          </ac:spMkLst>
+        </pc:spChg>
+        <pc:spChg chg="mod">
+          <ac:chgData name="Enes Yilmaz" userId="50f28cf6-57d2-41e5-8501-60a3cb8dcd35" providerId="ADAL" clId="{435E4057-FBA8-4E9F-876C-6205051FA952}" dt="2024-12-17T10:32:59.322" v="821" actId="20577"/>
+          <ac:spMkLst>
+            <pc:docMk/>
+            <pc:sldMk cId="3056419735" sldId="271"/>
+            <ac:spMk id="5" creationId="{13E6876E-4303-F225-16C1-3E177C6DEA56}"/>
+          </ac:spMkLst>
+        </pc:spChg>
+        <pc:spChg chg="add del mod">
+          <ac:chgData name="Enes Yilmaz" userId="50f28cf6-57d2-41e5-8501-60a3cb8dcd35" providerId="ADAL" clId="{435E4057-FBA8-4E9F-876C-6205051FA952}" dt="2024-12-16T09:28:51.535" v="35" actId="478"/>
+          <ac:spMkLst>
+            <pc:docMk/>
+            <pc:sldMk cId="3056419735" sldId="271"/>
+            <ac:spMk id="6" creationId="{744F9273-7165-B793-228E-5554B0EE51D4}"/>
+          </ac:spMkLst>
+        </pc:spChg>
+        <pc:spChg chg="add del mod">
+          <ac:chgData name="Enes Yilmaz" userId="50f28cf6-57d2-41e5-8501-60a3cb8dcd35" providerId="ADAL" clId="{435E4057-FBA8-4E9F-876C-6205051FA952}" dt="2024-12-16T09:29:25.366" v="45" actId="478"/>
+          <ac:spMkLst>
+            <pc:docMk/>
+            <pc:sldMk cId="3056419735" sldId="271"/>
+            <ac:spMk id="7" creationId="{E4A1CBCD-D3F8-A86D-7C42-091A47B9EE1F}"/>
+          </ac:spMkLst>
+        </pc:spChg>
+        <pc:spChg chg="add del mod">
+          <ac:chgData name="Enes Yilmaz" userId="50f28cf6-57d2-41e5-8501-60a3cb8dcd35" providerId="ADAL" clId="{435E4057-FBA8-4E9F-876C-6205051FA952}" dt="2024-12-16T09:29:27.398" v="46" actId="478"/>
+          <ac:spMkLst>
+            <pc:docMk/>
+            <pc:sldMk cId="3056419735" sldId="271"/>
+            <ac:spMk id="8" creationId="{E60F6830-0567-6592-7459-B7ACFA0006CB}"/>
+          </ac:spMkLst>
+        </pc:spChg>
+        <pc:spChg chg="add del mod">
+          <ac:chgData name="Enes Yilmaz" userId="50f28cf6-57d2-41e5-8501-60a3cb8dcd35" providerId="ADAL" clId="{435E4057-FBA8-4E9F-876C-6205051FA952}" dt="2024-12-16T09:29:31.578" v="47" actId="478"/>
+          <ac:spMkLst>
+            <pc:docMk/>
+            <pc:sldMk cId="3056419735" sldId="271"/>
+            <ac:spMk id="9" creationId="{D9D30091-87E8-F934-FED9-467C8F85C078}"/>
+          </ac:spMkLst>
+        </pc:spChg>
+        <pc:spChg chg="add mod">
+          <ac:chgData name="Enes Yilmaz" userId="50f28cf6-57d2-41e5-8501-60a3cb8dcd35" providerId="ADAL" clId="{435E4057-FBA8-4E9F-876C-6205051FA952}" dt="2024-12-17T10:20:13.742" v="432"/>
+          <ac:spMkLst>
+            <pc:docMk/>
+            <pc:sldMk cId="3056419735" sldId="271"/>
+            <ac:spMk id="10" creationId="{33B42BA5-508B-D7AC-1331-1342BA997890}"/>
+          </ac:spMkLst>
+        </pc:spChg>
+        <pc:spChg chg="add mod">
+          <ac:chgData name="Enes Yilmaz" userId="50f28cf6-57d2-41e5-8501-60a3cb8dcd35" providerId="ADAL" clId="{435E4057-FBA8-4E9F-876C-6205051FA952}" dt="2024-12-17T10:31:16.722" v="812"/>
+          <ac:spMkLst>
+            <pc:docMk/>
+            <pc:sldMk cId="3056419735" sldId="271"/>
+            <ac:spMk id="11" creationId="{3319E52A-88D1-2AF6-0852-5176E490D225}"/>
+          </ac:spMkLst>
+        </pc:spChg>
+        <pc:spChg chg="add mod">
+          <ac:chgData name="Enes Yilmaz" userId="50f28cf6-57d2-41e5-8501-60a3cb8dcd35" providerId="ADAL" clId="{435E4057-FBA8-4E9F-876C-6205051FA952}" dt="2024-12-17T10:20:25.229" v="433"/>
+          <ac:spMkLst>
+            <pc:docMk/>
+            <pc:sldMk cId="3056419735" sldId="271"/>
+            <ac:spMk id="12" creationId="{A24F5EE3-554B-0E06-0C74-DAC912CBBE4D}"/>
+          </ac:spMkLst>
+        </pc:spChg>
+        <pc:spChg chg="add mod">
+          <ac:chgData name="Enes Yilmaz" userId="50f28cf6-57d2-41e5-8501-60a3cb8dcd35" providerId="ADAL" clId="{435E4057-FBA8-4E9F-876C-6205051FA952}" dt="2024-12-17T10:20:36.869" v="434"/>
+          <ac:spMkLst>
+            <pc:docMk/>
+            <pc:sldMk cId="3056419735" sldId="271"/>
+            <ac:spMk id="13" creationId="{48601355-D01B-9FAB-1ED7-713063B6B7EE}"/>
+          </ac:spMkLst>
+        </pc:spChg>
+      </pc:sldChg>
+      <pc:sldChg chg="new del">
+        <pc:chgData name="Enes Yilmaz" userId="50f28cf6-57d2-41e5-8501-60a3cb8dcd35" providerId="ADAL" clId="{435E4057-FBA8-4E9F-876C-6205051FA952}" dt="2024-12-16T09:47:42.831" v="162" actId="47"/>
+        <pc:sldMkLst>
+          <pc:docMk/>
+          <pc:sldMk cId="3260159152" sldId="272"/>
+        </pc:sldMkLst>
+      </pc:sldChg>
+      <pc:sldChg chg="add">
+        <pc:chgData name="Enes Yilmaz" userId="50f28cf6-57d2-41e5-8501-60a3cb8dcd35" providerId="ADAL" clId="{435E4057-FBA8-4E9F-876C-6205051FA952}" dt="2024-12-16T09:51:28.569" v="363"/>
+        <pc:sldMkLst>
+          <pc:docMk/>
+          <pc:sldMk cId="2662979751" sldId="273"/>
+        </pc:sldMkLst>
+      </pc:sldChg>
+      <pc:sldChg chg="add del">
+        <pc:chgData name="Enes Yilmaz" userId="50f28cf6-57d2-41e5-8501-60a3cb8dcd35" providerId="ADAL" clId="{435E4057-FBA8-4E9F-876C-6205051FA952}" dt="2024-12-16T09:51:26.142" v="361" actId="47"/>
+        <pc:sldMkLst>
+          <pc:docMk/>
+          <pc:sldMk cId="3711285670" sldId="273"/>
+        </pc:sldMkLst>
+      </pc:sldChg>
+      <pc:sldChg chg="add del">
+        <pc:chgData name="Enes Yilmaz" userId="50f28cf6-57d2-41e5-8501-60a3cb8dcd35" providerId="ADAL" clId="{435E4057-FBA8-4E9F-876C-6205051FA952}" dt="2024-12-16T09:47:40.591" v="161" actId="47"/>
+        <pc:sldMkLst>
+          <pc:docMk/>
+          <pc:sldMk cId="2254818030" sldId="274"/>
+        </pc:sldMkLst>
+      </pc:sldChg>
+      <pc:sldChg chg="addSp delSp modSp add mod">
+        <pc:chgData name="Enes Yilmaz" userId="50f28cf6-57d2-41e5-8501-60a3cb8dcd35" providerId="ADAL" clId="{435E4057-FBA8-4E9F-876C-6205051FA952}" dt="2024-12-17T10:31:47.240" v="818" actId="20577"/>
+        <pc:sldMkLst>
+          <pc:docMk/>
+          <pc:sldMk cId="2378907412" sldId="274"/>
+        </pc:sldMkLst>
+        <pc:spChg chg="mod">
+          <ac:chgData name="Enes Yilmaz" userId="50f28cf6-57d2-41e5-8501-60a3cb8dcd35" providerId="ADAL" clId="{435E4057-FBA8-4E9F-876C-6205051FA952}" dt="2024-12-17T10:31:47.240" v="818" actId="20577"/>
+          <ac:spMkLst>
+            <pc:docMk/>
+            <pc:sldMk cId="2378907412" sldId="274"/>
+            <ac:spMk id="2" creationId="{05A58510-A938-1598-DA66-4888F9B4CDBA}"/>
+          </ac:spMkLst>
+        </pc:spChg>
+        <pc:picChg chg="mod">
+          <ac:chgData name="Enes Yilmaz" userId="50f28cf6-57d2-41e5-8501-60a3cb8dcd35" providerId="ADAL" clId="{435E4057-FBA8-4E9F-876C-6205051FA952}" dt="2024-12-17T10:30:23.330" v="811"/>
+          <ac:picMkLst>
+            <pc:docMk/>
+            <pc:sldMk cId="2378907412" sldId="274"/>
+            <ac:picMk id="4" creationId="{0B8A7E1F-5F6E-CB31-6A21-948EFB505AFC}"/>
+          </ac:picMkLst>
+        </pc:picChg>
+        <pc:picChg chg="add mod">
+          <ac:chgData name="Enes Yilmaz" userId="50f28cf6-57d2-41e5-8501-60a3cb8dcd35" providerId="ADAL" clId="{435E4057-FBA8-4E9F-876C-6205051FA952}" dt="2024-12-17T10:18:10.881" v="421" actId="14100"/>
+          <ac:picMkLst>
+            <pc:docMk/>
+            <pc:sldMk cId="2378907412" sldId="274"/>
+            <ac:picMk id="1026" creationId="{C9B634F6-79A9-5123-43C9-2879E88B559E}"/>
+          </ac:picMkLst>
+        </pc:picChg>
+        <pc:picChg chg="del">
+          <ac:chgData name="Enes Yilmaz" userId="50f28cf6-57d2-41e5-8501-60a3cb8dcd35" providerId="ADAL" clId="{435E4057-FBA8-4E9F-876C-6205051FA952}" dt="2024-12-17T10:17:42.131" v="416" actId="478"/>
+          <ac:picMkLst>
+            <pc:docMk/>
+            <pc:sldMk cId="2378907412" sldId="274"/>
+            <ac:picMk id="3074" creationId="{5BFEF959-710A-7F8F-D157-9CEB1E491FDB}"/>
+          </ac:picMkLst>
+        </pc:picChg>
+      </pc:sldChg>
+      <pc:sldChg chg="addSp delSp modSp add mod">
+        <pc:chgData name="Enes Yilmaz" userId="50f28cf6-57d2-41e5-8501-60a3cb8dcd35" providerId="ADAL" clId="{435E4057-FBA8-4E9F-876C-6205051FA952}" dt="2024-12-17T10:32:12.336" v="819" actId="20577"/>
+        <pc:sldMkLst>
+          <pc:docMk/>
+          <pc:sldMk cId="1581189980" sldId="275"/>
+        </pc:sldMkLst>
+        <pc:spChg chg="mod">
+          <ac:chgData name="Enes Yilmaz" userId="50f28cf6-57d2-41e5-8501-60a3cb8dcd35" providerId="ADAL" clId="{435E4057-FBA8-4E9F-876C-6205051FA952}" dt="2024-12-17T10:32:12.336" v="819" actId="20577"/>
+          <ac:spMkLst>
+            <pc:docMk/>
+            <pc:sldMk cId="1581189980" sldId="275"/>
+            <ac:spMk id="2" creationId="{8B9932A4-8697-6F7C-B7CA-3A3E50EC9011}"/>
+          </ac:spMkLst>
+        </pc:spChg>
+        <pc:spChg chg="add mod">
+          <ac:chgData name="Enes Yilmaz" userId="50f28cf6-57d2-41e5-8501-60a3cb8dcd35" providerId="ADAL" clId="{435E4057-FBA8-4E9F-876C-6205051FA952}" dt="2024-12-17T10:24:19.842" v="738" actId="114"/>
+          <ac:spMkLst>
+            <pc:docMk/>
+            <pc:sldMk cId="1581189980" sldId="275"/>
+            <ac:spMk id="3" creationId="{4108C2A2-6FF3-E1BA-80CF-5FD5BF36ABAA}"/>
+          </ac:spMkLst>
+        </pc:spChg>
+        <pc:spChg chg="mod">
+          <ac:chgData name="Enes Yilmaz" userId="50f28cf6-57d2-41e5-8501-60a3cb8dcd35" providerId="ADAL" clId="{435E4057-FBA8-4E9F-876C-6205051FA952}" dt="2024-12-17T10:27:32.701" v="795"/>
+          <ac:spMkLst>
+            <pc:docMk/>
+            <pc:sldMk cId="1581189980" sldId="275"/>
+            <ac:spMk id="11" creationId="{4920AC24-AC20-03FA-AF31-81011693852A}"/>
+          </ac:spMkLst>
+        </pc:spChg>
+        <pc:picChg chg="add mod">
+          <ac:chgData name="Enes Yilmaz" userId="50f28cf6-57d2-41e5-8501-60a3cb8dcd35" providerId="ADAL" clId="{435E4057-FBA8-4E9F-876C-6205051FA952}" dt="2024-12-17T10:25:11.382" v="744"/>
+          <ac:picMkLst>
+            <pc:docMk/>
+            <pc:sldMk cId="1581189980" sldId="275"/>
+            <ac:picMk id="4" creationId="{D3255644-114A-E138-D30C-5343052D79C2}"/>
+          </ac:picMkLst>
+        </pc:picChg>
+        <pc:picChg chg="del">
+          <ac:chgData name="Enes Yilmaz" userId="50f28cf6-57d2-41e5-8501-60a3cb8dcd35" providerId="ADAL" clId="{435E4057-FBA8-4E9F-876C-6205051FA952}" dt="2024-12-17T10:28:19.854" v="797" actId="478"/>
+          <ac:picMkLst>
+            <pc:docMk/>
+            <pc:sldMk cId="1581189980" sldId="275"/>
+            <ac:picMk id="1026" creationId="{74419768-E099-ABBC-8AEB-66EA84455F05}"/>
+          </ac:picMkLst>
+        </pc:picChg>
+        <pc:picChg chg="add mod">
+          <ac:chgData name="Enes Yilmaz" userId="50f28cf6-57d2-41e5-8501-60a3cb8dcd35" providerId="ADAL" clId="{435E4057-FBA8-4E9F-876C-6205051FA952}" dt="2024-12-17T10:28:35.398" v="803" actId="1076"/>
+          <ac:picMkLst>
+            <pc:docMk/>
+            <pc:sldMk cId="1581189980" sldId="275"/>
+            <ac:picMk id="2050" creationId="{41E253B6-C58B-9CAF-02D7-2A576396322F}"/>
+          </ac:picMkLst>
+        </pc:picChg>
+      </pc:sldChg>
+      <pc:sldChg chg="new del">
+        <pc:chgData name="Enes Yilmaz" userId="50f28cf6-57d2-41e5-8501-60a3cb8dcd35" providerId="ADAL" clId="{435E4057-FBA8-4E9F-876C-6205051FA952}" dt="2024-12-17T10:19:10.012" v="430" actId="47"/>
+        <pc:sldMkLst>
+          <pc:docMk/>
+          <pc:sldMk cId="2889143701" sldId="275"/>
+        </pc:sldMkLst>
+      </pc:sldChg>
+      <pc:sldChg chg="modSp add del mod">
+        <pc:chgData name="Enes Yilmaz" userId="50f28cf6-57d2-41e5-8501-60a3cb8dcd35" providerId="ADAL" clId="{435E4057-FBA8-4E9F-876C-6205051FA952}" dt="2024-12-17T10:18:28.866" v="423" actId="47"/>
+        <pc:sldMkLst>
+          <pc:docMk/>
+          <pc:sldMk cId="4003629272" sldId="275"/>
+        </pc:sldMkLst>
+        <pc:spChg chg="mod">
+          <ac:chgData name="Enes Yilmaz" userId="50f28cf6-57d2-41e5-8501-60a3cb8dcd35" providerId="ADAL" clId="{435E4057-FBA8-4E9F-876C-6205051FA952}" dt="2024-12-17T10:17:02.996" v="415" actId="20577"/>
+          <ac:spMkLst>
+            <pc:docMk/>
+            <pc:sldMk cId="4003629272" sldId="275"/>
+            <ac:spMk id="2" creationId="{B3B1C408-0A10-2E01-C75D-7B4ED3E5485B}"/>
+          </ac:spMkLst>
+        </pc:spChg>
+      </pc:sldChg>
+      <pc:sldChg chg="addSp delSp modSp add mod">
+        <pc:chgData name="Enes Yilmaz" userId="50f28cf6-57d2-41e5-8501-60a3cb8dcd35" providerId="ADAL" clId="{435E4057-FBA8-4E9F-876C-6205051FA952}" dt="2024-12-17T10:29:21.325" v="810" actId="1076"/>
+        <pc:sldMkLst>
+          <pc:docMk/>
+          <pc:sldMk cId="2891897662" sldId="276"/>
+        </pc:sldMkLst>
+        <pc:spChg chg="mod">
+          <ac:chgData name="Enes Yilmaz" userId="50f28cf6-57d2-41e5-8501-60a3cb8dcd35" providerId="ADAL" clId="{435E4057-FBA8-4E9F-876C-6205051FA952}" dt="2024-12-17T10:26:10.718" v="779" actId="20577"/>
+          <ac:spMkLst>
+            <pc:docMk/>
+            <pc:sldMk cId="2891897662" sldId="276"/>
+            <ac:spMk id="2" creationId="{14AB319B-2B17-98D9-BAF9-77A40E85E74C}"/>
+          </ac:spMkLst>
+        </pc:spChg>
+        <pc:spChg chg="mod">
+          <ac:chgData name="Enes Yilmaz" userId="50f28cf6-57d2-41e5-8501-60a3cb8dcd35" providerId="ADAL" clId="{435E4057-FBA8-4E9F-876C-6205051FA952}" dt="2024-12-17T10:27:47.182" v="796"/>
+          <ac:spMkLst>
+            <pc:docMk/>
+            <pc:sldMk cId="2891897662" sldId="276"/>
+            <ac:spMk id="11" creationId="{BCA0C1A6-CD84-1ADA-DAB3-E5259E935660}"/>
+          </ac:spMkLst>
+        </pc:spChg>
+        <pc:picChg chg="del">
+          <ac:chgData name="Enes Yilmaz" userId="50f28cf6-57d2-41e5-8501-60a3cb8dcd35" providerId="ADAL" clId="{435E4057-FBA8-4E9F-876C-6205051FA952}" dt="2024-12-17T10:29:07.014" v="804" actId="478"/>
+          <ac:picMkLst>
+            <pc:docMk/>
+            <pc:sldMk cId="2891897662" sldId="276"/>
+            <ac:picMk id="1026" creationId="{0EB4AE52-147A-E95A-28EB-0AFA03E7E1D1}"/>
+          </ac:picMkLst>
+        </pc:picChg>
+        <pc:picChg chg="add mod">
+          <ac:chgData name="Enes Yilmaz" userId="50f28cf6-57d2-41e5-8501-60a3cb8dcd35" providerId="ADAL" clId="{435E4057-FBA8-4E9F-876C-6205051FA952}" dt="2024-12-17T10:29:21.325" v="810" actId="1076"/>
+          <ac:picMkLst>
+            <pc:docMk/>
+            <pc:sldMk cId="2891897662" sldId="276"/>
+            <ac:picMk id="3074" creationId="{74640E7F-0781-E966-DE20-096AC1E85CD1}"/>
+          </ac:picMkLst>
+        </pc:picChg>
+      </pc:sldChg>
+      <pc:sldChg chg="addSp delSp modSp new mod">
+        <pc:chgData name="Enes Yilmaz" userId="50f28cf6-57d2-41e5-8501-60a3cb8dcd35" providerId="ADAL" clId="{435E4057-FBA8-4E9F-876C-6205051FA952}" dt="2024-12-17T10:44:18.278" v="987"/>
+        <pc:sldMkLst>
+          <pc:docMk/>
+          <pc:sldMk cId="2727811622" sldId="277"/>
+        </pc:sldMkLst>
+        <pc:spChg chg="mod">
+          <ac:chgData name="Enes Yilmaz" userId="50f28cf6-57d2-41e5-8501-60a3cb8dcd35" providerId="ADAL" clId="{435E4057-FBA8-4E9F-876C-6205051FA952}" dt="2024-12-17T10:34:31.579" v="842" actId="404"/>
+          <ac:spMkLst>
+            <pc:docMk/>
+            <pc:sldMk cId="2727811622" sldId="277"/>
+            <ac:spMk id="2" creationId="{E62DE4B9-7C04-C1BA-B14F-887770851DE4}"/>
+          </ac:spMkLst>
+        </pc:spChg>
+        <pc:spChg chg="del mod">
+          <ac:chgData name="Enes Yilmaz" userId="50f28cf6-57d2-41e5-8501-60a3cb8dcd35" providerId="ADAL" clId="{435E4057-FBA8-4E9F-876C-6205051FA952}" dt="2024-12-17T10:33:25.417" v="826" actId="478"/>
+          <ac:spMkLst>
+            <pc:docMk/>
+            <pc:sldMk cId="2727811622" sldId="277"/>
+            <ac:spMk id="3" creationId="{ABA89818-41D5-1E6E-BED0-B2725998D146}"/>
+          </ac:spMkLst>
+        </pc:spChg>
+        <pc:spChg chg="add mod">
+          <ac:chgData name="Enes Yilmaz" userId="50f28cf6-57d2-41e5-8501-60a3cb8dcd35" providerId="ADAL" clId="{435E4057-FBA8-4E9F-876C-6205051FA952}" dt="2024-12-17T10:36:00.643" v="854" actId="20577"/>
+          <ac:spMkLst>
+            <pc:docMk/>
+            <pc:sldMk cId="2727811622" sldId="277"/>
+            <ac:spMk id="4" creationId="{F79D1B36-1AF3-D566-D1DD-7360FC7EAEF8}"/>
+          </ac:spMkLst>
+        </pc:spChg>
+        <pc:spChg chg="add mod">
+          <ac:chgData name="Enes Yilmaz" userId="50f28cf6-57d2-41e5-8501-60a3cb8dcd35" providerId="ADAL" clId="{435E4057-FBA8-4E9F-876C-6205051FA952}" dt="2024-12-17T10:44:18.278" v="987"/>
+          <ac:spMkLst>
+            <pc:docMk/>
+            <pc:sldMk cId="2727811622" sldId="277"/>
+            <ac:spMk id="5" creationId="{0A7029F6-1D42-FD13-950A-165C293EF7D2}"/>
+          </ac:spMkLst>
+        </pc:spChg>
+        <pc:spChg chg="add mod">
+          <ac:chgData name="Enes Yilmaz" userId="50f28cf6-57d2-41e5-8501-60a3cb8dcd35" providerId="ADAL" clId="{435E4057-FBA8-4E9F-876C-6205051FA952}" dt="2024-12-17T10:37:18.442" v="868" actId="1076"/>
+          <ac:spMkLst>
+            <pc:docMk/>
+            <pc:sldMk cId="2727811622" sldId="277"/>
+            <ac:spMk id="6" creationId="{98E7EB18-4020-DE05-115D-14925F75DDDA}"/>
+          </ac:spMkLst>
+        </pc:spChg>
+        <pc:spChg chg="add mod">
+          <ac:chgData name="Enes Yilmaz" userId="50f28cf6-57d2-41e5-8501-60a3cb8dcd35" providerId="ADAL" clId="{435E4057-FBA8-4E9F-876C-6205051FA952}" dt="2024-12-17T10:37:42.440" v="873"/>
+          <ac:spMkLst>
+            <pc:docMk/>
+            <pc:sldMk cId="2727811622" sldId="277"/>
+            <ac:spMk id="7" creationId="{76115B67-E482-4C29-609E-C794CEAB5A8E}"/>
+          </ac:spMkLst>
+        </pc:spChg>
+        <pc:spChg chg="add del mod">
+          <ac:chgData name="Enes Yilmaz" userId="50f28cf6-57d2-41e5-8501-60a3cb8dcd35" providerId="ADAL" clId="{435E4057-FBA8-4E9F-876C-6205051FA952}" dt="2024-12-17T10:34:13.129" v="834" actId="478"/>
+          <ac:spMkLst>
+            <pc:docMk/>
+            <pc:sldMk cId="2727811622" sldId="277"/>
+            <ac:spMk id="8" creationId="{CB03ED58-B5C2-AF19-8A5F-DA0385AF48B5}"/>
+          </ac:spMkLst>
+        </pc:spChg>
+      </pc:sldChg>
+      <pc:sldChg chg="addSp delSp modSp add mod">
+        <pc:chgData name="Enes Yilmaz" userId="50f28cf6-57d2-41e5-8501-60a3cb8dcd35" providerId="ADAL" clId="{435E4057-FBA8-4E9F-876C-6205051FA952}" dt="2024-12-17T10:43:32.236" v="985" actId="14100"/>
+        <pc:sldMkLst>
+          <pc:docMk/>
+          <pc:sldMk cId="3463718688" sldId="278"/>
+        </pc:sldMkLst>
+        <pc:spChg chg="mod">
+          <ac:chgData name="Enes Yilmaz" userId="50f28cf6-57d2-41e5-8501-60a3cb8dcd35" providerId="ADAL" clId="{435E4057-FBA8-4E9F-876C-6205051FA952}" dt="2024-12-17T10:42:06.973" v="978" actId="20577"/>
+          <ac:spMkLst>
+            <pc:docMk/>
+            <pc:sldMk cId="3463718688" sldId="278"/>
+            <ac:spMk id="2" creationId="{6BF8FC9A-20FB-CEEC-F0E7-34C67469D7FC}"/>
+          </ac:spMkLst>
+        </pc:spChg>
+        <pc:spChg chg="mod">
+          <ac:chgData name="Enes Yilmaz" userId="50f28cf6-57d2-41e5-8501-60a3cb8dcd35" providerId="ADAL" clId="{435E4057-FBA8-4E9F-876C-6205051FA952}" dt="2024-12-17T10:38:47.971" v="883" actId="20577"/>
+          <ac:spMkLst>
+            <pc:docMk/>
+            <pc:sldMk cId="3463718688" sldId="278"/>
+            <ac:spMk id="11" creationId="{8E3292E9-BDA8-25EB-EE53-73E1F129218A}"/>
+          </ac:spMkLst>
+        </pc:spChg>
+        <pc:picChg chg="del">
+          <ac:chgData name="Enes Yilmaz" userId="50f28cf6-57d2-41e5-8501-60a3cb8dcd35" providerId="ADAL" clId="{435E4057-FBA8-4E9F-876C-6205051FA952}" dt="2024-12-17T10:43:20.933" v="981" actId="478"/>
+          <ac:picMkLst>
+            <pc:docMk/>
+            <pc:sldMk cId="3463718688" sldId="278"/>
+            <ac:picMk id="1026" creationId="{FA244BBE-F874-6A16-056A-CE4CAB0EDFBF}"/>
+          </ac:picMkLst>
+        </pc:picChg>
+        <pc:picChg chg="add mod">
+          <ac:chgData name="Enes Yilmaz" userId="50f28cf6-57d2-41e5-8501-60a3cb8dcd35" providerId="ADAL" clId="{435E4057-FBA8-4E9F-876C-6205051FA952}" dt="2024-12-17T10:43:32.236" v="985" actId="14100"/>
+          <ac:picMkLst>
+            <pc:docMk/>
+            <pc:sldMk cId="3463718688" sldId="278"/>
+            <ac:picMk id="4098" creationId="{592B9AB2-7D82-48CE-86F8-6DB49DFE05C4}"/>
+          </ac:picMkLst>
+        </pc:picChg>
+      </pc:sldChg>
+      <pc:sldChg chg="new del">
+        <pc:chgData name="Enes Yilmaz" userId="50f28cf6-57d2-41e5-8501-60a3cb8dcd35" providerId="ADAL" clId="{435E4057-FBA8-4E9F-876C-6205051FA952}" dt="2024-12-17T10:42:17.707" v="980" actId="47"/>
+        <pc:sldMkLst>
+          <pc:docMk/>
+          <pc:sldMk cId="576510012" sldId="279"/>
+        </pc:sldMkLst>
+      </pc:sldChg>
+      <pc:sldChg chg="add">
+        <pc:chgData name="Enes Yilmaz" userId="50f28cf6-57d2-41e5-8501-60a3cb8dcd35" providerId="ADAL" clId="{435E4057-FBA8-4E9F-876C-6205051FA952}" dt="2024-12-17T10:43:44.385" v="986"/>
+        <pc:sldMkLst>
+          <pc:docMk/>
+          <pc:sldMk cId="4127243768" sldId="279"/>
+        </pc:sldMkLst>
+      </pc:sldChg>
+    </pc:docChg>
+  </pc:docChgLst>
+  <pc:docChgLst>
+    <pc:chgData name="Enes Yilmaz" userId="50f28cf6-57d2-41e5-8501-60a3cb8dcd35" providerId="ADAL" clId="{CBE9782B-08B5-448D-BA1B-0A2F80C91773}"/>
+    <pc:docChg chg="undo custSel addSld delSld modSld sldOrd">
+      <pc:chgData name="Enes Yilmaz" userId="50f28cf6-57d2-41e5-8501-60a3cb8dcd35" providerId="ADAL" clId="{CBE9782B-08B5-448D-BA1B-0A2F80C91773}" dt="2024-12-09T11:25:12.052" v="286" actId="1076"/>
+      <pc:docMkLst>
+        <pc:docMk/>
+      </pc:docMkLst>
+      <pc:sldChg chg="ord">
+        <pc:chgData name="Enes Yilmaz" userId="50f28cf6-57d2-41e5-8501-60a3cb8dcd35" providerId="ADAL" clId="{CBE9782B-08B5-448D-BA1B-0A2F80C91773}" dt="2024-12-09T11:10:12.701" v="104"/>
+        <pc:sldMkLst>
+          <pc:docMk/>
+          <pc:sldMk cId="164020756" sldId="257"/>
+        </pc:sldMkLst>
+      </pc:sldChg>
+      <pc:sldChg chg="addSp delSp modSp mod">
+        <pc:chgData name="Enes Yilmaz" userId="50f28cf6-57d2-41e5-8501-60a3cb8dcd35" providerId="ADAL" clId="{CBE9782B-08B5-448D-BA1B-0A2F80C91773}" dt="2024-12-09T11:03:15.936" v="78" actId="20577"/>
+        <pc:sldMkLst>
+          <pc:docMk/>
+          <pc:sldMk cId="3236597655" sldId="264"/>
+        </pc:sldMkLst>
+        <pc:spChg chg="mod">
+          <ac:chgData name="Enes Yilmaz" userId="50f28cf6-57d2-41e5-8501-60a3cb8dcd35" providerId="ADAL" clId="{CBE9782B-08B5-448D-BA1B-0A2F80C91773}" dt="2024-12-09T11:03:03.271" v="72" actId="20577"/>
+          <ac:spMkLst>
+            <pc:docMk/>
+            <pc:sldMk cId="3236597655" sldId="264"/>
+            <ac:spMk id="4" creationId="{2CCB3762-3C94-C22B-59FF-AED9938F584E}"/>
+          </ac:spMkLst>
+        </pc:spChg>
+        <pc:spChg chg="mod">
+          <ac:chgData name="Enes Yilmaz" userId="50f28cf6-57d2-41e5-8501-60a3cb8dcd35" providerId="ADAL" clId="{CBE9782B-08B5-448D-BA1B-0A2F80C91773}" dt="2024-12-09T11:03:06.943" v="74" actId="20577"/>
+          <ac:spMkLst>
+            <pc:docMk/>
+            <pc:sldMk cId="3236597655" sldId="264"/>
+            <ac:spMk id="8" creationId="{F8C88C72-525E-DAA8-9822-61FF924B9910}"/>
+          </ac:spMkLst>
+        </pc:spChg>
+        <pc:spChg chg="mod">
+          <ac:chgData name="Enes Yilmaz" userId="50f28cf6-57d2-41e5-8501-60a3cb8dcd35" providerId="ADAL" clId="{CBE9782B-08B5-448D-BA1B-0A2F80C91773}" dt="2024-12-09T11:03:11.959" v="76" actId="20577"/>
+          <ac:spMkLst>
+            <pc:docMk/>
+            <pc:sldMk cId="3236597655" sldId="264"/>
+            <ac:spMk id="9" creationId="{456C4B98-0958-653C-EF48-D25493C47E88}"/>
+          </ac:spMkLst>
+        </pc:spChg>
+        <pc:spChg chg="mod">
+          <ac:chgData name="Enes Yilmaz" userId="50f28cf6-57d2-41e5-8501-60a3cb8dcd35" providerId="ADAL" clId="{CBE9782B-08B5-448D-BA1B-0A2F80C91773}" dt="2024-12-09T11:03:15.936" v="78" actId="20577"/>
+          <ac:spMkLst>
+            <pc:docMk/>
+            <pc:sldMk cId="3236597655" sldId="264"/>
+            <ac:spMk id="10" creationId="{F921749A-4D6E-5C09-D72C-C9EA809BCC74}"/>
+          </ac:spMkLst>
+        </pc:spChg>
+      </pc:sldChg>
+      <pc:sldChg chg="addSp delSp modSp new mod">
+        <pc:chgData name="Enes Yilmaz" userId="50f28cf6-57d2-41e5-8501-60a3cb8dcd35" providerId="ADAL" clId="{CBE9782B-08B5-448D-BA1B-0A2F80C91773}" dt="2024-12-09T11:15:47.285" v="155" actId="1076"/>
+        <pc:sldMkLst>
+          <pc:docMk/>
+          <pc:sldMk cId="4173602318" sldId="265"/>
+        </pc:sldMkLst>
+        <pc:spChg chg="mod">
+          <ac:chgData name="Enes Yilmaz" userId="50f28cf6-57d2-41e5-8501-60a3cb8dcd35" providerId="ADAL" clId="{CBE9782B-08B5-448D-BA1B-0A2F80C91773}" dt="2024-12-09T11:12:30.584" v="138" actId="404"/>
+          <ac:spMkLst>
+            <pc:docMk/>
+            <pc:sldMk cId="4173602318" sldId="265"/>
+            <ac:spMk id="2" creationId="{72313A44-C5C4-9602-2BC2-C4685D48EAE3}"/>
+          </ac:spMkLst>
+        </pc:spChg>
+        <pc:picChg chg="add mod">
+          <ac:chgData name="Enes Yilmaz" userId="50f28cf6-57d2-41e5-8501-60a3cb8dcd35" providerId="ADAL" clId="{CBE9782B-08B5-448D-BA1B-0A2F80C91773}" dt="2024-12-09T11:15:47.285" v="155" actId="1076"/>
+          <ac:picMkLst>
+            <pc:docMk/>
+            <pc:sldMk cId="4173602318" sldId="265"/>
+            <ac:picMk id="1026" creationId="{547D352C-49D6-D88A-7D43-BAA91D06327D}"/>
+          </ac:picMkLst>
+        </pc:picChg>
+      </pc:sldChg>
+      <pc:sldChg chg="addSp delSp modSp add mod">
+        <pc:chgData name="Enes Yilmaz" userId="50f28cf6-57d2-41e5-8501-60a3cb8dcd35" providerId="ADAL" clId="{CBE9782B-08B5-448D-BA1B-0A2F80C91773}" dt="2024-12-09T11:20:51.285" v="178" actId="14100"/>
+        <pc:sldMkLst>
+          <pc:docMk/>
+          <pc:sldMk cId="2009140676" sldId="266"/>
+        </pc:sldMkLst>
+      </pc:sldChg>
+      <pc:sldChg chg="new del">
+        <pc:chgData name="Enes Yilmaz" userId="50f28cf6-57d2-41e5-8501-60a3cb8dcd35" providerId="ADAL" clId="{CBE9782B-08B5-448D-BA1B-0A2F80C91773}" dt="2024-12-09T11:21:18.057" v="183" actId="47"/>
+        <pc:sldMkLst>
+          <pc:docMk/>
+          <pc:sldMk cId="798411827" sldId="267"/>
+        </pc:sldMkLst>
+      </pc:sldChg>
+      <pc:sldChg chg="new del">
+        <pc:chgData name="Enes Yilmaz" userId="50f28cf6-57d2-41e5-8501-60a3cb8dcd35" providerId="ADAL" clId="{CBE9782B-08B5-448D-BA1B-0A2F80C91773}" dt="2024-12-09T11:21:09.425" v="180" actId="47"/>
+        <pc:sldMkLst>
+          <pc:docMk/>
+          <pc:sldMk cId="3528308133" sldId="267"/>
+        </pc:sldMkLst>
+      </pc:sldChg>
+      <pc:sldChg chg="addSp delSp modSp add mod">
+        <pc:chgData name="Enes Yilmaz" userId="50f28cf6-57d2-41e5-8501-60a3cb8dcd35" providerId="ADAL" clId="{CBE9782B-08B5-448D-BA1B-0A2F80C91773}" dt="2024-12-09T11:22:30.813" v="199" actId="1076"/>
+        <pc:sldMkLst>
+          <pc:docMk/>
+          <pc:sldMk cId="1199880476" sldId="268"/>
+        </pc:sldMkLst>
+        <pc:spChg chg="mod">
+          <ac:chgData name="Enes Yilmaz" userId="50f28cf6-57d2-41e5-8501-60a3cb8dcd35" providerId="ADAL" clId="{CBE9782B-08B5-448D-BA1B-0A2F80C91773}" dt="2024-12-09T11:21:50.119" v="191" actId="404"/>
+          <ac:spMkLst>
+            <pc:docMk/>
+            <pc:sldMk cId="1199880476" sldId="268"/>
+            <ac:spMk id="2" creationId="{A0180A33-B08E-6B88-F806-B24883B25762}"/>
+          </ac:spMkLst>
+        </pc:spChg>
+        <pc:picChg chg="add mod">
+          <ac:chgData name="Enes Yilmaz" userId="50f28cf6-57d2-41e5-8501-60a3cb8dcd35" providerId="ADAL" clId="{CBE9782B-08B5-448D-BA1B-0A2F80C91773}" dt="2024-12-09T11:22:30.813" v="199" actId="1076"/>
+          <ac:picMkLst>
+            <pc:docMk/>
+            <pc:sldMk cId="1199880476" sldId="268"/>
+            <ac:picMk id="3074" creationId="{93F158A7-6E0E-15ED-42B8-27A3925E2368}"/>
+          </ac:picMkLst>
+        </pc:picChg>
+      </pc:sldChg>
+      <pc:sldChg chg="new del">
+        <pc:chgData name="Enes Yilmaz" userId="50f28cf6-57d2-41e5-8501-60a3cb8dcd35" providerId="ADAL" clId="{CBE9782B-08B5-448D-BA1B-0A2F80C91773}" dt="2024-12-09T11:22:55.680" v="202" actId="47"/>
+        <pc:sldMkLst>
+          <pc:docMk/>
+          <pc:sldMk cId="3210330030" sldId="269"/>
+        </pc:sldMkLst>
+      </pc:sldChg>
+      <pc:sldChg chg="addSp delSp modSp add mod">
+        <pc:chgData name="Enes Yilmaz" userId="50f28cf6-57d2-41e5-8501-60a3cb8dcd35" providerId="ADAL" clId="{CBE9782B-08B5-448D-BA1B-0A2F80C91773}" dt="2024-12-09T11:25:12.052" v="286" actId="1076"/>
+        <pc:sldMkLst>
+          <pc:docMk/>
+          <pc:sldMk cId="952186827" sldId="270"/>
+        </pc:sldMkLst>
+        <pc:spChg chg="mod">
+          <ac:chgData name="Enes Yilmaz" userId="50f28cf6-57d2-41e5-8501-60a3cb8dcd35" providerId="ADAL" clId="{CBE9782B-08B5-448D-BA1B-0A2F80C91773}" dt="2024-12-09T11:24:18.511" v="279" actId="403"/>
+          <ac:spMkLst>
+            <pc:docMk/>
+            <pc:sldMk cId="952186827" sldId="270"/>
+            <ac:spMk id="2" creationId="{F4EC5E0B-F85F-5EBE-9F10-BEB3A5F885E3}"/>
+          </ac:spMkLst>
+        </pc:spChg>
+        <pc:picChg chg="add mod">
+          <ac:chgData name="Enes Yilmaz" userId="50f28cf6-57d2-41e5-8501-60a3cb8dcd35" providerId="ADAL" clId="{CBE9782B-08B5-448D-BA1B-0A2F80C91773}" dt="2024-12-09T11:25:12.052" v="286" actId="1076"/>
+          <ac:picMkLst>
+            <pc:docMk/>
+            <pc:sldMk cId="952186827" sldId="270"/>
+            <ac:picMk id="4098" creationId="{9E269EFF-E4B4-0E5D-AD99-57C2038219B3}"/>
+          </ac:picMkLst>
+        </pc:picChg>
+      </pc:sldChg>
+    </pc:docChg>
+  </pc:docChgLst>
+  <pc:docChgLst>
     <pc:chgData name="Enes Yilmaz" userId="S::117560@vituscollege.nl::50f28cf6-57d2-41e5-8501-60a3cb8dcd35" providerId="AD" clId="Web-{C353384B-9036-9A4D-C258-F45E7D293974}"/>
     <pc:docChg chg="addSld delSld modSld">
       <pc:chgData name="Enes Yilmaz" userId="S::117560@vituscollege.nl::50f28cf6-57d2-41e5-8501-60a3cb8dcd35" providerId="AD" clId="Web-{C353384B-9036-9A4D-C258-F45E7D293974}" dt="2024-12-02T09:56:54.478" v="2"/>
@@ -269,14 +1020,6 @@
           <pc:docMk/>
           <pc:sldMk cId="125411510" sldId="256"/>
         </pc:sldMkLst>
-        <pc:spChg chg="mod">
-          <ac:chgData name="Enes Yilmaz" userId="S::117560@vituscollege.nl::50f28cf6-57d2-41e5-8501-60a3cb8dcd35" providerId="AD" clId="Web-{C353384B-9036-9A4D-C258-F45E7D293974}" dt="2024-12-02T09:56:19.992" v="0" actId="20577"/>
-          <ac:spMkLst>
-            <pc:docMk/>
-            <pc:sldMk cId="125411510" sldId="256"/>
-            <ac:spMk id="6" creationId="{54D10341-B0C3-2110-F7AF-63467248127A}"/>
-          </ac:spMkLst>
-        </pc:spChg>
       </pc:sldChg>
       <pc:sldChg chg="add">
         <pc:chgData name="Enes Yilmaz" userId="S::117560@vituscollege.nl::50f28cf6-57d2-41e5-8501-60a3cb8dcd35" providerId="AD" clId="Web-{C353384B-9036-9A4D-C258-F45E7D293974}" dt="2024-12-02T09:56:49.212" v="1"/>
@@ -284,6 +1027,100 @@
           <pc:docMk/>
           <pc:sldMk cId="4205932193" sldId="258"/>
         </pc:sldMkLst>
+      </pc:sldChg>
+    </pc:docChg>
+  </pc:docChgLst>
+  <pc:docChgLst>
+    <pc:chgData name="Enes Yilmaz" userId="S::117560@vituscollege.nl::50f28cf6-57d2-41e5-8501-60a3cb8dcd35" providerId="AD" clId="Web-{ADCAB3CA-AE47-D5C9-8E9C-141E4E77E713}"/>
+    <pc:docChg chg="addSld modSld">
+      <pc:chgData name="Enes Yilmaz" userId="S::117560@vituscollege.nl::50f28cf6-57d2-41e5-8501-60a3cb8dcd35" providerId="AD" clId="Web-{ADCAB3CA-AE47-D5C9-8E9C-141E4E77E713}" dt="2024-12-09T09:39:43.396" v="168" actId="20577"/>
+      <pc:docMkLst>
+        <pc:docMk/>
+      </pc:docMkLst>
+      <pc:sldChg chg="modSp">
+        <pc:chgData name="Enes Yilmaz" userId="S::117560@vituscollege.nl::50f28cf6-57d2-41e5-8501-60a3cb8dcd35" providerId="AD" clId="Web-{ADCAB3CA-AE47-D5C9-8E9C-141E4E77E713}" dt="2024-12-09T09:38:47.817" v="144" actId="1076"/>
+        <pc:sldMkLst>
+          <pc:docMk/>
+          <pc:sldMk cId="1526345194" sldId="261"/>
+        </pc:sldMkLst>
+        <pc:spChg chg="mod">
+          <ac:chgData name="Enes Yilmaz" userId="S::117560@vituscollege.nl::50f28cf6-57d2-41e5-8501-60a3cb8dcd35" providerId="AD" clId="Web-{ADCAB3CA-AE47-D5C9-8E9C-141E4E77E713}" dt="2024-12-09T09:38:47.817" v="144" actId="1076"/>
+          <ac:spMkLst>
+            <pc:docMk/>
+            <pc:sldMk cId="1526345194" sldId="261"/>
+            <ac:spMk id="3" creationId="{9D7A4B3C-4ADA-6783-908C-79F1BC4DD438}"/>
+          </ac:spMkLst>
+        </pc:spChg>
+      </pc:sldChg>
+      <pc:sldChg chg="addSp delSp modSp new mod setBg">
+        <pc:chgData name="Enes Yilmaz" userId="S::117560@vituscollege.nl::50f28cf6-57d2-41e5-8501-60a3cb8dcd35" providerId="AD" clId="Web-{ADCAB3CA-AE47-D5C9-8E9C-141E4E77E713}" dt="2024-12-09T09:31:17.618" v="2"/>
+        <pc:sldMkLst>
+          <pc:docMk/>
+          <pc:sldMk cId="4165253903" sldId="263"/>
+        </pc:sldMkLst>
+        <pc:spChg chg="add">
+          <ac:chgData name="Enes Yilmaz" userId="S::117560@vituscollege.nl::50f28cf6-57d2-41e5-8501-60a3cb8dcd35" providerId="AD" clId="Web-{ADCAB3CA-AE47-D5C9-8E9C-141E4E77E713}" dt="2024-12-09T09:31:17.618" v="2"/>
+          <ac:spMkLst>
+            <pc:docMk/>
+            <pc:sldMk cId="4165253903" sldId="263"/>
+            <ac:spMk id="9" creationId="{42A4FC2C-047E-45A5-965D-8E1E3BF09BC6}"/>
+          </ac:spMkLst>
+        </pc:spChg>
+        <pc:picChg chg="add mod ord">
+          <ac:chgData name="Enes Yilmaz" userId="S::117560@vituscollege.nl::50f28cf6-57d2-41e5-8501-60a3cb8dcd35" providerId="AD" clId="Web-{ADCAB3CA-AE47-D5C9-8E9C-141E4E77E713}" dt="2024-12-09T09:31:17.618" v="2"/>
+          <ac:picMkLst>
+            <pc:docMk/>
+            <pc:sldMk cId="4165253903" sldId="263"/>
+            <ac:picMk id="4" creationId="{C893F444-F72C-A225-CB8A-574FF9F49F0B}"/>
+          </ac:picMkLst>
+        </pc:picChg>
+      </pc:sldChg>
+      <pc:sldChg chg="addSp delSp modSp new">
+        <pc:chgData name="Enes Yilmaz" userId="S::117560@vituscollege.nl::50f28cf6-57d2-41e5-8501-60a3cb8dcd35" providerId="AD" clId="Web-{ADCAB3CA-AE47-D5C9-8E9C-141E4E77E713}" dt="2024-12-09T09:39:43.396" v="168" actId="20577"/>
+        <pc:sldMkLst>
+          <pc:docMk/>
+          <pc:sldMk cId="3236597655" sldId="264"/>
+        </pc:sldMkLst>
+        <pc:spChg chg="mod">
+          <ac:chgData name="Enes Yilmaz" userId="S::117560@vituscollege.nl::50f28cf6-57d2-41e5-8501-60a3cb8dcd35" providerId="AD" clId="Web-{ADCAB3CA-AE47-D5C9-8E9C-141E4E77E713}" dt="2024-12-09T09:32:02.307" v="11" actId="20577"/>
+          <ac:spMkLst>
+            <pc:docMk/>
+            <pc:sldMk cId="3236597655" sldId="264"/>
+            <ac:spMk id="2" creationId="{951F5C6D-ECA4-342F-7D1F-14DB5D72B90F}"/>
+          </ac:spMkLst>
+        </pc:spChg>
+        <pc:spChg chg="add mod">
+          <ac:chgData name="Enes Yilmaz" userId="S::117560@vituscollege.nl::50f28cf6-57d2-41e5-8501-60a3cb8dcd35" providerId="AD" clId="Web-{ADCAB3CA-AE47-D5C9-8E9C-141E4E77E713}" dt="2024-12-09T09:39:19.911" v="162" actId="14100"/>
+          <ac:spMkLst>
+            <pc:docMk/>
+            <pc:sldMk cId="3236597655" sldId="264"/>
+            <ac:spMk id="4" creationId="{2CCB3762-3C94-C22B-59FF-AED9938F584E}"/>
+          </ac:spMkLst>
+        </pc:spChg>
+        <pc:spChg chg="add mod">
+          <ac:chgData name="Enes Yilmaz" userId="S::117560@vituscollege.nl::50f28cf6-57d2-41e5-8501-60a3cb8dcd35" providerId="AD" clId="Web-{ADCAB3CA-AE47-D5C9-8E9C-141E4E77E713}" dt="2024-12-09T09:39:43.396" v="168" actId="20577"/>
+          <ac:spMkLst>
+            <pc:docMk/>
+            <pc:sldMk cId="3236597655" sldId="264"/>
+            <ac:spMk id="8" creationId="{F8C88C72-525E-DAA8-9822-61FF924B9910}"/>
+          </ac:spMkLst>
+        </pc:spChg>
+        <pc:spChg chg="add mod">
+          <ac:chgData name="Enes Yilmaz" userId="S::117560@vituscollege.nl::50f28cf6-57d2-41e5-8501-60a3cb8dcd35" providerId="AD" clId="Web-{ADCAB3CA-AE47-D5C9-8E9C-141E4E77E713}" dt="2024-12-09T09:34:50.248" v="70" actId="1076"/>
+          <ac:spMkLst>
+            <pc:docMk/>
+            <pc:sldMk cId="3236597655" sldId="264"/>
+            <ac:spMk id="9" creationId="{456C4B98-0958-653C-EF48-D25493C47E88}"/>
+          </ac:spMkLst>
+        </pc:spChg>
+        <pc:spChg chg="add mod">
+          <ac:chgData name="Enes Yilmaz" userId="S::117560@vituscollege.nl::50f28cf6-57d2-41e5-8501-60a3cb8dcd35" providerId="AD" clId="Web-{ADCAB3CA-AE47-D5C9-8E9C-141E4E77E713}" dt="2024-12-09T09:34:55.201" v="72" actId="1076"/>
+          <ac:spMkLst>
+            <pc:docMk/>
+            <pc:sldMk cId="3236597655" sldId="264"/>
+            <ac:spMk id="10" creationId="{F921749A-4D6E-5C09-D72C-C9EA809BCC74}"/>
+          </ac:spMkLst>
+        </pc:spChg>
       </pc:sldChg>
     </pc:docChg>
   </pc:docChgLst>
@@ -396,7 +1233,7 @@
           <a:p>
             <a:fld id="{B654288B-FF63-4F6B-9989-78C0A26C7C0C}" type="datetimeFigureOut">
               <a:rPr lang="nl-NL" smtClean="0"/>
-              <a:t>3-12-2024</a:t>
+              <a:t>17-12-2024</a:t>
             </a:fld>
             <a:endParaRPr lang="nl-NL"/>
           </a:p>
@@ -978,7 +1815,7 @@
           <a:p>
             <a:fld id="{E33D0A3C-8D22-47EE-8A01-7D675985161C}" type="datetimeFigureOut">
               <a:rPr lang="nl-NL" smtClean="0"/>
-              <a:t>3-12-2024</a:t>
+              <a:t>17-12-2024</a:t>
             </a:fld>
             <a:endParaRPr lang="nl-NL"/>
           </a:p>
@@ -1176,7 +2013,7 @@
           <a:p>
             <a:fld id="{E33D0A3C-8D22-47EE-8A01-7D675985161C}" type="datetimeFigureOut">
               <a:rPr lang="nl-NL" smtClean="0"/>
-              <a:t>3-12-2024</a:t>
+              <a:t>17-12-2024</a:t>
             </a:fld>
             <a:endParaRPr lang="nl-NL"/>
           </a:p>
@@ -1384,7 +2221,7 @@
           <a:p>
             <a:fld id="{E33D0A3C-8D22-47EE-8A01-7D675985161C}" type="datetimeFigureOut">
               <a:rPr lang="nl-NL" smtClean="0"/>
-              <a:t>3-12-2024</a:t>
+              <a:t>17-12-2024</a:t>
             </a:fld>
             <a:endParaRPr lang="nl-NL"/>
           </a:p>
@@ -1582,7 +2419,7 @@
           <a:p>
             <a:fld id="{E33D0A3C-8D22-47EE-8A01-7D675985161C}" type="datetimeFigureOut">
               <a:rPr lang="nl-NL" smtClean="0"/>
-              <a:t>3-12-2024</a:t>
+              <a:t>17-12-2024</a:t>
             </a:fld>
             <a:endParaRPr lang="nl-NL"/>
           </a:p>
@@ -1857,7 +2694,7 @@
           <a:p>
             <a:fld id="{E33D0A3C-8D22-47EE-8A01-7D675985161C}" type="datetimeFigureOut">
               <a:rPr lang="nl-NL" smtClean="0"/>
-              <a:t>3-12-2024</a:t>
+              <a:t>17-12-2024</a:t>
             </a:fld>
             <a:endParaRPr lang="nl-NL"/>
           </a:p>
@@ -2122,7 +2959,7 @@
           <a:p>
             <a:fld id="{E33D0A3C-8D22-47EE-8A01-7D675985161C}" type="datetimeFigureOut">
               <a:rPr lang="nl-NL" smtClean="0"/>
-              <a:t>3-12-2024</a:t>
+              <a:t>17-12-2024</a:t>
             </a:fld>
             <a:endParaRPr lang="nl-NL"/>
           </a:p>
@@ -2534,7 +3371,7 @@
           <a:p>
             <a:fld id="{E33D0A3C-8D22-47EE-8A01-7D675985161C}" type="datetimeFigureOut">
               <a:rPr lang="nl-NL" smtClean="0"/>
-              <a:t>3-12-2024</a:t>
+              <a:t>17-12-2024</a:t>
             </a:fld>
             <a:endParaRPr lang="nl-NL"/>
           </a:p>
@@ -2675,7 +3512,7 @@
           <a:p>
             <a:fld id="{E33D0A3C-8D22-47EE-8A01-7D675985161C}" type="datetimeFigureOut">
               <a:rPr lang="nl-NL" smtClean="0"/>
-              <a:t>3-12-2024</a:t>
+              <a:t>17-12-2024</a:t>
             </a:fld>
             <a:endParaRPr lang="nl-NL"/>
           </a:p>
@@ -2788,7 +3625,7 @@
           <a:p>
             <a:fld id="{E33D0A3C-8D22-47EE-8A01-7D675985161C}" type="datetimeFigureOut">
               <a:rPr lang="nl-NL" smtClean="0"/>
-              <a:t>3-12-2024</a:t>
+              <a:t>17-12-2024</a:t>
             </a:fld>
             <a:endParaRPr lang="nl-NL"/>
           </a:p>
@@ -3099,7 +3936,7 @@
           <a:p>
             <a:fld id="{E33D0A3C-8D22-47EE-8A01-7D675985161C}" type="datetimeFigureOut">
               <a:rPr lang="nl-NL" smtClean="0"/>
-              <a:t>3-12-2024</a:t>
+              <a:t>17-12-2024</a:t>
             </a:fld>
             <a:endParaRPr lang="nl-NL"/>
           </a:p>
@@ -3387,7 +4224,7 @@
           <a:p>
             <a:fld id="{E33D0A3C-8D22-47EE-8A01-7D675985161C}" type="datetimeFigureOut">
               <a:rPr lang="nl-NL" smtClean="0"/>
-              <a:t>3-12-2024</a:t>
+              <a:t>17-12-2024</a:t>
             </a:fld>
             <a:endParaRPr lang="nl-NL"/>
           </a:p>
@@ -3628,7 +4465,7 @@
           <a:p>
             <a:fld id="{E33D0A3C-8D22-47EE-8A01-7D675985161C}" type="datetimeFigureOut">
               <a:rPr lang="nl-NL" smtClean="0"/>
-              <a:t>3-12-2024</a:t>
+              <a:t>17-12-2024</a:t>
             </a:fld>
             <a:endParaRPr lang="nl-NL"/>
           </a:p>
@@ -4582,6 +5419,2620 @@
 </p:sld>
 </file>
 
+<file path=ppt/slides/slide10.xml><?xml version="1.0" encoding="utf-8"?>
+<p:sld xmlns:a="http://schemas.openxmlformats.org/drawingml/2006/main" xmlns:r="http://schemas.openxmlformats.org/officeDocument/2006/relationships" xmlns:p="http://schemas.openxmlformats.org/presentationml/2006/main">
+  <p:cSld>
+    <p:spTree>
+      <p:nvGrpSpPr>
+        <p:cNvPr id="1" name="">
+          <a:extLst>
+            <a:ext uri="{FF2B5EF4-FFF2-40B4-BE49-F238E27FC236}">
+              <a16:creationId xmlns:a16="http://schemas.microsoft.com/office/drawing/2014/main" id="{C13E5DE5-77C9-A969-2219-451267501973}"/>
+            </a:ext>
+          </a:extLst>
+        </p:cNvPr>
+        <p:cNvGrpSpPr/>
+        <p:nvPr/>
+      </p:nvGrpSpPr>
+      <p:grpSpPr>
+        <a:xfrm>
+          <a:off x="0" y="0"/>
+          <a:ext cx="0" cy="0"/>
+          <a:chOff x="0" y="0"/>
+          <a:chExt cx="0" cy="0"/>
+        </a:xfrm>
+      </p:grpSpPr>
+      <p:sp>
+        <p:nvSpPr>
+          <p:cNvPr id="2" name="Titel 1">
+            <a:extLst>
+              <a:ext uri="{FF2B5EF4-FFF2-40B4-BE49-F238E27FC236}">
+                <a16:creationId xmlns:a16="http://schemas.microsoft.com/office/drawing/2014/main" id="{F4EC5E0B-F85F-5EBE-9F10-BEB3A5F885E3}"/>
+              </a:ext>
+            </a:extLst>
+          </p:cNvPr>
+          <p:cNvSpPr>
+            <a:spLocks noGrp="1"/>
+          </p:cNvSpPr>
+          <p:nvPr>
+            <p:ph type="title"/>
+          </p:nvPr>
+        </p:nvSpPr>
+        <p:spPr>
+          <a:xfrm>
+            <a:off x="838200" y="2881988"/>
+            <a:ext cx="10515600" cy="1325563"/>
+          </a:xfrm>
+        </p:spPr>
+        <p:txBody>
+          <a:bodyPr>
+            <a:normAutofit fontScale="90000"/>
+          </a:bodyPr>
+          <a:lstStyle/>
+          <a:p>
+            <a:r>
+              <a:rPr lang="nl-NL" sz="10700" b="1" err="1">
+                <a:ln w="22225">
+                  <a:solidFill>
+                    <a:schemeClr val="accent2"/>
+                  </a:solidFill>
+                  <a:prstDash val="solid"/>
+                </a:ln>
+                <a:solidFill>
+                  <a:schemeClr val="accent2">
+                    <a:lumMod val="40000"/>
+                    <a:lumOff val="60000"/>
+                  </a:schemeClr>
+                </a:solidFill>
+              </a:rPr>
+              <a:t>Onjuist!</a:t>
+            </a:r>
+            <a:r>
+              <a:rPr lang="nl-NL" sz="3100" b="1" err="1">
+                <a:ln w="22225">
+                  <a:solidFill>
+                    <a:schemeClr val="accent2"/>
+                  </a:solidFill>
+                  <a:prstDash val="solid"/>
+                </a:ln>
+                <a:solidFill>
+                  <a:schemeClr val="accent2">
+                    <a:lumMod val="40000"/>
+                    <a:lumOff val="60000"/>
+                  </a:schemeClr>
+                </a:solidFill>
+              </a:rPr>
+              <a:t>Goed</a:t>
+            </a:r>
+            <a:r>
+              <a:rPr lang="nl-NL" sz="3100" b="1">
+                <a:ln w="22225">
+                  <a:solidFill>
+                    <a:schemeClr val="accent2"/>
+                  </a:solidFill>
+                  <a:prstDash val="solid"/>
+                </a:ln>
+                <a:solidFill>
+                  <a:schemeClr val="accent2">
+                    <a:lumMod val="40000"/>
+                    <a:lumOff val="60000"/>
+                  </a:schemeClr>
+                </a:solidFill>
+              </a:rPr>
+              <a:t> lezen, het is namelijk wel 1 van de opties</a:t>
+            </a:r>
+            <a:r>
+              <a:rPr lang="nl-NL" sz="3100" b="1" kern="100">
+                <a:ln w="22225">
+                  <a:solidFill>
+                    <a:schemeClr val="accent2"/>
+                  </a:solidFill>
+                  <a:prstDash val="solid"/>
+                </a:ln>
+                <a:solidFill>
+                  <a:schemeClr val="accent2">
+                    <a:lumMod val="40000"/>
+                    <a:lumOff val="60000"/>
+                  </a:schemeClr>
+                </a:solidFill>
+                <a:latin typeface="Aptos" panose="020B0004020202020204" pitchFamily="34" charset="0"/>
+                <a:ea typeface="Aptos" panose="020B0004020202020204" pitchFamily="34" charset="0"/>
+                <a:cs typeface="Times New Roman" panose="02020603050405020304" pitchFamily="18" charset="0"/>
+              </a:rPr>
+              <a:t>.</a:t>
+            </a:r>
+            <a:endParaRPr lang="nl-NL" b="1">
+              <a:ln w="22225">
+                <a:solidFill>
+                  <a:schemeClr val="accent2"/>
+                </a:solidFill>
+                <a:prstDash val="solid"/>
+              </a:ln>
+              <a:solidFill>
+                <a:schemeClr val="accent2">
+                  <a:lumMod val="40000"/>
+                  <a:lumOff val="60000"/>
+                </a:schemeClr>
+              </a:solidFill>
+            </a:endParaRPr>
+          </a:p>
+        </p:txBody>
+      </p:sp>
+      <p:pic>
+        <p:nvPicPr>
+          <p:cNvPr id="4098" name="Picture 2" descr="Ronaldo angry about lack of goals, says Zidane | Reuters">
+            <a:extLst>
+              <a:ext uri="{FF2B5EF4-FFF2-40B4-BE49-F238E27FC236}">
+                <a16:creationId xmlns:a16="http://schemas.microsoft.com/office/drawing/2014/main" id="{9E269EFF-E4B4-0E5D-AD99-57C2038219B3}"/>
+              </a:ext>
+            </a:extLst>
+          </p:cNvPr>
+          <p:cNvPicPr>
+            <a:picLocks noChangeAspect="1" noChangeArrowheads="1"/>
+          </p:cNvPicPr>
+          <p:nvPr/>
+        </p:nvPicPr>
+        <p:blipFill>
+          <a:blip r:embed="rId2">
+            <a:extLst>
+              <a:ext uri="{28A0092B-C50C-407E-A947-70E740481C1C}">
+                <a14:useLocalDpi xmlns:a14="http://schemas.microsoft.com/office/drawing/2010/main" val="0"/>
+              </a:ext>
+            </a:extLst>
+          </a:blip>
+          <a:srcRect/>
+          <a:stretch>
+            <a:fillRect/>
+          </a:stretch>
+        </p:blipFill>
+        <p:spPr bwMode="auto">
+          <a:xfrm>
+            <a:off x="3411755" y="410476"/>
+            <a:ext cx="3123799" cy="2261321"/>
+          </a:xfrm>
+          <a:prstGeom prst="ellipse">
+            <a:avLst/>
+          </a:prstGeom>
+          <a:ln>
+            <a:noFill/>
+          </a:ln>
+          <a:effectLst>
+            <a:softEdge rad="112500"/>
+          </a:effectLst>
+          <a:extLst>
+            <a:ext uri="{909E8E84-426E-40DD-AFC4-6F175D3DCCD1}">
+              <a14:hiddenFill xmlns:a14="http://schemas.microsoft.com/office/drawing/2010/main">
+                <a:solidFill>
+                  <a:srgbClr val="FFFFFF"/>
+                </a:solidFill>
+              </a14:hiddenFill>
+            </a:ext>
+          </a:extLst>
+        </p:spPr>
+      </p:pic>
+      <p:pic>
+        <p:nvPicPr>
+          <p:cNvPr id="4" name="Afbeelding 3">
+            <a:hlinkClick r:id="rId3" action="ppaction://hlinksldjump"/>
+            <a:extLst>
+              <a:ext uri="{FF2B5EF4-FFF2-40B4-BE49-F238E27FC236}">
+                <a16:creationId xmlns:a16="http://schemas.microsoft.com/office/drawing/2014/main" id="{18457B54-10C1-3A55-2C4B-B815FBC36B63}"/>
+              </a:ext>
+            </a:extLst>
+          </p:cNvPr>
+          <p:cNvPicPr>
+            <a:picLocks noChangeAspect="1"/>
+          </p:cNvPicPr>
+          <p:nvPr/>
+        </p:nvPicPr>
+        <p:blipFill>
+          <a:blip r:embed="rId4"/>
+          <a:stretch>
+            <a:fillRect/>
+          </a:stretch>
+        </p:blipFill>
+        <p:spPr>
+          <a:xfrm>
+            <a:off x="9320069" y="4961440"/>
+            <a:ext cx="1694835" cy="1420491"/>
+          </a:xfrm>
+          <a:prstGeom prst="rect">
+            <a:avLst/>
+          </a:prstGeom>
+        </p:spPr>
+      </p:pic>
+    </p:spTree>
+    <p:extLst>
+      <p:ext uri="{BB962C8B-B14F-4D97-AF65-F5344CB8AC3E}">
+        <p14:creationId xmlns:p14="http://schemas.microsoft.com/office/powerpoint/2010/main" val="952186827"/>
+      </p:ext>
+    </p:extLst>
+  </p:cSld>
+  <p:clrMapOvr>
+    <a:masterClrMapping/>
+  </p:clrMapOvr>
+</p:sld>
+</file>
+
+<file path=ppt/slides/slide11.xml><?xml version="1.0" encoding="utf-8"?>
+<p:sld xmlns:a="http://schemas.openxmlformats.org/drawingml/2006/main" xmlns:r="http://schemas.openxmlformats.org/officeDocument/2006/relationships" xmlns:p="http://schemas.openxmlformats.org/presentationml/2006/main">
+  <p:cSld>
+    <p:spTree>
+      <p:nvGrpSpPr>
+        <p:cNvPr id="1" name=""/>
+        <p:cNvGrpSpPr/>
+        <p:nvPr/>
+      </p:nvGrpSpPr>
+      <p:grpSpPr>
+        <a:xfrm>
+          <a:off x="0" y="0"/>
+          <a:ext cx="0" cy="0"/>
+          <a:chOff x="0" y="0"/>
+          <a:chExt cx="0" cy="0"/>
+        </a:xfrm>
+      </p:grpSpPr>
+      <p:sp>
+        <p:nvSpPr>
+          <p:cNvPr id="2" name="Titel 1">
+            <a:extLst>
+              <a:ext uri="{FF2B5EF4-FFF2-40B4-BE49-F238E27FC236}">
+                <a16:creationId xmlns:a16="http://schemas.microsoft.com/office/drawing/2014/main" id="{F6E5A015-917C-D071-3AB2-838CD7BEC5C6}"/>
+              </a:ext>
+            </a:extLst>
+          </p:cNvPr>
+          <p:cNvSpPr>
+            <a:spLocks noGrp="1"/>
+          </p:cNvSpPr>
+          <p:nvPr>
+            <p:ph type="title"/>
+          </p:nvPr>
+        </p:nvSpPr>
+        <p:spPr>
+          <a:xfrm>
+            <a:off x="838200" y="455660"/>
+            <a:ext cx="10515600" cy="1325563"/>
+          </a:xfrm>
+        </p:spPr>
+        <p:txBody>
+          <a:bodyPr>
+            <a:normAutofit/>
+          </a:bodyPr>
+          <a:lstStyle/>
+          <a:p>
+            <a:br>
+              <a:rPr lang="nl-NL"/>
+            </a:br>
+            <a:endParaRPr lang="nl-NL"/>
+          </a:p>
+        </p:txBody>
+      </p:sp>
+      <p:sp>
+        <p:nvSpPr>
+          <p:cNvPr id="5" name="Tekstvak 4">
+            <a:extLst>
+              <a:ext uri="{FF2B5EF4-FFF2-40B4-BE49-F238E27FC236}">
+                <a16:creationId xmlns:a16="http://schemas.microsoft.com/office/drawing/2014/main" id="{13E6876E-4303-F225-16C1-3E177C6DEA56}"/>
+              </a:ext>
+            </a:extLst>
+          </p:cNvPr>
+          <p:cNvSpPr txBox="1"/>
+          <p:nvPr/>
+        </p:nvSpPr>
+        <p:spPr>
+          <a:xfrm>
+            <a:off x="2922008" y="532725"/>
+            <a:ext cx="6097508" cy="1384995"/>
+          </a:xfrm>
+          <a:prstGeom prst="rect">
+            <a:avLst/>
+          </a:prstGeom>
+          <a:noFill/>
+        </p:spPr>
+        <p:txBody>
+          <a:bodyPr wrap="square">
+            <a:spAutoFit/>
+          </a:bodyPr>
+          <a:lstStyle/>
+          <a:p>
+            <a:pPr algn="ctr"/>
+            <a:r>
+              <a:rPr lang="nl-NL" sz="2800" b="1"/>
+              <a:t>2: kies uit de opties die er NIET bij horen; het gaat hierbij om de fysieke laag:</a:t>
+            </a:r>
+          </a:p>
+        </p:txBody>
+      </p:sp>
+      <p:sp>
+        <p:nvSpPr>
+          <p:cNvPr id="4" name="Rechthoek: afgeronde hoeken 3">
+            <a:hlinkClick r:id="rId2" action="ppaction://hlinksldjump"/>
+            <a:extLst>
+              <a:ext uri="{FF2B5EF4-FFF2-40B4-BE49-F238E27FC236}">
+                <a16:creationId xmlns:a16="http://schemas.microsoft.com/office/drawing/2014/main" id="{7550BDD5-CB53-0F00-80A1-26148F5AC5F2}"/>
+              </a:ext>
+            </a:extLst>
+          </p:cNvPr>
+          <p:cNvSpPr/>
+          <p:nvPr/>
+        </p:nvSpPr>
+        <p:spPr>
+          <a:xfrm>
+            <a:off x="7045862" y="2964828"/>
+            <a:ext cx="1598446" cy="1075054"/>
+          </a:xfrm>
+          <a:prstGeom prst="roundRect">
+            <a:avLst/>
+          </a:prstGeom>
+        </p:spPr>
+        <p:style>
+          <a:lnRef idx="2">
+            <a:schemeClr val="accent1">
+              <a:shade val="15000"/>
+            </a:schemeClr>
+          </a:lnRef>
+          <a:fillRef idx="1">
+            <a:schemeClr val="accent1"/>
+          </a:fillRef>
+          <a:effectRef idx="0">
+            <a:schemeClr val="accent1"/>
+          </a:effectRef>
+          <a:fontRef idx="minor">
+            <a:schemeClr val="lt1"/>
+          </a:fontRef>
+        </p:style>
+        <p:txBody>
+          <a:bodyPr rtlCol="0" anchor="ctr"/>
+          <a:lstStyle/>
+          <a:p>
+            <a:pPr algn="ctr"/>
+            <a:r>
+              <a:rPr lang="nl-NL" sz="1400">
+                <a:solidFill>
+                  <a:schemeClr val="bg1"/>
+                </a:solidFill>
+              </a:rPr>
+              <a:t>  D Protocollen</a:t>
+            </a:r>
+          </a:p>
+        </p:txBody>
+      </p:sp>
+      <p:sp>
+        <p:nvSpPr>
+          <p:cNvPr id="10" name="Rechthoek: afgeronde hoeken 9">
+            <a:hlinkClick r:id="rId3" action="ppaction://hlinksldjump"/>
+            <a:extLst>
+              <a:ext uri="{FF2B5EF4-FFF2-40B4-BE49-F238E27FC236}">
+                <a16:creationId xmlns:a16="http://schemas.microsoft.com/office/drawing/2014/main" id="{33B42BA5-508B-D7AC-1331-1342BA997890}"/>
+              </a:ext>
+            </a:extLst>
+          </p:cNvPr>
+          <p:cNvSpPr/>
+          <p:nvPr/>
+        </p:nvSpPr>
+        <p:spPr>
+          <a:xfrm>
+            <a:off x="1018133" y="2964828"/>
+            <a:ext cx="1598446" cy="1075054"/>
+          </a:xfrm>
+          <a:prstGeom prst="roundRect">
+            <a:avLst/>
+          </a:prstGeom>
+        </p:spPr>
+        <p:style>
+          <a:lnRef idx="2">
+            <a:schemeClr val="accent1">
+              <a:shade val="15000"/>
+            </a:schemeClr>
+          </a:lnRef>
+          <a:fillRef idx="1">
+            <a:schemeClr val="accent1"/>
+          </a:fillRef>
+          <a:effectRef idx="0">
+            <a:schemeClr val="accent1"/>
+          </a:effectRef>
+          <a:fontRef idx="minor">
+            <a:schemeClr val="lt1"/>
+          </a:fontRef>
+        </p:style>
+        <p:txBody>
+          <a:bodyPr rtlCol="0" anchor="ctr"/>
+          <a:lstStyle/>
+          <a:p>
+            <a:pPr algn="ctr"/>
+            <a:r>
+              <a:rPr lang="nl-NL" sz="1400">
+                <a:solidFill>
+                  <a:schemeClr val="bg1"/>
+                </a:solidFill>
+              </a:rPr>
+              <a:t>  A Moederbord</a:t>
+            </a:r>
+          </a:p>
+        </p:txBody>
+      </p:sp>
+      <p:sp>
+        <p:nvSpPr>
+          <p:cNvPr id="11" name="Rechthoek: afgeronde hoeken 10">
+            <a:hlinkClick r:id="rId4" action="ppaction://hlinksldjump"/>
+            <a:extLst>
+              <a:ext uri="{FF2B5EF4-FFF2-40B4-BE49-F238E27FC236}">
+                <a16:creationId xmlns:a16="http://schemas.microsoft.com/office/drawing/2014/main" id="{3319E52A-88D1-2AF6-0852-5176E490D225}"/>
+              </a:ext>
+            </a:extLst>
+          </p:cNvPr>
+          <p:cNvSpPr/>
+          <p:nvPr/>
+        </p:nvSpPr>
+        <p:spPr>
+          <a:xfrm>
+            <a:off x="5036619" y="2964828"/>
+            <a:ext cx="1598446" cy="1075054"/>
+          </a:xfrm>
+          <a:prstGeom prst="roundRect">
+            <a:avLst/>
+          </a:prstGeom>
+        </p:spPr>
+        <p:style>
+          <a:lnRef idx="2">
+            <a:schemeClr val="accent1">
+              <a:shade val="15000"/>
+            </a:schemeClr>
+          </a:lnRef>
+          <a:fillRef idx="1">
+            <a:schemeClr val="accent1"/>
+          </a:fillRef>
+          <a:effectRef idx="0">
+            <a:schemeClr val="accent1"/>
+          </a:effectRef>
+          <a:fontRef idx="minor">
+            <a:schemeClr val="lt1"/>
+          </a:fontRef>
+        </p:style>
+        <p:txBody>
+          <a:bodyPr rtlCol="0" anchor="ctr"/>
+          <a:lstStyle/>
+          <a:p>
+            <a:pPr algn="ctr"/>
+            <a:r>
+              <a:rPr lang="nl-NL" sz="1400">
+                <a:solidFill>
+                  <a:schemeClr val="bg1"/>
+                </a:solidFill>
+              </a:rPr>
+              <a:t>  C Beveiliging</a:t>
+            </a:r>
+          </a:p>
+        </p:txBody>
+      </p:sp>
+      <p:sp>
+        <p:nvSpPr>
+          <p:cNvPr id="12" name="Rechthoek: afgeronde hoeken 11">
+            <a:hlinkClick r:id="rId3" action="ppaction://hlinksldjump"/>
+            <a:extLst>
+              <a:ext uri="{FF2B5EF4-FFF2-40B4-BE49-F238E27FC236}">
+                <a16:creationId xmlns:a16="http://schemas.microsoft.com/office/drawing/2014/main" id="{A24F5EE3-554B-0E06-0C74-DAC912CBBE4D}"/>
+              </a:ext>
+            </a:extLst>
+          </p:cNvPr>
+          <p:cNvSpPr/>
+          <p:nvPr/>
+        </p:nvSpPr>
+        <p:spPr>
+          <a:xfrm>
+            <a:off x="3027376" y="2964828"/>
+            <a:ext cx="1598446" cy="1075054"/>
+          </a:xfrm>
+          <a:prstGeom prst="roundRect">
+            <a:avLst/>
+          </a:prstGeom>
+        </p:spPr>
+        <p:style>
+          <a:lnRef idx="2">
+            <a:schemeClr val="accent1">
+              <a:shade val="15000"/>
+            </a:schemeClr>
+          </a:lnRef>
+          <a:fillRef idx="1">
+            <a:schemeClr val="accent1"/>
+          </a:fillRef>
+          <a:effectRef idx="0">
+            <a:schemeClr val="accent1"/>
+          </a:effectRef>
+          <a:fontRef idx="minor">
+            <a:schemeClr val="lt1"/>
+          </a:fontRef>
+        </p:style>
+        <p:txBody>
+          <a:bodyPr rtlCol="0" anchor="ctr"/>
+          <a:lstStyle/>
+          <a:p>
+            <a:pPr algn="ctr"/>
+            <a:r>
+              <a:rPr lang="nl-NL" sz="1400">
+                <a:solidFill>
+                  <a:schemeClr val="bg1"/>
+                </a:solidFill>
+              </a:rPr>
+              <a:t>  B Chipset</a:t>
+            </a:r>
+          </a:p>
+        </p:txBody>
+      </p:sp>
+      <p:sp>
+        <p:nvSpPr>
+          <p:cNvPr id="13" name="Rechthoek: afgeronde hoeken 12">
+            <a:hlinkClick r:id="rId3" action="ppaction://hlinksldjump"/>
+            <a:extLst>
+              <a:ext uri="{FF2B5EF4-FFF2-40B4-BE49-F238E27FC236}">
+                <a16:creationId xmlns:a16="http://schemas.microsoft.com/office/drawing/2014/main" id="{48601355-D01B-9FAB-1ED7-713063B6B7EE}"/>
+              </a:ext>
+            </a:extLst>
+          </p:cNvPr>
+          <p:cNvSpPr/>
+          <p:nvPr/>
+        </p:nvSpPr>
+        <p:spPr>
+          <a:xfrm>
+            <a:off x="9055105" y="2964828"/>
+            <a:ext cx="1598446" cy="1075054"/>
+          </a:xfrm>
+          <a:prstGeom prst="roundRect">
+            <a:avLst/>
+          </a:prstGeom>
+        </p:spPr>
+        <p:style>
+          <a:lnRef idx="2">
+            <a:schemeClr val="accent1">
+              <a:shade val="15000"/>
+            </a:schemeClr>
+          </a:lnRef>
+          <a:fillRef idx="1">
+            <a:schemeClr val="accent1"/>
+          </a:fillRef>
+          <a:effectRef idx="0">
+            <a:schemeClr val="accent1"/>
+          </a:effectRef>
+          <a:fontRef idx="minor">
+            <a:schemeClr val="lt1"/>
+          </a:fontRef>
+        </p:style>
+        <p:txBody>
+          <a:bodyPr rtlCol="0" anchor="ctr"/>
+          <a:lstStyle/>
+          <a:p>
+            <a:pPr algn="ctr"/>
+            <a:r>
+              <a:rPr lang="nl-NL" sz="1400">
+                <a:solidFill>
+                  <a:schemeClr val="bg1"/>
+                </a:solidFill>
+              </a:rPr>
+              <a:t>  E Voeding</a:t>
+            </a:r>
+          </a:p>
+        </p:txBody>
+      </p:sp>
+    </p:spTree>
+    <p:extLst>
+      <p:ext uri="{BB962C8B-B14F-4D97-AF65-F5344CB8AC3E}">
+        <p14:creationId xmlns:p14="http://schemas.microsoft.com/office/powerpoint/2010/main" val="3056419735"/>
+      </p:ext>
+    </p:extLst>
+  </p:cSld>
+  <p:clrMapOvr>
+    <a:masterClrMapping/>
+  </p:clrMapOvr>
+</p:sld>
+</file>
+
+<file path=ppt/slides/slide12.xml><?xml version="1.0" encoding="utf-8"?>
+<p:sld xmlns:a="http://schemas.openxmlformats.org/drawingml/2006/main" xmlns:r="http://schemas.openxmlformats.org/officeDocument/2006/relationships" xmlns:p="http://schemas.openxmlformats.org/presentationml/2006/main">
+  <p:cSld>
+    <p:spTree>
+      <p:nvGrpSpPr>
+        <p:cNvPr id="1" name="">
+          <a:extLst>
+            <a:ext uri="{FF2B5EF4-FFF2-40B4-BE49-F238E27FC236}">
+              <a16:creationId xmlns:a16="http://schemas.microsoft.com/office/drawing/2014/main" id="{82B806C0-75F4-E749-F0C5-76C066524479}"/>
+            </a:ext>
+          </a:extLst>
+        </p:cNvPr>
+        <p:cNvGrpSpPr/>
+        <p:nvPr/>
+      </p:nvGrpSpPr>
+      <p:grpSpPr>
+        <a:xfrm>
+          <a:off x="0" y="0"/>
+          <a:ext cx="0" cy="0"/>
+          <a:chOff x="0" y="0"/>
+          <a:chExt cx="0" cy="0"/>
+        </a:xfrm>
+      </p:grpSpPr>
+      <p:sp>
+        <p:nvSpPr>
+          <p:cNvPr id="2" name="Titel 1">
+            <a:extLst>
+              <a:ext uri="{FF2B5EF4-FFF2-40B4-BE49-F238E27FC236}">
+                <a16:creationId xmlns:a16="http://schemas.microsoft.com/office/drawing/2014/main" id="{05A58510-A938-1598-DA66-4888F9B4CDBA}"/>
+              </a:ext>
+            </a:extLst>
+          </p:cNvPr>
+          <p:cNvSpPr>
+            <a:spLocks noGrp="1"/>
+          </p:cNvSpPr>
+          <p:nvPr>
+            <p:ph type="title"/>
+          </p:nvPr>
+        </p:nvSpPr>
+        <p:spPr>
+          <a:xfrm>
+            <a:off x="838200" y="2976916"/>
+            <a:ext cx="10515600" cy="1325563"/>
+          </a:xfrm>
+        </p:spPr>
+        <p:txBody>
+          <a:bodyPr>
+            <a:normAutofit fontScale="90000"/>
+          </a:bodyPr>
+          <a:lstStyle/>
+          <a:p>
+            <a:r>
+              <a:rPr lang="nl-NL" sz="10700" b="1">
+                <a:ln w="22225">
+                  <a:solidFill>
+                    <a:schemeClr val="accent2"/>
+                  </a:solidFill>
+                  <a:prstDash val="solid"/>
+                </a:ln>
+                <a:solidFill>
+                  <a:schemeClr val="accent2">
+                    <a:lumMod val="40000"/>
+                    <a:lumOff val="60000"/>
+                  </a:schemeClr>
+                </a:solidFill>
+              </a:rPr>
+              <a:t>Onjuist! </a:t>
+            </a:r>
+            <a:r>
+              <a:rPr lang="nl-NL" sz="3100" b="1" kern="100">
+                <a:ln w="22225">
+                  <a:solidFill>
+                    <a:schemeClr val="accent2"/>
+                  </a:solidFill>
+                  <a:prstDash val="solid"/>
+                </a:ln>
+                <a:solidFill>
+                  <a:schemeClr val="accent2">
+                    <a:lumMod val="40000"/>
+                    <a:lumOff val="60000"/>
+                  </a:schemeClr>
+                </a:solidFill>
+                <a:latin typeface="Aptos" panose="020B0004020202020204" pitchFamily="34" charset="0"/>
+                <a:ea typeface="Aptos" panose="020B0004020202020204" pitchFamily="34" charset="0"/>
+                <a:cs typeface="Times New Roman" panose="02020603050405020304" pitchFamily="18" charset="0"/>
+              </a:rPr>
+              <a:t>Dit onderdeel hoort juist WEL bij de fysieke laag.</a:t>
+            </a:r>
+            <a:endParaRPr lang="nl-NL" b="1">
+              <a:ln w="22225">
+                <a:solidFill>
+                  <a:schemeClr val="accent2"/>
+                </a:solidFill>
+                <a:prstDash val="solid"/>
+              </a:ln>
+              <a:solidFill>
+                <a:schemeClr val="accent2">
+                  <a:lumMod val="40000"/>
+                  <a:lumOff val="60000"/>
+                </a:schemeClr>
+              </a:solidFill>
+            </a:endParaRPr>
+          </a:p>
+        </p:txBody>
+      </p:sp>
+      <p:pic>
+        <p:nvPicPr>
+          <p:cNvPr id="4" name="Afbeelding 3">
+            <a:hlinkClick r:id="rId2" action="ppaction://hlinksldjump"/>
+            <a:extLst>
+              <a:ext uri="{FF2B5EF4-FFF2-40B4-BE49-F238E27FC236}">
+                <a16:creationId xmlns:a16="http://schemas.microsoft.com/office/drawing/2014/main" id="{0B8A7E1F-5F6E-CB31-6A21-948EFB505AFC}"/>
+              </a:ext>
+            </a:extLst>
+          </p:cNvPr>
+          <p:cNvPicPr>
+            <a:picLocks noChangeAspect="1"/>
+          </p:cNvPicPr>
+          <p:nvPr/>
+        </p:nvPicPr>
+        <p:blipFill>
+          <a:blip r:embed="rId3"/>
+          <a:stretch>
+            <a:fillRect/>
+          </a:stretch>
+        </p:blipFill>
+        <p:spPr>
+          <a:xfrm>
+            <a:off x="9560700" y="5057693"/>
+            <a:ext cx="1694835" cy="1420491"/>
+          </a:xfrm>
+          <a:prstGeom prst="rect">
+            <a:avLst/>
+          </a:prstGeom>
+        </p:spPr>
+      </p:pic>
+      <p:pic>
+        <p:nvPicPr>
+          <p:cNvPr id="1026" name="Picture 2" descr="Angry Real star set for January exit? | Kickoff">
+            <a:extLst>
+              <a:ext uri="{FF2B5EF4-FFF2-40B4-BE49-F238E27FC236}">
+                <a16:creationId xmlns:a16="http://schemas.microsoft.com/office/drawing/2014/main" id="{C9B634F6-79A9-5123-43C9-2879E88B559E}"/>
+              </a:ext>
+            </a:extLst>
+          </p:cNvPr>
+          <p:cNvPicPr>
+            <a:picLocks noChangeAspect="1" noChangeArrowheads="1"/>
+          </p:cNvPicPr>
+          <p:nvPr/>
+        </p:nvPicPr>
+        <p:blipFill>
+          <a:blip r:embed="rId4">
+            <a:extLst>
+              <a:ext uri="{28A0092B-C50C-407E-A947-70E740481C1C}">
+                <a14:useLocalDpi xmlns:a14="http://schemas.microsoft.com/office/drawing/2010/main" val="0"/>
+              </a:ext>
+            </a:extLst>
+          </a:blip>
+          <a:srcRect/>
+          <a:stretch>
+            <a:fillRect/>
+          </a:stretch>
+        </p:blipFill>
+        <p:spPr bwMode="auto">
+          <a:xfrm>
+            <a:off x="4555305" y="473141"/>
+            <a:ext cx="3338970" cy="2221933"/>
+          </a:xfrm>
+          <a:prstGeom prst="ellipse">
+            <a:avLst/>
+          </a:prstGeom>
+          <a:ln>
+            <a:noFill/>
+          </a:ln>
+          <a:effectLst>
+            <a:softEdge rad="112500"/>
+          </a:effectLst>
+          <a:extLst>
+            <a:ext uri="{909E8E84-426E-40DD-AFC4-6F175D3DCCD1}">
+              <a14:hiddenFill xmlns:a14="http://schemas.microsoft.com/office/drawing/2010/main">
+                <a:solidFill>
+                  <a:srgbClr val="FFFFFF"/>
+                </a:solidFill>
+              </a14:hiddenFill>
+            </a:ext>
+          </a:extLst>
+        </p:spPr>
+      </p:pic>
+    </p:spTree>
+    <p:extLst>
+      <p:ext uri="{BB962C8B-B14F-4D97-AF65-F5344CB8AC3E}">
+        <p14:creationId xmlns:p14="http://schemas.microsoft.com/office/powerpoint/2010/main" val="2378907412"/>
+      </p:ext>
+    </p:extLst>
+  </p:cSld>
+  <p:clrMapOvr>
+    <a:masterClrMapping/>
+  </p:clrMapOvr>
+</p:sld>
+</file>
+
+<file path=ppt/slides/slide13.xml><?xml version="1.0" encoding="utf-8"?>
+<p:sld xmlns:a="http://schemas.openxmlformats.org/drawingml/2006/main" xmlns:r="http://schemas.openxmlformats.org/officeDocument/2006/relationships" xmlns:p="http://schemas.openxmlformats.org/presentationml/2006/main">
+  <p:cSld>
+    <p:spTree>
+      <p:nvGrpSpPr>
+        <p:cNvPr id="1" name="">
+          <a:extLst>
+            <a:ext uri="{FF2B5EF4-FFF2-40B4-BE49-F238E27FC236}">
+              <a16:creationId xmlns:a16="http://schemas.microsoft.com/office/drawing/2014/main" id="{E0373870-803B-2059-6732-C5CCC2133550}"/>
+            </a:ext>
+          </a:extLst>
+        </p:cNvPr>
+        <p:cNvGrpSpPr/>
+        <p:nvPr/>
+      </p:nvGrpSpPr>
+      <p:grpSpPr>
+        <a:xfrm>
+          <a:off x="0" y="0"/>
+          <a:ext cx="0" cy="0"/>
+          <a:chOff x="0" y="0"/>
+          <a:chExt cx="0" cy="0"/>
+        </a:xfrm>
+      </p:grpSpPr>
+      <p:sp>
+        <p:nvSpPr>
+          <p:cNvPr id="2" name="Titel 1">
+            <a:extLst>
+              <a:ext uri="{FF2B5EF4-FFF2-40B4-BE49-F238E27FC236}">
+                <a16:creationId xmlns:a16="http://schemas.microsoft.com/office/drawing/2014/main" id="{8B9932A4-8697-6F7C-B7CA-3A3E50EC9011}"/>
+              </a:ext>
+            </a:extLst>
+          </p:cNvPr>
+          <p:cNvSpPr>
+            <a:spLocks noGrp="1"/>
+          </p:cNvSpPr>
+          <p:nvPr>
+            <p:ph type="title"/>
+          </p:nvPr>
+        </p:nvSpPr>
+        <p:spPr>
+          <a:xfrm>
+            <a:off x="838200" y="2881988"/>
+            <a:ext cx="10515600" cy="1325563"/>
+          </a:xfrm>
+        </p:spPr>
+        <p:txBody>
+          <a:bodyPr>
+            <a:normAutofit fontScale="90000"/>
+            <a:scene3d>
+              <a:camera prst="orthographicFront"/>
+              <a:lightRig rig="harsh" dir="t"/>
+            </a:scene3d>
+            <a:sp3d extrusionH="57150" prstMaterial="matte">
+              <a:bevelT w="63500" h="12700" prst="angle"/>
+              <a:contourClr>
+                <a:schemeClr val="bg1">
+                  <a:lumMod val="65000"/>
+                </a:schemeClr>
+              </a:contourClr>
+            </a:sp3d>
+          </a:bodyPr>
+          <a:lstStyle/>
+          <a:p>
+            <a:r>
+              <a:rPr lang="nl-NL" sz="10700" b="1">
+                <a:ln/>
+                <a:solidFill>
+                  <a:schemeClr val="accent3"/>
+                </a:solidFill>
+              </a:rPr>
+              <a:t>Juist!</a:t>
+            </a:r>
+            <a:r>
+              <a:rPr lang="nl-NL" sz="10700" b="1" kern="100">
+                <a:ln/>
+                <a:solidFill>
+                  <a:schemeClr val="accent3"/>
+                </a:solidFill>
+                <a:latin typeface="Aptos" panose="020B0004020202020204" pitchFamily="34" charset="0"/>
+                <a:ea typeface="Aptos" panose="020B0004020202020204" pitchFamily="34" charset="0"/>
+                <a:cs typeface="Times New Roman" panose="02020603050405020304" pitchFamily="18" charset="0"/>
+              </a:rPr>
+              <a:t> </a:t>
+            </a:r>
+            <a:r>
+              <a:rPr lang="nl-NL" sz="3100" b="1" kern="100">
+                <a:ln/>
+                <a:solidFill>
+                  <a:schemeClr val="accent3"/>
+                </a:solidFill>
+                <a:latin typeface="Aptos" panose="020B0004020202020204" pitchFamily="34" charset="0"/>
+                <a:ea typeface="Aptos" panose="020B0004020202020204" pitchFamily="34" charset="0"/>
+                <a:cs typeface="Times New Roman" panose="02020603050405020304" pitchFamily="18" charset="0"/>
+              </a:rPr>
+              <a:t>Dit onderdeel hoort inderdaad niet bij de fysieke laag, maar bij de logische laag.</a:t>
+            </a:r>
+            <a:endParaRPr lang="nl-NL" b="1">
+              <a:ln/>
+              <a:solidFill>
+                <a:schemeClr val="accent3"/>
+              </a:solidFill>
+            </a:endParaRPr>
+          </a:p>
+        </p:txBody>
+      </p:sp>
+      <p:sp>
+        <p:nvSpPr>
+          <p:cNvPr id="11" name="Bijschrift: pijl-rechts 10">
+            <a:hlinkClick r:id="rId2" action="ppaction://hlinksldjump"/>
+            <a:extLst>
+              <a:ext uri="{FF2B5EF4-FFF2-40B4-BE49-F238E27FC236}">
+                <a16:creationId xmlns:a16="http://schemas.microsoft.com/office/drawing/2014/main" id="{4920AC24-AC20-03FA-AF31-81011693852A}"/>
+              </a:ext>
+            </a:extLst>
+          </p:cNvPr>
+          <p:cNvSpPr/>
+          <p:nvPr/>
+        </p:nvSpPr>
+        <p:spPr>
+          <a:xfrm>
+            <a:off x="9696261" y="5011863"/>
+            <a:ext cx="1865013" cy="1325563"/>
+          </a:xfrm>
+          <a:prstGeom prst="rightArrowCallout">
+            <a:avLst/>
+          </a:prstGeom>
+        </p:spPr>
+        <p:style>
+          <a:lnRef idx="2">
+            <a:schemeClr val="accent1">
+              <a:shade val="15000"/>
+            </a:schemeClr>
+          </a:lnRef>
+          <a:fillRef idx="1">
+            <a:schemeClr val="accent1"/>
+          </a:fillRef>
+          <a:effectRef idx="0">
+            <a:schemeClr val="accent1"/>
+          </a:effectRef>
+          <a:fontRef idx="minor">
+            <a:schemeClr val="lt1"/>
+          </a:fontRef>
+        </p:style>
+        <p:txBody>
+          <a:bodyPr rtlCol="0" anchor="ctr"/>
+          <a:lstStyle/>
+          <a:p>
+            <a:pPr algn="ctr"/>
+            <a:r>
+              <a:rPr lang="nl-NL"/>
+              <a:t>Volgende vraag</a:t>
+            </a:r>
+          </a:p>
+        </p:txBody>
+      </p:sp>
+      <p:sp>
+        <p:nvSpPr>
+          <p:cNvPr id="3" name="Tekstvak 2">
+            <a:extLst>
+              <a:ext uri="{FF2B5EF4-FFF2-40B4-BE49-F238E27FC236}">
+                <a16:creationId xmlns:a16="http://schemas.microsoft.com/office/drawing/2014/main" id="{4108C2A2-6FF3-E1BA-80CF-5FD5BF36ABAA}"/>
+              </a:ext>
+            </a:extLst>
+          </p:cNvPr>
+          <p:cNvSpPr txBox="1"/>
+          <p:nvPr/>
+        </p:nvSpPr>
+        <p:spPr>
+          <a:xfrm>
+            <a:off x="959666" y="5133315"/>
+            <a:ext cx="5136333" cy="1200329"/>
+          </a:xfrm>
+          <a:prstGeom prst="rect">
+            <a:avLst/>
+          </a:prstGeom>
+          <a:noFill/>
+        </p:spPr>
+        <p:txBody>
+          <a:bodyPr wrap="square" rtlCol="0">
+            <a:spAutoFit/>
+          </a:bodyPr>
+          <a:lstStyle/>
+          <a:p>
+            <a:r>
+              <a:rPr lang="nl-NL" i="1"/>
+              <a:t>Dit is 1 van de 2 opties.</a:t>
+            </a:r>
+          </a:p>
+          <a:p>
+            <a:r>
+              <a:rPr lang="nl-NL" i="1"/>
+              <a:t>Heb je beiden gevonden? Klik dan op volgende vraag. Zo niet, klik dan op terug</a:t>
+            </a:r>
+          </a:p>
+          <a:p>
+            <a:endParaRPr lang="nl-NL"/>
+          </a:p>
+        </p:txBody>
+      </p:sp>
+      <p:pic>
+        <p:nvPicPr>
+          <p:cNvPr id="4" name="Afbeelding 3">
+            <a:hlinkClick r:id="rId3" action="ppaction://hlinksldjump"/>
+            <a:extLst>
+              <a:ext uri="{FF2B5EF4-FFF2-40B4-BE49-F238E27FC236}">
+                <a16:creationId xmlns:a16="http://schemas.microsoft.com/office/drawing/2014/main" id="{D3255644-114A-E138-D30C-5343052D79C2}"/>
+              </a:ext>
+            </a:extLst>
+          </p:cNvPr>
+          <p:cNvPicPr>
+            <a:picLocks noChangeAspect="1"/>
+          </p:cNvPicPr>
+          <p:nvPr/>
+        </p:nvPicPr>
+        <p:blipFill>
+          <a:blip r:embed="rId4"/>
+          <a:stretch>
+            <a:fillRect/>
+          </a:stretch>
+        </p:blipFill>
+        <p:spPr>
+          <a:xfrm>
+            <a:off x="7756392" y="5008081"/>
+            <a:ext cx="1694835" cy="1325563"/>
+          </a:xfrm>
+          <a:prstGeom prst="rect">
+            <a:avLst/>
+          </a:prstGeom>
+        </p:spPr>
+      </p:pic>
+      <p:pic>
+        <p:nvPicPr>
+          <p:cNvPr id="2050" name="Picture 2" descr="It's time for Arda Güler – The Madrid Zone">
+            <a:extLst>
+              <a:ext uri="{FF2B5EF4-FFF2-40B4-BE49-F238E27FC236}">
+                <a16:creationId xmlns:a16="http://schemas.microsoft.com/office/drawing/2014/main" id="{41E253B6-C58B-9CAF-02D7-2A576396322F}"/>
+              </a:ext>
+            </a:extLst>
+          </p:cNvPr>
+          <p:cNvPicPr>
+            <a:picLocks noChangeAspect="1" noChangeArrowheads="1"/>
+          </p:cNvPicPr>
+          <p:nvPr/>
+        </p:nvPicPr>
+        <p:blipFill>
+          <a:blip r:embed="rId5">
+            <a:extLst>
+              <a:ext uri="{28A0092B-C50C-407E-A947-70E740481C1C}">
+                <a14:useLocalDpi xmlns:a14="http://schemas.microsoft.com/office/drawing/2010/main" val="0"/>
+              </a:ext>
+            </a:extLst>
+          </a:blip>
+          <a:srcRect/>
+          <a:stretch>
+            <a:fillRect/>
+          </a:stretch>
+        </p:blipFill>
+        <p:spPr bwMode="auto">
+          <a:xfrm>
+            <a:off x="1308980" y="428908"/>
+            <a:ext cx="4120647" cy="2307562"/>
+          </a:xfrm>
+          <a:prstGeom prst="ellipse">
+            <a:avLst/>
+          </a:prstGeom>
+          <a:ln>
+            <a:noFill/>
+          </a:ln>
+          <a:effectLst>
+            <a:softEdge rad="112500"/>
+          </a:effectLst>
+          <a:extLst>
+            <a:ext uri="{909E8E84-426E-40DD-AFC4-6F175D3DCCD1}">
+              <a14:hiddenFill xmlns:a14="http://schemas.microsoft.com/office/drawing/2010/main">
+                <a:solidFill>
+                  <a:srgbClr val="FFFFFF"/>
+                </a:solidFill>
+              </a14:hiddenFill>
+            </a:ext>
+          </a:extLst>
+        </p:spPr>
+      </p:pic>
+    </p:spTree>
+    <p:extLst>
+      <p:ext uri="{BB962C8B-B14F-4D97-AF65-F5344CB8AC3E}">
+        <p14:creationId xmlns:p14="http://schemas.microsoft.com/office/powerpoint/2010/main" val="1581189980"/>
+      </p:ext>
+    </p:extLst>
+  </p:cSld>
+  <p:clrMapOvr>
+    <a:masterClrMapping/>
+  </p:clrMapOvr>
+</p:sld>
+</file>
+
+<file path=ppt/slides/slide14.xml><?xml version="1.0" encoding="utf-8"?>
+<p:sld xmlns:a="http://schemas.openxmlformats.org/drawingml/2006/main" xmlns:r="http://schemas.openxmlformats.org/officeDocument/2006/relationships" xmlns:p="http://schemas.openxmlformats.org/presentationml/2006/main">
+  <p:cSld>
+    <p:spTree>
+      <p:nvGrpSpPr>
+        <p:cNvPr id="1" name="">
+          <a:extLst>
+            <a:ext uri="{FF2B5EF4-FFF2-40B4-BE49-F238E27FC236}">
+              <a16:creationId xmlns:a16="http://schemas.microsoft.com/office/drawing/2014/main" id="{109F8A56-4ABA-B2A8-7F6F-7B6571D1A9D2}"/>
+            </a:ext>
+          </a:extLst>
+        </p:cNvPr>
+        <p:cNvGrpSpPr/>
+        <p:nvPr/>
+      </p:nvGrpSpPr>
+      <p:grpSpPr>
+        <a:xfrm>
+          <a:off x="0" y="0"/>
+          <a:ext cx="0" cy="0"/>
+          <a:chOff x="0" y="0"/>
+          <a:chExt cx="0" cy="0"/>
+        </a:xfrm>
+      </p:grpSpPr>
+      <p:sp>
+        <p:nvSpPr>
+          <p:cNvPr id="2" name="Titel 1">
+            <a:extLst>
+              <a:ext uri="{FF2B5EF4-FFF2-40B4-BE49-F238E27FC236}">
+                <a16:creationId xmlns:a16="http://schemas.microsoft.com/office/drawing/2014/main" id="{14AB319B-2B17-98D9-BAF9-77A40E85E74C}"/>
+              </a:ext>
+            </a:extLst>
+          </p:cNvPr>
+          <p:cNvSpPr>
+            <a:spLocks noGrp="1"/>
+          </p:cNvSpPr>
+          <p:nvPr>
+            <p:ph type="title"/>
+          </p:nvPr>
+        </p:nvSpPr>
+        <p:spPr>
+          <a:xfrm>
+            <a:off x="838200" y="2881988"/>
+            <a:ext cx="10515600" cy="1325563"/>
+          </a:xfrm>
+        </p:spPr>
+        <p:txBody>
+          <a:bodyPr>
+            <a:normAutofit fontScale="90000"/>
+            <a:scene3d>
+              <a:camera prst="orthographicFront"/>
+              <a:lightRig rig="harsh" dir="t"/>
+            </a:scene3d>
+            <a:sp3d extrusionH="57150" prstMaterial="matte">
+              <a:bevelT w="63500" h="12700" prst="angle"/>
+              <a:contourClr>
+                <a:schemeClr val="bg1">
+                  <a:lumMod val="65000"/>
+                </a:schemeClr>
+              </a:contourClr>
+            </a:sp3d>
+          </a:bodyPr>
+          <a:lstStyle/>
+          <a:p>
+            <a:r>
+              <a:rPr lang="nl-NL" sz="10700" b="1">
+                <a:ln/>
+                <a:solidFill>
+                  <a:schemeClr val="accent3"/>
+                </a:solidFill>
+              </a:rPr>
+              <a:t>Juist!</a:t>
+            </a:r>
+            <a:r>
+              <a:rPr lang="nl-NL" sz="10700" b="1" kern="100">
+                <a:ln/>
+                <a:solidFill>
+                  <a:schemeClr val="accent3"/>
+                </a:solidFill>
+                <a:latin typeface="Aptos" panose="020B0004020202020204" pitchFamily="34" charset="0"/>
+                <a:ea typeface="Aptos" panose="020B0004020202020204" pitchFamily="34" charset="0"/>
+                <a:cs typeface="Times New Roman" panose="02020603050405020304" pitchFamily="18" charset="0"/>
+              </a:rPr>
+              <a:t> </a:t>
+            </a:r>
+            <a:r>
+              <a:rPr lang="nl-NL" sz="3100" b="1" kern="100">
+                <a:ln/>
+                <a:solidFill>
+                  <a:schemeClr val="accent3"/>
+                </a:solidFill>
+                <a:latin typeface="Aptos" panose="020B0004020202020204" pitchFamily="34" charset="0"/>
+                <a:ea typeface="Aptos" panose="020B0004020202020204" pitchFamily="34" charset="0"/>
+                <a:cs typeface="Times New Roman" panose="02020603050405020304" pitchFamily="18" charset="0"/>
+              </a:rPr>
+              <a:t>Dit onderdeel hoort inderdaad niet bij de fysieke laag, maar bij de </a:t>
+            </a:r>
+            <a:r>
+              <a:rPr lang="nl-NL" sz="3100" b="1" kern="100" err="1">
+                <a:ln/>
+                <a:solidFill>
+                  <a:schemeClr val="accent3"/>
+                </a:solidFill>
+                <a:latin typeface="Aptos" panose="020B0004020202020204" pitchFamily="34" charset="0"/>
+                <a:ea typeface="Aptos" panose="020B0004020202020204" pitchFamily="34" charset="0"/>
+                <a:cs typeface="Times New Roman" panose="02020603050405020304" pitchFamily="18" charset="0"/>
+              </a:rPr>
+              <a:t>toepassingslaag</a:t>
+            </a:r>
+            <a:endParaRPr lang="nl-NL" b="1">
+              <a:ln/>
+              <a:solidFill>
+                <a:schemeClr val="accent3"/>
+              </a:solidFill>
+            </a:endParaRPr>
+          </a:p>
+        </p:txBody>
+      </p:sp>
+      <p:sp>
+        <p:nvSpPr>
+          <p:cNvPr id="11" name="Bijschrift: pijl-rechts 10">
+            <a:hlinkClick r:id="rId2" action="ppaction://hlinksldjump"/>
+            <a:extLst>
+              <a:ext uri="{FF2B5EF4-FFF2-40B4-BE49-F238E27FC236}">
+                <a16:creationId xmlns:a16="http://schemas.microsoft.com/office/drawing/2014/main" id="{BCA0C1A6-CD84-1ADA-DAB3-E5259E935660}"/>
+              </a:ext>
+            </a:extLst>
+          </p:cNvPr>
+          <p:cNvSpPr/>
+          <p:nvPr/>
+        </p:nvSpPr>
+        <p:spPr>
+          <a:xfrm>
+            <a:off x="9696261" y="5011863"/>
+            <a:ext cx="1865013" cy="1325563"/>
+          </a:xfrm>
+          <a:prstGeom prst="rightArrowCallout">
+            <a:avLst/>
+          </a:prstGeom>
+        </p:spPr>
+        <p:style>
+          <a:lnRef idx="2">
+            <a:schemeClr val="accent1">
+              <a:shade val="15000"/>
+            </a:schemeClr>
+          </a:lnRef>
+          <a:fillRef idx="1">
+            <a:schemeClr val="accent1"/>
+          </a:fillRef>
+          <a:effectRef idx="0">
+            <a:schemeClr val="accent1"/>
+          </a:effectRef>
+          <a:fontRef idx="minor">
+            <a:schemeClr val="lt1"/>
+          </a:fontRef>
+        </p:style>
+        <p:txBody>
+          <a:bodyPr rtlCol="0" anchor="ctr"/>
+          <a:lstStyle/>
+          <a:p>
+            <a:pPr algn="ctr"/>
+            <a:r>
+              <a:rPr lang="nl-NL"/>
+              <a:t>Volgende vraag</a:t>
+            </a:r>
+          </a:p>
+        </p:txBody>
+      </p:sp>
+      <p:sp>
+        <p:nvSpPr>
+          <p:cNvPr id="3" name="Tekstvak 2">
+            <a:extLst>
+              <a:ext uri="{FF2B5EF4-FFF2-40B4-BE49-F238E27FC236}">
+                <a16:creationId xmlns:a16="http://schemas.microsoft.com/office/drawing/2014/main" id="{D8841CBB-DB9A-27A3-EE12-7C1E8D724BD4}"/>
+              </a:ext>
+            </a:extLst>
+          </p:cNvPr>
+          <p:cNvSpPr txBox="1"/>
+          <p:nvPr/>
+        </p:nvSpPr>
+        <p:spPr>
+          <a:xfrm>
+            <a:off x="959666" y="5133315"/>
+            <a:ext cx="5136333" cy="1200329"/>
+          </a:xfrm>
+          <a:prstGeom prst="rect">
+            <a:avLst/>
+          </a:prstGeom>
+          <a:noFill/>
+        </p:spPr>
+        <p:txBody>
+          <a:bodyPr wrap="square" rtlCol="0">
+            <a:spAutoFit/>
+          </a:bodyPr>
+          <a:lstStyle/>
+          <a:p>
+            <a:r>
+              <a:rPr lang="nl-NL" i="1"/>
+              <a:t>Dit is 1 van de 2 opties.</a:t>
+            </a:r>
+          </a:p>
+          <a:p>
+            <a:r>
+              <a:rPr lang="nl-NL" i="1"/>
+              <a:t>Heb je beiden gevonden? Klik dan op volgende vraag. Zo niet, klik dan op terug</a:t>
+            </a:r>
+          </a:p>
+          <a:p>
+            <a:endParaRPr lang="nl-NL"/>
+          </a:p>
+        </p:txBody>
+      </p:sp>
+      <p:pic>
+        <p:nvPicPr>
+          <p:cNvPr id="4" name="Afbeelding 3">
+            <a:hlinkClick r:id="rId3" action="ppaction://hlinksldjump"/>
+            <a:extLst>
+              <a:ext uri="{FF2B5EF4-FFF2-40B4-BE49-F238E27FC236}">
+                <a16:creationId xmlns:a16="http://schemas.microsoft.com/office/drawing/2014/main" id="{CFE111FC-C917-B4CF-DC79-F832A6B3FDFF}"/>
+              </a:ext>
+            </a:extLst>
+          </p:cNvPr>
+          <p:cNvPicPr>
+            <a:picLocks noChangeAspect="1"/>
+          </p:cNvPicPr>
+          <p:nvPr/>
+        </p:nvPicPr>
+        <p:blipFill>
+          <a:blip r:embed="rId4"/>
+          <a:stretch>
+            <a:fillRect/>
+          </a:stretch>
+        </p:blipFill>
+        <p:spPr>
+          <a:xfrm>
+            <a:off x="7756392" y="5008081"/>
+            <a:ext cx="1694835" cy="1325563"/>
+          </a:xfrm>
+          <a:prstGeom prst="rect">
+            <a:avLst/>
+          </a:prstGeom>
+        </p:spPr>
+      </p:pic>
+      <p:pic>
+        <p:nvPicPr>
+          <p:cNvPr id="3074" name="Picture 2" descr="🗣 Arda Güler: &quot;I'm very confident now. I've adapted to the league and the  team. I'm very happy and I really want to celebrate tomorrow. We invite all  the fans to come">
+            <a:extLst>
+              <a:ext uri="{FF2B5EF4-FFF2-40B4-BE49-F238E27FC236}">
+                <a16:creationId xmlns:a16="http://schemas.microsoft.com/office/drawing/2014/main" id="{74640E7F-0781-E966-DE20-096AC1E85CD1}"/>
+              </a:ext>
+            </a:extLst>
+          </p:cNvPr>
+          <p:cNvPicPr>
+            <a:picLocks noChangeAspect="1" noChangeArrowheads="1"/>
+          </p:cNvPicPr>
+          <p:nvPr/>
+        </p:nvPicPr>
+        <p:blipFill>
+          <a:blip r:embed="rId5">
+            <a:extLst>
+              <a:ext uri="{28A0092B-C50C-407E-A947-70E740481C1C}">
+                <a14:useLocalDpi xmlns:a14="http://schemas.microsoft.com/office/drawing/2010/main" val="0"/>
+              </a:ext>
+            </a:extLst>
+          </a:blip>
+          <a:srcRect/>
+          <a:stretch>
+            <a:fillRect/>
+          </a:stretch>
+        </p:blipFill>
+        <p:spPr bwMode="auto">
+          <a:xfrm>
+            <a:off x="4445017" y="524356"/>
+            <a:ext cx="2580472" cy="2580472"/>
+          </a:xfrm>
+          <a:prstGeom prst="ellipse">
+            <a:avLst/>
+          </a:prstGeom>
+          <a:ln>
+            <a:noFill/>
+          </a:ln>
+          <a:effectLst>
+            <a:softEdge rad="112500"/>
+          </a:effectLst>
+          <a:extLst>
+            <a:ext uri="{909E8E84-426E-40DD-AFC4-6F175D3DCCD1}">
+              <a14:hiddenFill xmlns:a14="http://schemas.microsoft.com/office/drawing/2010/main">
+                <a:solidFill>
+                  <a:srgbClr val="FFFFFF"/>
+                </a:solidFill>
+              </a14:hiddenFill>
+            </a:ext>
+          </a:extLst>
+        </p:spPr>
+      </p:pic>
+    </p:spTree>
+    <p:extLst>
+      <p:ext uri="{BB962C8B-B14F-4D97-AF65-F5344CB8AC3E}">
+        <p14:creationId xmlns:p14="http://schemas.microsoft.com/office/powerpoint/2010/main" val="2891897662"/>
+      </p:ext>
+    </p:extLst>
+  </p:cSld>
+  <p:clrMapOvr>
+    <a:masterClrMapping/>
+  </p:clrMapOvr>
+</p:sld>
+</file>
+
+<file path=ppt/slides/slide15.xml><?xml version="1.0" encoding="utf-8"?>
+<p:sld xmlns:a="http://schemas.openxmlformats.org/drawingml/2006/main" xmlns:r="http://schemas.openxmlformats.org/officeDocument/2006/relationships" xmlns:p="http://schemas.openxmlformats.org/presentationml/2006/main">
+  <p:cSld>
+    <p:spTree>
+      <p:nvGrpSpPr>
+        <p:cNvPr id="1" name=""/>
+        <p:cNvGrpSpPr/>
+        <p:nvPr/>
+      </p:nvGrpSpPr>
+      <p:grpSpPr>
+        <a:xfrm>
+          <a:off x="0" y="0"/>
+          <a:ext cx="0" cy="0"/>
+          <a:chOff x="0" y="0"/>
+          <a:chExt cx="0" cy="0"/>
+        </a:xfrm>
+      </p:grpSpPr>
+      <p:sp>
+        <p:nvSpPr>
+          <p:cNvPr id="2" name="Titel 1">
+            <a:extLst>
+              <a:ext uri="{FF2B5EF4-FFF2-40B4-BE49-F238E27FC236}">
+                <a16:creationId xmlns:a16="http://schemas.microsoft.com/office/drawing/2014/main" id="{E62DE4B9-7C04-C1BA-B14F-887770851DE4}"/>
+              </a:ext>
+            </a:extLst>
+          </p:cNvPr>
+          <p:cNvSpPr>
+            <a:spLocks noGrp="1"/>
+          </p:cNvSpPr>
+          <p:nvPr>
+            <p:ph type="title"/>
+          </p:nvPr>
+        </p:nvSpPr>
+        <p:spPr>
+          <a:xfrm>
+            <a:off x="838200" y="935493"/>
+            <a:ext cx="10515600" cy="1325563"/>
+          </a:xfrm>
+        </p:spPr>
+        <p:txBody>
+          <a:bodyPr>
+            <a:normAutofit/>
+          </a:bodyPr>
+          <a:lstStyle/>
+          <a:p>
+            <a:pPr algn="ctr"/>
+            <a:r>
+              <a:rPr lang="nl-NL" sz="2800"/>
+              <a:t>3</a:t>
+            </a:r>
+            <a:r>
+              <a:rPr lang="nl-NL" sz="2800" b="1"/>
+              <a:t>:Wat is de functie van de </a:t>
+            </a:r>
+            <a:r>
+              <a:rPr lang="nl-NL" sz="2800" b="1" err="1"/>
+              <a:t>toepassingslaag</a:t>
+            </a:r>
+            <a:r>
+              <a:rPr lang="nl-NL" sz="2800" b="1"/>
+              <a:t> in een computer?</a:t>
+            </a:r>
+            <a:br>
+              <a:rPr lang="nl-NL" sz="2800" b="1"/>
+            </a:br>
+            <a:r>
+              <a:rPr lang="nl-NL"/>
+              <a:t> </a:t>
+            </a:r>
+          </a:p>
+        </p:txBody>
+      </p:sp>
+      <p:sp>
+        <p:nvSpPr>
+          <p:cNvPr id="4" name="Rechthoek: afgeronde hoeken 3">
+            <a:hlinkClick r:id="rId2" action="ppaction://hlinksldjump"/>
+            <a:extLst>
+              <a:ext uri="{FF2B5EF4-FFF2-40B4-BE49-F238E27FC236}">
+                <a16:creationId xmlns:a16="http://schemas.microsoft.com/office/drawing/2014/main" id="{F79D1B36-1AF3-D566-D1DD-7360FC7EAEF8}"/>
+              </a:ext>
+            </a:extLst>
+          </p:cNvPr>
+          <p:cNvSpPr/>
+          <p:nvPr/>
+        </p:nvSpPr>
+        <p:spPr>
+          <a:xfrm>
+            <a:off x="2140634" y="1707784"/>
+            <a:ext cx="7418869" cy="960108"/>
+          </a:xfrm>
+          <a:prstGeom prst="roundRect">
+            <a:avLst/>
+          </a:prstGeom>
+        </p:spPr>
+        <p:style>
+          <a:lnRef idx="2">
+            <a:schemeClr val="accent1">
+              <a:shade val="15000"/>
+            </a:schemeClr>
+          </a:lnRef>
+          <a:fillRef idx="1">
+            <a:schemeClr val="accent1"/>
+          </a:fillRef>
+          <a:effectRef idx="0">
+            <a:schemeClr val="accent1"/>
+          </a:effectRef>
+          <a:fontRef idx="minor">
+            <a:schemeClr val="lt1"/>
+          </a:fontRef>
+        </p:style>
+        <p:txBody>
+          <a:bodyPr rtlCol="0" anchor="ctr"/>
+          <a:lstStyle/>
+          <a:p>
+            <a:pPr algn="ctr"/>
+            <a:r>
+              <a:rPr lang="nl-NL" sz="1400" kern="100">
+                <a:effectLst/>
+                <a:latin typeface="Aptos" panose="020B0004020202020204" pitchFamily="34" charset="0"/>
+                <a:ea typeface="Aptos" panose="020B0004020202020204" pitchFamily="34" charset="0"/>
+                <a:cs typeface="Times New Roman" panose="02020603050405020304" pitchFamily="18" charset="0"/>
+              </a:rPr>
+              <a:t>A </a:t>
+            </a:r>
+            <a:r>
+              <a:rPr lang="nl-NL" sz="1400"/>
+              <a:t>Het regelt de stroomvoorziening van de computer.</a:t>
+            </a:r>
+          </a:p>
+          <a:p>
+            <a:pPr algn="ctr"/>
+            <a:endParaRPr lang="nl-NL" sz="1400">
+              <a:solidFill>
+                <a:schemeClr val="bg1"/>
+              </a:solidFill>
+            </a:endParaRPr>
+          </a:p>
+        </p:txBody>
+      </p:sp>
+      <p:sp>
+        <p:nvSpPr>
+          <p:cNvPr id="5" name="Rechthoek: afgeronde hoeken 4">
+            <a:hlinkClick r:id="rId3" action="ppaction://hlinksldjump"/>
+            <a:extLst>
+              <a:ext uri="{FF2B5EF4-FFF2-40B4-BE49-F238E27FC236}">
+                <a16:creationId xmlns:a16="http://schemas.microsoft.com/office/drawing/2014/main" id="{0A7029F6-1D42-FD13-950A-165C293EF7D2}"/>
+              </a:ext>
+            </a:extLst>
+          </p:cNvPr>
+          <p:cNvSpPr/>
+          <p:nvPr/>
+        </p:nvSpPr>
+        <p:spPr>
+          <a:xfrm>
+            <a:off x="2140630" y="2972842"/>
+            <a:ext cx="7418869" cy="960108"/>
+          </a:xfrm>
+          <a:prstGeom prst="roundRect">
+            <a:avLst/>
+          </a:prstGeom>
+        </p:spPr>
+        <p:style>
+          <a:lnRef idx="2">
+            <a:schemeClr val="accent1">
+              <a:shade val="15000"/>
+            </a:schemeClr>
+          </a:lnRef>
+          <a:fillRef idx="1">
+            <a:schemeClr val="accent1"/>
+          </a:fillRef>
+          <a:effectRef idx="0">
+            <a:schemeClr val="accent1"/>
+          </a:effectRef>
+          <a:fontRef idx="minor">
+            <a:schemeClr val="lt1"/>
+          </a:fontRef>
+        </p:style>
+        <p:txBody>
+          <a:bodyPr rtlCol="0" anchor="ctr"/>
+          <a:lstStyle/>
+          <a:p>
+            <a:pPr algn="ctr"/>
+            <a:r>
+              <a:rPr lang="nl-NL" sz="1400" kern="100">
+                <a:solidFill>
+                  <a:schemeClr val="bg1"/>
+                </a:solidFill>
+                <a:latin typeface="Aptos" panose="020B0004020202020204" pitchFamily="34" charset="0"/>
+                <a:cs typeface="Times New Roman" panose="02020603050405020304" pitchFamily="18" charset="0"/>
+              </a:rPr>
+              <a:t>B </a:t>
+            </a:r>
+            <a:r>
+              <a:rPr lang="nl-NL" sz="1400"/>
+              <a:t>Het zorgt ervoor dat je programma's makkelijk met elkaar kunnen</a:t>
+            </a:r>
+          </a:p>
+          <a:p>
+            <a:pPr algn="ctr"/>
+            <a:r>
+              <a:rPr lang="nl-NL" sz="1400" kern="100">
+                <a:solidFill>
+                  <a:schemeClr val="bg1"/>
+                </a:solidFill>
+                <a:latin typeface="Aptos" panose="020B0004020202020204" pitchFamily="34" charset="0"/>
+                <a:cs typeface="Times New Roman" panose="02020603050405020304" pitchFamily="18" charset="0"/>
+              </a:rPr>
+              <a:t> </a:t>
+            </a:r>
+            <a:endParaRPr lang="nl-NL" sz="1400">
+              <a:solidFill>
+                <a:schemeClr val="bg1"/>
+              </a:solidFill>
+            </a:endParaRPr>
+          </a:p>
+        </p:txBody>
+      </p:sp>
+      <p:sp>
+        <p:nvSpPr>
+          <p:cNvPr id="6" name="Rechthoek: afgeronde hoeken 5">
+            <a:hlinkClick r:id="rId2" action="ppaction://hlinksldjump"/>
+            <a:extLst>
+              <a:ext uri="{FF2B5EF4-FFF2-40B4-BE49-F238E27FC236}">
+                <a16:creationId xmlns:a16="http://schemas.microsoft.com/office/drawing/2014/main" id="{98E7EB18-4020-DE05-115D-14925F75DDDA}"/>
+              </a:ext>
+            </a:extLst>
+          </p:cNvPr>
+          <p:cNvSpPr/>
+          <p:nvPr/>
+        </p:nvSpPr>
+        <p:spPr>
+          <a:xfrm>
+            <a:off x="2140629" y="4207647"/>
+            <a:ext cx="7418869" cy="960108"/>
+          </a:xfrm>
+          <a:prstGeom prst="roundRect">
+            <a:avLst/>
+          </a:prstGeom>
+        </p:spPr>
+        <p:style>
+          <a:lnRef idx="2">
+            <a:schemeClr val="accent1">
+              <a:shade val="15000"/>
+            </a:schemeClr>
+          </a:lnRef>
+          <a:fillRef idx="1">
+            <a:schemeClr val="accent1"/>
+          </a:fillRef>
+          <a:effectRef idx="0">
+            <a:schemeClr val="accent1"/>
+          </a:effectRef>
+          <a:fontRef idx="minor">
+            <a:schemeClr val="lt1"/>
+          </a:fontRef>
+        </p:style>
+        <p:txBody>
+          <a:bodyPr rtlCol="0" anchor="ctr"/>
+          <a:lstStyle/>
+          <a:p>
+            <a:pPr algn="ctr"/>
+            <a:r>
+              <a:rPr lang="nl-NL" sz="1400">
+                <a:solidFill>
+                  <a:schemeClr val="bg1"/>
+                </a:solidFill>
+              </a:rPr>
+              <a:t>C </a:t>
+            </a:r>
+            <a:r>
+              <a:rPr lang="nl-NL" sz="1400"/>
+              <a:t>Het zorgt ervoor dat de computer geen oververhitting krijgt.</a:t>
+            </a:r>
+          </a:p>
+          <a:p>
+            <a:pPr algn="ctr"/>
+            <a:r>
+              <a:rPr lang="nl-NL" sz="1400">
+                <a:solidFill>
+                  <a:schemeClr val="bg1"/>
+                </a:solidFill>
+              </a:rPr>
+              <a:t>   </a:t>
+            </a:r>
+          </a:p>
+        </p:txBody>
+      </p:sp>
+      <p:sp>
+        <p:nvSpPr>
+          <p:cNvPr id="7" name="Rechthoek: afgeronde hoeken 6">
+            <a:hlinkClick r:id="rId2" action="ppaction://hlinksldjump"/>
+            <a:extLst>
+              <a:ext uri="{FF2B5EF4-FFF2-40B4-BE49-F238E27FC236}">
+                <a16:creationId xmlns:a16="http://schemas.microsoft.com/office/drawing/2014/main" id="{76115B67-E482-4C29-609E-C794CEAB5A8E}"/>
+              </a:ext>
+            </a:extLst>
+          </p:cNvPr>
+          <p:cNvSpPr/>
+          <p:nvPr/>
+        </p:nvSpPr>
+        <p:spPr>
+          <a:xfrm>
+            <a:off x="2140630" y="5442453"/>
+            <a:ext cx="7418869" cy="960108"/>
+          </a:xfrm>
+          <a:prstGeom prst="roundRect">
+            <a:avLst/>
+          </a:prstGeom>
+        </p:spPr>
+        <p:style>
+          <a:lnRef idx="2">
+            <a:schemeClr val="accent1">
+              <a:shade val="15000"/>
+            </a:schemeClr>
+          </a:lnRef>
+          <a:fillRef idx="1">
+            <a:schemeClr val="accent1"/>
+          </a:fillRef>
+          <a:effectRef idx="0">
+            <a:schemeClr val="accent1"/>
+          </a:effectRef>
+          <a:fontRef idx="minor">
+            <a:schemeClr val="lt1"/>
+          </a:fontRef>
+        </p:style>
+        <p:txBody>
+          <a:bodyPr rtlCol="0" anchor="ctr"/>
+          <a:lstStyle/>
+          <a:p>
+            <a:pPr algn="ctr"/>
+            <a:r>
+              <a:rPr lang="nl-NL" sz="1400">
+                <a:solidFill>
+                  <a:schemeClr val="bg1"/>
+                </a:solidFill>
+              </a:rPr>
+              <a:t>D </a:t>
+            </a:r>
+            <a:r>
+              <a:rPr lang="nl-NL" sz="1400"/>
+              <a:t>Het slaat gegevens op die de computer niet vaak nodig heeft.</a:t>
+            </a:r>
+            <a:endParaRPr lang="en-US" sz="2000" b="1"/>
+          </a:p>
+          <a:p>
+            <a:pPr algn="ctr"/>
+            <a:r>
+              <a:rPr lang="nl-NL" sz="1400">
+                <a:solidFill>
+                  <a:schemeClr val="bg1"/>
+                </a:solidFill>
+              </a:rPr>
+              <a:t>   </a:t>
+            </a:r>
+          </a:p>
+        </p:txBody>
+      </p:sp>
+    </p:spTree>
+    <p:extLst>
+      <p:ext uri="{BB962C8B-B14F-4D97-AF65-F5344CB8AC3E}">
+        <p14:creationId xmlns:p14="http://schemas.microsoft.com/office/powerpoint/2010/main" val="2727811622"/>
+      </p:ext>
+    </p:extLst>
+  </p:cSld>
+  <p:clrMapOvr>
+    <a:masterClrMapping/>
+  </p:clrMapOvr>
+</p:sld>
+</file>
+
+<file path=ppt/slides/slide16.xml><?xml version="1.0" encoding="utf-8"?>
+<p:sld xmlns:a="http://schemas.openxmlformats.org/drawingml/2006/main" xmlns:r="http://schemas.openxmlformats.org/officeDocument/2006/relationships" xmlns:p="http://schemas.openxmlformats.org/presentationml/2006/main">
+  <p:cSld>
+    <p:spTree>
+      <p:nvGrpSpPr>
+        <p:cNvPr id="1" name="">
+          <a:extLst>
+            <a:ext uri="{FF2B5EF4-FFF2-40B4-BE49-F238E27FC236}">
+              <a16:creationId xmlns:a16="http://schemas.microsoft.com/office/drawing/2014/main" id="{5867031C-4564-A7E3-D619-1D998093DEDF}"/>
+            </a:ext>
+          </a:extLst>
+        </p:cNvPr>
+        <p:cNvGrpSpPr/>
+        <p:nvPr/>
+      </p:nvGrpSpPr>
+      <p:grpSpPr>
+        <a:xfrm>
+          <a:off x="0" y="0"/>
+          <a:ext cx="0" cy="0"/>
+          <a:chOff x="0" y="0"/>
+          <a:chExt cx="0" cy="0"/>
+        </a:xfrm>
+      </p:grpSpPr>
+      <p:sp>
+        <p:nvSpPr>
+          <p:cNvPr id="2" name="Titel 1">
+            <a:extLst>
+              <a:ext uri="{FF2B5EF4-FFF2-40B4-BE49-F238E27FC236}">
+                <a16:creationId xmlns:a16="http://schemas.microsoft.com/office/drawing/2014/main" id="{6BF8FC9A-20FB-CEEC-F0E7-34C67469D7FC}"/>
+              </a:ext>
+            </a:extLst>
+          </p:cNvPr>
+          <p:cNvSpPr>
+            <a:spLocks noGrp="1"/>
+          </p:cNvSpPr>
+          <p:nvPr>
+            <p:ph type="title"/>
+          </p:nvPr>
+        </p:nvSpPr>
+        <p:spPr>
+          <a:xfrm>
+            <a:off x="838200" y="2881988"/>
+            <a:ext cx="10515600" cy="1325563"/>
+          </a:xfrm>
+        </p:spPr>
+        <p:txBody>
+          <a:bodyPr>
+            <a:normAutofit fontScale="90000"/>
+            <a:scene3d>
+              <a:camera prst="orthographicFront"/>
+              <a:lightRig rig="harsh" dir="t"/>
+            </a:scene3d>
+            <a:sp3d extrusionH="57150" prstMaterial="matte">
+              <a:bevelT w="63500" h="12700" prst="angle"/>
+              <a:contourClr>
+                <a:schemeClr val="bg1">
+                  <a:lumMod val="65000"/>
+                </a:schemeClr>
+              </a:contourClr>
+            </a:sp3d>
+          </a:bodyPr>
+          <a:lstStyle/>
+          <a:p>
+            <a:r>
+              <a:rPr lang="nl-NL" sz="10700" b="1">
+                <a:ln/>
+                <a:solidFill>
+                  <a:schemeClr val="accent3"/>
+                </a:solidFill>
+              </a:rPr>
+              <a:t>Juist!</a:t>
+            </a:r>
+            <a:r>
+              <a:rPr lang="nl-NL" sz="10700" b="1" kern="100">
+                <a:ln/>
+                <a:solidFill>
+                  <a:schemeClr val="accent3"/>
+                </a:solidFill>
+                <a:latin typeface="Aptos" panose="020B0004020202020204" pitchFamily="34" charset="0"/>
+                <a:ea typeface="Aptos" panose="020B0004020202020204" pitchFamily="34" charset="0"/>
+                <a:cs typeface="Times New Roman" panose="02020603050405020304" pitchFamily="18" charset="0"/>
+              </a:rPr>
+              <a:t> </a:t>
+            </a:r>
+            <a:r>
+              <a:rPr lang="nl-NL" sz="3100" b="1" kern="100">
+                <a:ln/>
+                <a:solidFill>
+                  <a:schemeClr val="accent3"/>
+                </a:solidFill>
+                <a:latin typeface="Aptos" panose="020B0004020202020204" pitchFamily="34" charset="0"/>
+                <a:ea typeface="Aptos" panose="020B0004020202020204" pitchFamily="34" charset="0"/>
+                <a:cs typeface="Times New Roman" panose="02020603050405020304" pitchFamily="18" charset="0"/>
+              </a:rPr>
+              <a:t>Dit is inderdaad de functie van de </a:t>
+            </a:r>
+            <a:r>
+              <a:rPr lang="nl-NL" sz="3100" b="1" kern="100" err="1">
+                <a:ln/>
+                <a:solidFill>
+                  <a:schemeClr val="accent3"/>
+                </a:solidFill>
+                <a:latin typeface="Aptos" panose="020B0004020202020204" pitchFamily="34" charset="0"/>
+                <a:ea typeface="Aptos" panose="020B0004020202020204" pitchFamily="34" charset="0"/>
+                <a:cs typeface="Times New Roman" panose="02020603050405020304" pitchFamily="18" charset="0"/>
+              </a:rPr>
+              <a:t>toepassingslaag</a:t>
+            </a:r>
+            <a:r>
+              <a:rPr lang="nl-NL" sz="3100" b="1" kern="100">
+                <a:ln/>
+                <a:solidFill>
+                  <a:schemeClr val="accent3"/>
+                </a:solidFill>
+                <a:latin typeface="Aptos" panose="020B0004020202020204" pitchFamily="34" charset="0"/>
+                <a:ea typeface="Aptos" panose="020B0004020202020204" pitchFamily="34" charset="0"/>
+                <a:cs typeface="Times New Roman" panose="02020603050405020304" pitchFamily="18" charset="0"/>
+              </a:rPr>
+              <a:t> in een computer. </a:t>
+            </a:r>
+            <a:endParaRPr lang="nl-NL" b="1">
+              <a:ln/>
+              <a:solidFill>
+                <a:schemeClr val="accent3"/>
+              </a:solidFill>
+            </a:endParaRPr>
+          </a:p>
+        </p:txBody>
+      </p:sp>
+      <p:sp>
+        <p:nvSpPr>
+          <p:cNvPr id="11" name="Bijschrift: pijl-rechts 10">
+            <a:hlinkClick r:id="rId2" action="ppaction://hlinksldjump"/>
+            <a:extLst>
+              <a:ext uri="{FF2B5EF4-FFF2-40B4-BE49-F238E27FC236}">
+                <a16:creationId xmlns:a16="http://schemas.microsoft.com/office/drawing/2014/main" id="{8E3292E9-BDA8-25EB-EE53-73E1F129218A}"/>
+              </a:ext>
+            </a:extLst>
+          </p:cNvPr>
+          <p:cNvSpPr/>
+          <p:nvPr/>
+        </p:nvSpPr>
+        <p:spPr>
+          <a:xfrm>
+            <a:off x="9696261" y="5011863"/>
+            <a:ext cx="1865013" cy="1325563"/>
+          </a:xfrm>
+          <a:prstGeom prst="rightArrowCallout">
+            <a:avLst/>
+          </a:prstGeom>
+        </p:spPr>
+        <p:style>
+          <a:lnRef idx="2">
+            <a:schemeClr val="accent1">
+              <a:shade val="15000"/>
+            </a:schemeClr>
+          </a:lnRef>
+          <a:fillRef idx="1">
+            <a:schemeClr val="accent1"/>
+          </a:fillRef>
+          <a:effectRef idx="0">
+            <a:schemeClr val="accent1"/>
+          </a:effectRef>
+          <a:fontRef idx="minor">
+            <a:schemeClr val="lt1"/>
+          </a:fontRef>
+        </p:style>
+        <p:txBody>
+          <a:bodyPr rtlCol="0" anchor="ctr"/>
+          <a:lstStyle/>
+          <a:p>
+            <a:pPr algn="ctr"/>
+            <a:r>
+              <a:rPr lang="nl-NL"/>
+              <a:t>Volgende Dia</a:t>
+            </a:r>
+          </a:p>
+        </p:txBody>
+      </p:sp>
+      <p:pic>
+        <p:nvPicPr>
+          <p:cNvPr id="4098" name="Picture 2" descr="Lamine Yamal, youngest player and goalscorer ever in the Super Cup">
+            <a:extLst>
+              <a:ext uri="{FF2B5EF4-FFF2-40B4-BE49-F238E27FC236}">
+                <a16:creationId xmlns:a16="http://schemas.microsoft.com/office/drawing/2014/main" id="{592B9AB2-7D82-48CE-86F8-6DB49DFE05C4}"/>
+              </a:ext>
+            </a:extLst>
+          </p:cNvPr>
+          <p:cNvPicPr>
+            <a:picLocks noChangeAspect="1" noChangeArrowheads="1"/>
+          </p:cNvPicPr>
+          <p:nvPr/>
+        </p:nvPicPr>
+        <p:blipFill>
+          <a:blip r:embed="rId3">
+            <a:extLst>
+              <a:ext uri="{28A0092B-C50C-407E-A947-70E740481C1C}">
+                <a14:useLocalDpi xmlns:a14="http://schemas.microsoft.com/office/drawing/2010/main" val="0"/>
+              </a:ext>
+            </a:extLst>
+          </a:blip>
+          <a:srcRect/>
+          <a:stretch>
+            <a:fillRect/>
+          </a:stretch>
+        </p:blipFill>
+        <p:spPr bwMode="auto">
+          <a:xfrm>
+            <a:off x="4416191" y="483983"/>
+            <a:ext cx="3909662" cy="2436656"/>
+          </a:xfrm>
+          <a:prstGeom prst="ellipse">
+            <a:avLst/>
+          </a:prstGeom>
+          <a:ln>
+            <a:noFill/>
+          </a:ln>
+          <a:effectLst>
+            <a:softEdge rad="112500"/>
+          </a:effectLst>
+          <a:extLst>
+            <a:ext uri="{909E8E84-426E-40DD-AFC4-6F175D3DCCD1}">
+              <a14:hiddenFill xmlns:a14="http://schemas.microsoft.com/office/drawing/2010/main">
+                <a:solidFill>
+                  <a:srgbClr val="FFFFFF"/>
+                </a:solidFill>
+              </a14:hiddenFill>
+            </a:ext>
+          </a:extLst>
+        </p:spPr>
+      </p:pic>
+    </p:spTree>
+    <p:extLst>
+      <p:ext uri="{BB962C8B-B14F-4D97-AF65-F5344CB8AC3E}">
+        <p14:creationId xmlns:p14="http://schemas.microsoft.com/office/powerpoint/2010/main" val="3463718688"/>
+      </p:ext>
+    </p:extLst>
+  </p:cSld>
+  <p:clrMapOvr>
+    <a:masterClrMapping/>
+  </p:clrMapOvr>
+</p:sld>
+</file>
+
+<file path=ppt/slides/slide17.xml><?xml version="1.0" encoding="utf-8"?>
+<p:sld xmlns:a="http://schemas.openxmlformats.org/drawingml/2006/main" xmlns:r="http://schemas.openxmlformats.org/officeDocument/2006/relationships" xmlns:p="http://schemas.openxmlformats.org/presentationml/2006/main">
+  <p:cSld>
+    <p:spTree>
+      <p:nvGrpSpPr>
+        <p:cNvPr id="1" name="">
+          <a:extLst>
+            <a:ext uri="{FF2B5EF4-FFF2-40B4-BE49-F238E27FC236}">
+              <a16:creationId xmlns:a16="http://schemas.microsoft.com/office/drawing/2014/main" id="{873E6F72-9F22-BDFD-896F-6387B2A02579}"/>
+            </a:ext>
+          </a:extLst>
+        </p:cNvPr>
+        <p:cNvGrpSpPr/>
+        <p:nvPr/>
+      </p:nvGrpSpPr>
+      <p:grpSpPr>
+        <a:xfrm>
+          <a:off x="0" y="0"/>
+          <a:ext cx="0" cy="0"/>
+          <a:chOff x="0" y="0"/>
+          <a:chExt cx="0" cy="0"/>
+        </a:xfrm>
+      </p:grpSpPr>
+      <p:sp>
+        <p:nvSpPr>
+          <p:cNvPr id="2" name="Titel 1">
+            <a:extLst>
+              <a:ext uri="{FF2B5EF4-FFF2-40B4-BE49-F238E27FC236}">
+                <a16:creationId xmlns:a16="http://schemas.microsoft.com/office/drawing/2014/main" id="{0C46BF12-C2CA-2F25-0A34-46DDF30613FB}"/>
+              </a:ext>
+            </a:extLst>
+          </p:cNvPr>
+          <p:cNvSpPr>
+            <a:spLocks noGrp="1"/>
+          </p:cNvSpPr>
+          <p:nvPr>
+            <p:ph type="title"/>
+          </p:nvPr>
+        </p:nvSpPr>
+        <p:spPr>
+          <a:xfrm>
+            <a:off x="838200" y="2976916"/>
+            <a:ext cx="10515600" cy="1325563"/>
+          </a:xfrm>
+        </p:spPr>
+        <p:txBody>
+          <a:bodyPr>
+            <a:normAutofit fontScale="90000"/>
+          </a:bodyPr>
+          <a:lstStyle/>
+          <a:p>
+            <a:r>
+              <a:rPr lang="nl-NL" sz="10700" b="1">
+                <a:ln w="22225">
+                  <a:solidFill>
+                    <a:schemeClr val="accent2"/>
+                  </a:solidFill>
+                  <a:prstDash val="solid"/>
+                </a:ln>
+                <a:solidFill>
+                  <a:schemeClr val="accent2">
+                    <a:lumMod val="40000"/>
+                    <a:lumOff val="60000"/>
+                  </a:schemeClr>
+                </a:solidFill>
+              </a:rPr>
+              <a:t>Onjuist! </a:t>
+            </a:r>
+            <a:r>
+              <a:rPr lang="nl-NL" sz="3100" b="1" kern="100">
+                <a:ln w="22225">
+                  <a:solidFill>
+                    <a:schemeClr val="accent2"/>
+                  </a:solidFill>
+                  <a:prstDash val="solid"/>
+                </a:ln>
+                <a:solidFill>
+                  <a:schemeClr val="accent2">
+                    <a:lumMod val="40000"/>
+                    <a:lumOff val="60000"/>
+                  </a:schemeClr>
+                </a:solidFill>
+                <a:latin typeface="Aptos" panose="020B0004020202020204" pitchFamily="34" charset="0"/>
+                <a:ea typeface="Aptos" panose="020B0004020202020204" pitchFamily="34" charset="0"/>
+                <a:cs typeface="Times New Roman" panose="02020603050405020304" pitchFamily="18" charset="0"/>
+              </a:rPr>
+              <a:t>Dit onderdeel hoort juist WEL bij de fysieke laag.</a:t>
+            </a:r>
+            <a:endParaRPr lang="nl-NL" b="1">
+              <a:ln w="22225">
+                <a:solidFill>
+                  <a:schemeClr val="accent2"/>
+                </a:solidFill>
+                <a:prstDash val="solid"/>
+              </a:ln>
+              <a:solidFill>
+                <a:schemeClr val="accent2">
+                  <a:lumMod val="40000"/>
+                  <a:lumOff val="60000"/>
+                </a:schemeClr>
+              </a:solidFill>
+            </a:endParaRPr>
+          </a:p>
+        </p:txBody>
+      </p:sp>
+      <p:pic>
+        <p:nvPicPr>
+          <p:cNvPr id="4" name="Afbeelding 3">
+            <a:hlinkClick r:id="rId2" action="ppaction://hlinksldjump"/>
+            <a:extLst>
+              <a:ext uri="{FF2B5EF4-FFF2-40B4-BE49-F238E27FC236}">
+                <a16:creationId xmlns:a16="http://schemas.microsoft.com/office/drawing/2014/main" id="{AD66CB5B-8C70-F992-13CF-E38807933BBA}"/>
+              </a:ext>
+            </a:extLst>
+          </p:cNvPr>
+          <p:cNvPicPr>
+            <a:picLocks noChangeAspect="1"/>
+          </p:cNvPicPr>
+          <p:nvPr/>
+        </p:nvPicPr>
+        <p:blipFill>
+          <a:blip r:embed="rId3"/>
+          <a:stretch>
+            <a:fillRect/>
+          </a:stretch>
+        </p:blipFill>
+        <p:spPr>
+          <a:xfrm>
+            <a:off x="9560700" y="5057693"/>
+            <a:ext cx="1694835" cy="1420491"/>
+          </a:xfrm>
+          <a:prstGeom prst="rect">
+            <a:avLst/>
+          </a:prstGeom>
+        </p:spPr>
+      </p:pic>
+      <p:pic>
+        <p:nvPicPr>
+          <p:cNvPr id="1026" name="Picture 2" descr="Angry Real star set for January exit? | Kickoff">
+            <a:extLst>
+              <a:ext uri="{FF2B5EF4-FFF2-40B4-BE49-F238E27FC236}">
+                <a16:creationId xmlns:a16="http://schemas.microsoft.com/office/drawing/2014/main" id="{AA0CBF38-96FC-E747-5E42-5DC129F599B0}"/>
+              </a:ext>
+            </a:extLst>
+          </p:cNvPr>
+          <p:cNvPicPr>
+            <a:picLocks noChangeAspect="1" noChangeArrowheads="1"/>
+          </p:cNvPicPr>
+          <p:nvPr/>
+        </p:nvPicPr>
+        <p:blipFill>
+          <a:blip r:embed="rId4">
+            <a:extLst>
+              <a:ext uri="{28A0092B-C50C-407E-A947-70E740481C1C}">
+                <a14:useLocalDpi xmlns:a14="http://schemas.microsoft.com/office/drawing/2010/main" val="0"/>
+              </a:ext>
+            </a:extLst>
+          </a:blip>
+          <a:srcRect/>
+          <a:stretch>
+            <a:fillRect/>
+          </a:stretch>
+        </p:blipFill>
+        <p:spPr bwMode="auto">
+          <a:xfrm>
+            <a:off x="4555305" y="473141"/>
+            <a:ext cx="3338970" cy="2221933"/>
+          </a:xfrm>
+          <a:prstGeom prst="ellipse">
+            <a:avLst/>
+          </a:prstGeom>
+          <a:ln>
+            <a:noFill/>
+          </a:ln>
+          <a:effectLst>
+            <a:softEdge rad="112500"/>
+          </a:effectLst>
+          <a:extLst>
+            <a:ext uri="{909E8E84-426E-40DD-AFC4-6F175D3DCCD1}">
+              <a14:hiddenFill xmlns:a14="http://schemas.microsoft.com/office/drawing/2010/main">
+                <a:solidFill>
+                  <a:srgbClr val="FFFFFF"/>
+                </a:solidFill>
+              </a14:hiddenFill>
+            </a:ext>
+          </a:extLst>
+        </p:spPr>
+      </p:pic>
+    </p:spTree>
+    <p:extLst>
+      <p:ext uri="{BB962C8B-B14F-4D97-AF65-F5344CB8AC3E}">
+        <p14:creationId xmlns:p14="http://schemas.microsoft.com/office/powerpoint/2010/main" val="4127243768"/>
+      </p:ext>
+    </p:extLst>
+  </p:cSld>
+  <p:clrMapOvr>
+    <a:masterClrMapping/>
+  </p:clrMapOvr>
+</p:sld>
+</file>
+
+<file path=ppt/slides/slide18.xml><?xml version="1.0" encoding="utf-8"?>
+<p:sld xmlns:a="http://schemas.openxmlformats.org/drawingml/2006/main" xmlns:r="http://schemas.openxmlformats.org/officeDocument/2006/relationships" xmlns:p="http://schemas.openxmlformats.org/presentationml/2006/main">
+  <p:cSld>
+    <p:bg>
+      <p:bgPr>
+        <a:solidFill>
+          <a:schemeClr val="bg1"/>
+        </a:solidFill>
+        <a:effectLst/>
+      </p:bgPr>
+    </p:bg>
+    <p:spTree>
+      <p:nvGrpSpPr>
+        <p:cNvPr id="1" name=""/>
+        <p:cNvGrpSpPr/>
+        <p:nvPr/>
+      </p:nvGrpSpPr>
+      <p:grpSpPr>
+        <a:xfrm>
+          <a:off x="0" y="0"/>
+          <a:ext cx="0" cy="0"/>
+          <a:chOff x="0" y="0"/>
+          <a:chExt cx="0" cy="0"/>
+        </a:xfrm>
+      </p:grpSpPr>
+      <p:sp useBgFill="1">
+        <p:nvSpPr>
+          <p:cNvPr id="3079" name="Rectangle 3078">
+            <a:extLst>
+              <a:ext uri="{FF2B5EF4-FFF2-40B4-BE49-F238E27FC236}">
+                <a16:creationId xmlns:a16="http://schemas.microsoft.com/office/drawing/2014/main" id="{68AF5748-FED8-45BA-8631-26D1D10F3246}"/>
+              </a:ext>
+              <a:ext uri="{C183D7F6-B498-43B3-948B-1728B52AA6E4}">
+                <adec:decorative xmlns:adec="http://schemas.microsoft.com/office/drawing/2017/decorative" val="1"/>
+              </a:ext>
+            </a:extLst>
+          </p:cNvPr>
+          <p:cNvSpPr>
+            <a:spLocks noGrp="1" noRot="1" noChangeAspect="1" noMove="1" noResize="1" noEditPoints="1" noAdjustHandles="1" noChangeArrowheads="1" noChangeShapeType="1" noTextEdit="1"/>
+          </p:cNvSpPr>
+          <p:nvPr>
+            <p:extLst>
+              <p:ext uri="{386F3935-93C4-4BCD-93E2-E3B085C9AB24}">
+                <p16:designElem xmlns:p16="http://schemas.microsoft.com/office/powerpoint/2015/main" val="1"/>
+              </p:ext>
+            </p:extLst>
+          </p:nvPr>
+        </p:nvSpPr>
+        <p:spPr>
+          <a:xfrm>
+            <a:off x="0" y="0"/>
+            <a:ext cx="12192000" cy="6858000"/>
+          </a:xfrm>
+          <a:prstGeom prst="rect">
+            <a:avLst/>
+          </a:prstGeom>
+          <a:ln>
+            <a:noFill/>
+          </a:ln>
+        </p:spPr>
+        <p:style>
+          <a:lnRef idx="2">
+            <a:schemeClr val="accent1">
+              <a:shade val="50000"/>
+            </a:schemeClr>
+          </a:lnRef>
+          <a:fillRef idx="1">
+            <a:schemeClr val="accent1"/>
+          </a:fillRef>
+          <a:effectRef idx="0">
+            <a:schemeClr val="accent1"/>
+          </a:effectRef>
+          <a:fontRef idx="minor">
+            <a:schemeClr val="lt1"/>
+          </a:fontRef>
+        </p:style>
+        <p:txBody>
+          <a:bodyPr rtlCol="0" anchor="ctr"/>
+          <a:lstStyle/>
+          <a:p>
+            <a:pPr algn="ctr"/>
+            <a:endParaRPr lang="en-US"/>
+          </a:p>
+        </p:txBody>
+      </p:sp>
+      <p:sp>
+        <p:nvSpPr>
+          <p:cNvPr id="2" name="Titel 1">
+            <a:extLst>
+              <a:ext uri="{FF2B5EF4-FFF2-40B4-BE49-F238E27FC236}">
+                <a16:creationId xmlns:a16="http://schemas.microsoft.com/office/drawing/2014/main" id="{EA060B37-6ECF-F381-AB6D-6D7E48F907D9}"/>
+              </a:ext>
+            </a:extLst>
+          </p:cNvPr>
+          <p:cNvSpPr>
+            <a:spLocks noGrp="1"/>
+          </p:cNvSpPr>
+          <p:nvPr>
+            <p:ph type="ctrTitle"/>
+          </p:nvPr>
+        </p:nvSpPr>
+        <p:spPr>
+          <a:xfrm>
+            <a:off x="477981" y="1122363"/>
+            <a:ext cx="4023360" cy="3204134"/>
+          </a:xfrm>
+        </p:spPr>
+        <p:txBody>
+          <a:bodyPr anchor="b">
+            <a:normAutofit/>
+          </a:bodyPr>
+          <a:lstStyle/>
+          <a:p>
+            <a:pPr algn="l"/>
+            <a:r>
+              <a:rPr lang="nl-NL" sz="4800"/>
+              <a:t>antwoorden</a:t>
+            </a:r>
+          </a:p>
+        </p:txBody>
+      </p:sp>
+      <p:sp>
+        <p:nvSpPr>
+          <p:cNvPr id="3" name="Ondertitel 2">
+            <a:extLst>
+              <a:ext uri="{FF2B5EF4-FFF2-40B4-BE49-F238E27FC236}">
+                <a16:creationId xmlns:a16="http://schemas.microsoft.com/office/drawing/2014/main" id="{8A59CC84-4A55-21C0-F06A-D8AB287D18DE}"/>
+              </a:ext>
+            </a:extLst>
+          </p:cNvPr>
+          <p:cNvSpPr>
+            <a:spLocks noGrp="1"/>
+          </p:cNvSpPr>
+          <p:nvPr>
+            <p:ph type="subTitle" idx="1"/>
+          </p:nvPr>
+        </p:nvSpPr>
+        <p:spPr>
+          <a:xfrm>
+            <a:off x="477981" y="4872922"/>
+            <a:ext cx="3933306" cy="1208141"/>
+          </a:xfrm>
+        </p:spPr>
+        <p:txBody>
+          <a:bodyPr>
+            <a:normAutofit/>
+          </a:bodyPr>
+          <a:lstStyle/>
+          <a:p>
+            <a:pPr algn="l"/>
+            <a:r>
+              <a:rPr lang="nl-NL" sz="2000"/>
+              <a:t>1: a</a:t>
+            </a:r>
+          </a:p>
+          <a:p>
+            <a:pPr algn="l"/>
+            <a:r>
+              <a:rPr lang="nl-NL" sz="2000"/>
+              <a:t>2: c en d</a:t>
+            </a:r>
+          </a:p>
+          <a:p>
+            <a:pPr algn="l"/>
+            <a:r>
+              <a:rPr lang="nl-NL" sz="2000"/>
+              <a:t>3: b</a:t>
+            </a:r>
+          </a:p>
+        </p:txBody>
+      </p:sp>
+      <p:sp>
+        <p:nvSpPr>
+          <p:cNvPr id="3081" name="Rectangle 3080">
+            <a:extLst>
+              <a:ext uri="{FF2B5EF4-FFF2-40B4-BE49-F238E27FC236}">
+                <a16:creationId xmlns:a16="http://schemas.microsoft.com/office/drawing/2014/main" id="{AF2F604E-43BE-4DC3-B983-E071523364F8}"/>
+              </a:ext>
+              <a:ext uri="{C183D7F6-B498-43B3-948B-1728B52AA6E4}">
+                <adec:decorative xmlns:adec="http://schemas.microsoft.com/office/drawing/2017/decorative" val="1"/>
+              </a:ext>
+            </a:extLst>
+          </p:cNvPr>
+          <p:cNvSpPr>
+            <a:spLocks noGrp="1" noRot="1" noChangeAspect="1" noMove="1" noResize="1" noEditPoints="1" noAdjustHandles="1" noChangeArrowheads="1" noChangeShapeType="1" noTextEdit="1"/>
+          </p:cNvSpPr>
+          <p:nvPr>
+            <p:extLst>
+              <p:ext uri="{386F3935-93C4-4BCD-93E2-E3B085C9AB24}">
+                <p16:designElem xmlns:p16="http://schemas.microsoft.com/office/powerpoint/2015/main" val="1"/>
+              </p:ext>
+            </p:extLst>
+          </p:nvPr>
+        </p:nvSpPr>
+        <p:spPr>
+          <a:xfrm rot="5400000">
+            <a:off x="759921" y="346791"/>
+            <a:ext cx="146304" cy="704088"/>
+          </a:xfrm>
+          <a:prstGeom prst="rect">
+            <a:avLst/>
+          </a:prstGeom>
+          <a:solidFill>
+            <a:schemeClr val="accent2"/>
+          </a:solidFill>
+          <a:ln>
+            <a:noFill/>
+          </a:ln>
+        </p:spPr>
+        <p:style>
+          <a:lnRef idx="2">
+            <a:schemeClr val="accent1">
+              <a:shade val="50000"/>
+            </a:schemeClr>
+          </a:lnRef>
+          <a:fillRef idx="1">
+            <a:schemeClr val="accent1"/>
+          </a:fillRef>
+          <a:effectRef idx="0">
+            <a:schemeClr val="accent1"/>
+          </a:effectRef>
+          <a:fontRef idx="minor">
+            <a:schemeClr val="lt1"/>
+          </a:fontRef>
+        </p:style>
+        <p:txBody>
+          <a:bodyPr rtlCol="0" anchor="ctr"/>
+          <a:lstStyle/>
+          <a:p>
+            <a:pPr marL="0" marR="0" lvl="0" indent="0" algn="ctr" defTabSz="914400" rtl="0" eaLnBrk="1" fontAlgn="auto" latinLnBrk="0" hangingPunct="1">
+              <a:lnSpc>
+                <a:spcPct val="100000"/>
+              </a:lnSpc>
+              <a:spcBef>
+                <a:spcPts val="0"/>
+              </a:spcBef>
+              <a:spcAft>
+                <a:spcPts val="0"/>
+              </a:spcAft>
+              <a:buClrTx/>
+              <a:buSzTx/>
+              <a:buFontTx/>
+              <a:buNone/>
+              <a:tabLst/>
+              <a:defRPr/>
+            </a:pPr>
+            <a:endParaRPr kumimoji="0" lang="en-US" sz="1800" b="0" i="0" u="none" strike="noStrike" kern="1200" cap="none" spc="0" normalizeH="0" baseline="0" noProof="0">
+              <a:ln>
+                <a:noFill/>
+              </a:ln>
+              <a:solidFill>
+                <a:prstClr val="white"/>
+              </a:solidFill>
+              <a:effectLst/>
+              <a:uLnTx/>
+              <a:uFillTx/>
+              <a:latin typeface="Calibri" panose="020F0502020204030204"/>
+              <a:ea typeface="+mn-ea"/>
+              <a:cs typeface="+mn-cs"/>
+            </a:endParaRPr>
+          </a:p>
+        </p:txBody>
+      </p:sp>
+      <p:sp>
+        <p:nvSpPr>
+          <p:cNvPr id="3083" name="Rectangle 3082">
+            <a:extLst>
+              <a:ext uri="{FF2B5EF4-FFF2-40B4-BE49-F238E27FC236}">
+                <a16:creationId xmlns:a16="http://schemas.microsoft.com/office/drawing/2014/main" id="{08C9B587-E65E-4B52-B37C-ABEBB6E87928}"/>
+              </a:ext>
+              <a:ext uri="{C183D7F6-B498-43B3-948B-1728B52AA6E4}">
+                <adec:decorative xmlns:adec="http://schemas.microsoft.com/office/drawing/2017/decorative" val="1"/>
+              </a:ext>
+            </a:extLst>
+          </p:cNvPr>
+          <p:cNvSpPr>
+            <a:spLocks noGrp="1" noRot="1" noChangeAspect="1" noMove="1" noResize="1" noEditPoints="1" noAdjustHandles="1" noChangeArrowheads="1" noChangeShapeType="1" noTextEdit="1"/>
+          </p:cNvSpPr>
+          <p:nvPr>
+            <p:extLst>
+              <p:ext uri="{386F3935-93C4-4BCD-93E2-E3B085C9AB24}">
+                <p16:designElem xmlns:p16="http://schemas.microsoft.com/office/powerpoint/2015/main" val="1"/>
+              </p:ext>
+            </p:extLst>
+          </p:nvPr>
+        </p:nvSpPr>
+        <p:spPr>
+          <a:xfrm>
+            <a:off x="481029" y="4546920"/>
+            <a:ext cx="4023360" cy="18288"/>
+          </a:xfrm>
+          <a:prstGeom prst="rect">
+            <a:avLst/>
+          </a:prstGeom>
+          <a:solidFill>
+            <a:srgbClr val="D5D5D5"/>
+          </a:solidFill>
+          <a:ln w="3175">
+            <a:noFill/>
+          </a:ln>
+          <a:effectLst/>
+        </p:spPr>
+        <p:style>
+          <a:lnRef idx="2">
+            <a:schemeClr val="accent1">
+              <a:shade val="50000"/>
+            </a:schemeClr>
+          </a:lnRef>
+          <a:fillRef idx="1">
+            <a:schemeClr val="accent1"/>
+          </a:fillRef>
+          <a:effectRef idx="0">
+            <a:schemeClr val="accent1"/>
+          </a:effectRef>
+          <a:fontRef idx="minor">
+            <a:schemeClr val="lt1"/>
+          </a:fontRef>
+        </p:style>
+        <p:txBody>
+          <a:bodyPr rtlCol="0" anchor="ctr"/>
+          <a:lstStyle/>
+          <a:p>
+            <a:pPr algn="ctr"/>
+            <a:endParaRPr lang="en-US">
+              <a:solidFill>
+                <a:prstClr val="white"/>
+              </a:solidFill>
+              <a:latin typeface="Calibri" panose="020F0502020204030204"/>
+            </a:endParaRPr>
+          </a:p>
+        </p:txBody>
+      </p:sp>
+      <p:pic>
+        <p:nvPicPr>
+          <p:cNvPr id="3074" name="Picture 2" descr="Antwoorden spelregelquiz ronde 5">
+            <a:extLst>
+              <a:ext uri="{FF2B5EF4-FFF2-40B4-BE49-F238E27FC236}">
+                <a16:creationId xmlns:a16="http://schemas.microsoft.com/office/drawing/2014/main" id="{BEB40E0D-DA0A-26E7-96C4-6DB66384B714}"/>
+              </a:ext>
+            </a:extLst>
+          </p:cNvPr>
+          <p:cNvPicPr>
+            <a:picLocks noChangeAspect="1" noChangeArrowheads="1"/>
+          </p:cNvPicPr>
+          <p:nvPr/>
+        </p:nvPicPr>
+        <p:blipFill>
+          <a:blip r:embed="rId2">
+            <a:extLst>
+              <a:ext uri="{28A0092B-C50C-407E-A947-70E740481C1C}">
+                <a14:useLocalDpi xmlns:a14="http://schemas.microsoft.com/office/drawing/2010/main" val="0"/>
+              </a:ext>
+            </a:extLst>
+          </a:blip>
+          <a:stretch>
+            <a:fillRect/>
+          </a:stretch>
+        </p:blipFill>
+        <p:spPr bwMode="auto">
+          <a:xfrm>
+            <a:off x="4864608" y="1718804"/>
+            <a:ext cx="6846363" cy="3269138"/>
+          </a:xfrm>
+          <a:prstGeom prst="rect">
+            <a:avLst/>
+          </a:prstGeom>
+          <a:noFill/>
+          <a:extLst>
+            <a:ext uri="{909E8E84-426E-40DD-AFC4-6F175D3DCCD1}">
+              <a14:hiddenFill xmlns:a14="http://schemas.microsoft.com/office/drawing/2010/main">
+                <a:solidFill>
+                  <a:srgbClr val="FFFFFF"/>
+                </a:solidFill>
+              </a14:hiddenFill>
+            </a:ext>
+          </a:extLst>
+        </p:spPr>
+      </p:pic>
+    </p:spTree>
+    <p:extLst>
+      <p:ext uri="{BB962C8B-B14F-4D97-AF65-F5344CB8AC3E}">
+        <p14:creationId xmlns:p14="http://schemas.microsoft.com/office/powerpoint/2010/main" val="2892343951"/>
+      </p:ext>
+    </p:extLst>
+  </p:cSld>
+  <p:clrMapOvr>
+    <a:masterClrMapping/>
+  </p:clrMapOvr>
+</p:sld>
+</file>
+
 <file path=ppt/slides/slide2.xml><?xml version="1.0" encoding="utf-8"?>
 <p:sld xmlns:a="http://schemas.openxmlformats.org/drawingml/2006/main" xmlns:r="http://schemas.openxmlformats.org/officeDocument/2006/relationships" xmlns:p="http://schemas.openxmlformats.org/presentationml/2006/main">
   <p:cSld>
@@ -5848,11 +9299,11 @@
             </a:r>
             <a:r>
               <a:rPr lang="en-US" sz="1000" err="1"/>
-              <a:t>tekstverwerkers</a:t>
+              <a:t>sociale</a:t>
             </a:r>
             <a:r>
               <a:rPr lang="en-US" sz="1000"/>
-              <a:t> of games.</a:t>
+              <a:t> media of games.</a:t>
             </a:r>
           </a:p>
           <a:p>
@@ -7630,12 +11081,12 @@
           <a:chExt cx="0" cy="0"/>
         </a:xfrm>
       </p:grpSpPr>
-      <p:sp useBgFill="1">
+      <p:sp>
         <p:nvSpPr>
           <p:cNvPr id="9" name="Rectangle 8">
             <a:extLst>
               <a:ext uri="{FF2B5EF4-FFF2-40B4-BE49-F238E27FC236}">
-                <a16:creationId xmlns:a16="http://schemas.microsoft.com/office/drawing/2014/main" id="{D009D6D5-DAC2-4A8B-A17A-E206B9012D09}"/>
+                <a16:creationId xmlns:a16="http://schemas.microsoft.com/office/drawing/2014/main" id="{42A4FC2C-047E-45A5-965D-8E1E3BF09BC6}"/>
               </a:ext>
               <a:ext uri="{C183D7F6-B498-43B3-948B-1728B52AA6E4}">
                 <adec:decorative xmlns:adec="http://schemas.microsoft.com/office/drawing/2017/decorative" val="1"/>
@@ -7653,14 +11104,15 @@
             </p:extLst>
           </p:nvPr>
         </p:nvSpPr>
-        <p:spPr>
+        <p:spPr bwMode="white">
           <a:xfrm>
-            <a:off x="0" y="0"/>
+            <a:off x="1524" y="0"/>
             <a:ext cx="12188952" cy="6858000"/>
           </a:xfrm>
           <a:prstGeom prst="rect">
             <a:avLst/>
           </a:prstGeom>
+          <a:noFill/>
           <a:ln>
             <a:noFill/>
           </a:ln>
@@ -7683,787 +11135,142 @@
         </p:style>
         <p:txBody>
           <a:bodyPr rtlCol="0" anchor="ctr"/>
-          <a:lstStyle/>
+          <a:lstStyle>
+            <a:defPPr>
+              <a:defRPr lang="en-US"/>
+            </a:defPPr>
+            <a:lvl1pPr marL="0" algn="l" defTabSz="914400" rtl="0" eaLnBrk="1" latinLnBrk="0" hangingPunct="1">
+              <a:defRPr sz="1800" kern="1200">
+                <a:solidFill>
+                  <a:schemeClr val="lt1"/>
+                </a:solidFill>
+                <a:latin typeface="+mn-lt"/>
+                <a:ea typeface="+mn-ea"/>
+                <a:cs typeface="+mn-cs"/>
+              </a:defRPr>
+            </a:lvl1pPr>
+            <a:lvl2pPr marL="457200" algn="l" defTabSz="914400" rtl="0" eaLnBrk="1" latinLnBrk="0" hangingPunct="1">
+              <a:defRPr sz="1800" kern="1200">
+                <a:solidFill>
+                  <a:schemeClr val="lt1"/>
+                </a:solidFill>
+                <a:latin typeface="+mn-lt"/>
+                <a:ea typeface="+mn-ea"/>
+                <a:cs typeface="+mn-cs"/>
+              </a:defRPr>
+            </a:lvl2pPr>
+            <a:lvl3pPr marL="914400" algn="l" defTabSz="914400" rtl="0" eaLnBrk="1" latinLnBrk="0" hangingPunct="1">
+              <a:defRPr sz="1800" kern="1200">
+                <a:solidFill>
+                  <a:schemeClr val="lt1"/>
+                </a:solidFill>
+                <a:latin typeface="+mn-lt"/>
+                <a:ea typeface="+mn-ea"/>
+                <a:cs typeface="+mn-cs"/>
+              </a:defRPr>
+            </a:lvl3pPr>
+            <a:lvl4pPr marL="1371600" algn="l" defTabSz="914400" rtl="0" eaLnBrk="1" latinLnBrk="0" hangingPunct="1">
+              <a:defRPr sz="1800" kern="1200">
+                <a:solidFill>
+                  <a:schemeClr val="lt1"/>
+                </a:solidFill>
+                <a:latin typeface="+mn-lt"/>
+                <a:ea typeface="+mn-ea"/>
+                <a:cs typeface="+mn-cs"/>
+              </a:defRPr>
+            </a:lvl4pPr>
+            <a:lvl5pPr marL="1828800" algn="l" defTabSz="914400" rtl="0" eaLnBrk="1" latinLnBrk="0" hangingPunct="1">
+              <a:defRPr sz="1800" kern="1200">
+                <a:solidFill>
+                  <a:schemeClr val="lt1"/>
+                </a:solidFill>
+                <a:latin typeface="+mn-lt"/>
+                <a:ea typeface="+mn-ea"/>
+                <a:cs typeface="+mn-cs"/>
+              </a:defRPr>
+            </a:lvl5pPr>
+            <a:lvl6pPr marL="2286000" algn="l" defTabSz="914400" rtl="0" eaLnBrk="1" latinLnBrk="0" hangingPunct="1">
+              <a:defRPr sz="1800" kern="1200">
+                <a:solidFill>
+                  <a:schemeClr val="lt1"/>
+                </a:solidFill>
+                <a:latin typeface="+mn-lt"/>
+                <a:ea typeface="+mn-ea"/>
+                <a:cs typeface="+mn-cs"/>
+              </a:defRPr>
+            </a:lvl6pPr>
+            <a:lvl7pPr marL="2743200" algn="l" defTabSz="914400" rtl="0" eaLnBrk="1" latinLnBrk="0" hangingPunct="1">
+              <a:defRPr sz="1800" kern="1200">
+                <a:solidFill>
+                  <a:schemeClr val="lt1"/>
+                </a:solidFill>
+                <a:latin typeface="+mn-lt"/>
+                <a:ea typeface="+mn-ea"/>
+                <a:cs typeface="+mn-cs"/>
+              </a:defRPr>
+            </a:lvl7pPr>
+            <a:lvl8pPr marL="3200400" algn="l" defTabSz="914400" rtl="0" eaLnBrk="1" latinLnBrk="0" hangingPunct="1">
+              <a:defRPr sz="1800" kern="1200">
+                <a:solidFill>
+                  <a:schemeClr val="lt1"/>
+                </a:solidFill>
+                <a:latin typeface="+mn-lt"/>
+                <a:ea typeface="+mn-ea"/>
+                <a:cs typeface="+mn-cs"/>
+              </a:defRPr>
+            </a:lvl8pPr>
+            <a:lvl9pPr marL="3657600" algn="l" defTabSz="914400" rtl="0" eaLnBrk="1" latinLnBrk="0" hangingPunct="1">
+              <a:defRPr sz="1800" kern="1200">
+                <a:solidFill>
+                  <a:schemeClr val="lt1"/>
+                </a:solidFill>
+                <a:latin typeface="+mn-lt"/>
+                <a:ea typeface="+mn-ea"/>
+                <a:cs typeface="+mn-cs"/>
+              </a:defRPr>
+            </a:lvl9pPr>
+          </a:lstStyle>
           <a:p>
             <a:pPr algn="ctr"/>
             <a:endParaRPr lang="en-US"/>
           </a:p>
         </p:txBody>
       </p:sp>
-      <p:sp>
-        <p:nvSpPr>
-          <p:cNvPr id="3" name="Tijdelijke aanduiding voor inhoud 2">
-            <a:extLst>
-              <a:ext uri="{FF2B5EF4-FFF2-40B4-BE49-F238E27FC236}">
-                <a16:creationId xmlns:a16="http://schemas.microsoft.com/office/drawing/2014/main" id="{9D7A4B3C-4ADA-6783-908C-79F1BC4DD438}"/>
-              </a:ext>
-            </a:extLst>
-          </p:cNvPr>
-          <p:cNvSpPr>
-            <a:spLocks noGrp="1"/>
-          </p:cNvSpPr>
+      <p:pic>
+        <p:nvPicPr>
+          <p:cNvPr id="4" name="Tijdelijke aanduiding voor inhoud 3" descr="Poster, Foto quiz icon black and white, Francois Poirier - Koop op  EuroPosters.nl">
+            <a:extLst>
+              <a:ext uri="{FF2B5EF4-FFF2-40B4-BE49-F238E27FC236}">
+                <a16:creationId xmlns:a16="http://schemas.microsoft.com/office/drawing/2014/main" id="{C893F444-F72C-A225-CB8A-574FF9F49F0B}"/>
+              </a:ext>
+            </a:extLst>
+          </p:cNvPr>
+          <p:cNvPicPr>
+            <a:picLocks noGrp="1" noChangeAspect="1"/>
+          </p:cNvPicPr>
           <p:nvPr>
             <p:ph idx="1"/>
           </p:nvPr>
-        </p:nvSpPr>
-        <p:spPr>
-          <a:xfrm>
-            <a:off x="385527" y="296268"/>
-            <a:ext cx="5710473" cy="6213174"/>
-          </a:xfrm>
-        </p:spPr>
-        <p:txBody>
-          <a:bodyPr>
-            <a:normAutofit/>
-          </a:bodyPr>
-          <a:lstStyle/>
-          <a:p>
-            <a:r>
-              <a:rPr lang="nl-NL" sz="1400" b="1"/>
-              <a:t>1: Bevat </a:t>
-            </a:r>
-            <a:r>
-              <a:rPr lang="nl-NL" sz="1400" b="1" kern="100">
-                <a:effectLst/>
-                <a:latin typeface="Aptos" panose="020B0004020202020204" pitchFamily="34" charset="0"/>
-                <a:ea typeface="Aptos" panose="020B0004020202020204" pitchFamily="34" charset="0"/>
-                <a:cs typeface="Times New Roman" panose="02020603050405020304" pitchFamily="18" charset="0"/>
-              </a:rPr>
-              <a:t>onderdelen die ervoor zorgen dat het apparaat functioneert:</a:t>
-            </a:r>
-            <a:r>
-              <a:rPr lang="nl-NL" sz="1400" kern="100">
-                <a:effectLst/>
-                <a:latin typeface="Aptos" panose="020B0004020202020204" pitchFamily="34" charset="0"/>
-                <a:ea typeface="Aptos" panose="020B0004020202020204" pitchFamily="34" charset="0"/>
-                <a:cs typeface="Times New Roman" panose="02020603050405020304" pitchFamily="18" charset="0"/>
-              </a:rPr>
-              <a:t> </a:t>
-            </a:r>
-            <a:endParaRPr lang="nl-NL" sz="1400"/>
-          </a:p>
-          <a:p>
-            <a:pPr marL="457200" indent="-457200">
-              <a:buAutoNum type="alphaLcParenR"/>
-            </a:pPr>
-            <a:r>
-              <a:rPr lang="nl-NL" sz="1400" kern="100">
-                <a:effectLst/>
-                <a:latin typeface="Aptos" panose="020B0004020202020204" pitchFamily="34" charset="0"/>
-                <a:ea typeface="Aptos" panose="020B0004020202020204" pitchFamily="34" charset="0"/>
-                <a:cs typeface="Times New Roman" panose="02020603050405020304" pitchFamily="18" charset="0"/>
-              </a:rPr>
-              <a:t>De fysieke laag</a:t>
-            </a:r>
-          </a:p>
-          <a:p>
-            <a:pPr marL="457200" indent="-457200">
-              <a:buAutoNum type="alphaLcParenR"/>
-            </a:pPr>
-            <a:r>
-              <a:rPr lang="nl-NL" sz="1400" kern="100">
-                <a:effectLst/>
-                <a:latin typeface="Aptos" panose="020B0004020202020204" pitchFamily="34" charset="0"/>
-                <a:ea typeface="Aptos" panose="020B0004020202020204" pitchFamily="34" charset="0"/>
-                <a:cs typeface="Times New Roman" panose="02020603050405020304" pitchFamily="18" charset="0"/>
-              </a:rPr>
-              <a:t>De logische laag</a:t>
-            </a:r>
-          </a:p>
-          <a:p>
-            <a:pPr marL="457200" indent="-457200">
-              <a:buAutoNum type="alphaLcParenR"/>
-            </a:pPr>
-            <a:r>
-              <a:rPr lang="nl-NL" sz="1400" kern="100">
-                <a:effectLst/>
-                <a:latin typeface="Aptos" panose="020B0004020202020204" pitchFamily="34" charset="0"/>
-                <a:ea typeface="Aptos" panose="020B0004020202020204" pitchFamily="34" charset="0"/>
-                <a:cs typeface="Times New Roman" panose="02020603050405020304" pitchFamily="18" charset="0"/>
-              </a:rPr>
-              <a:t>De </a:t>
-            </a:r>
-            <a:r>
-              <a:rPr lang="nl-NL" sz="1400" kern="100" err="1">
-                <a:effectLst/>
-                <a:latin typeface="Aptos" panose="020B0004020202020204" pitchFamily="34" charset="0"/>
-                <a:ea typeface="Aptos" panose="020B0004020202020204" pitchFamily="34" charset="0"/>
-                <a:cs typeface="Times New Roman" panose="02020603050405020304" pitchFamily="18" charset="0"/>
-              </a:rPr>
-              <a:t>toepassingslaag</a:t>
-            </a:r>
-            <a:endParaRPr lang="nl-NL" sz="1400" kern="100">
-              <a:latin typeface="Aptos" panose="020B0004020202020204" pitchFamily="34" charset="0"/>
-              <a:ea typeface="Aptos" panose="020B0004020202020204" pitchFamily="34" charset="0"/>
-              <a:cs typeface="Times New Roman" panose="02020603050405020304" pitchFamily="18" charset="0"/>
-            </a:endParaRPr>
-          </a:p>
-          <a:p>
-            <a:pPr marL="457200" indent="-457200">
-              <a:buAutoNum type="alphaLcParenR"/>
-            </a:pPr>
-            <a:r>
-              <a:rPr lang="nl-NL" sz="1400" kern="100">
-                <a:latin typeface="Aptos" panose="020B0004020202020204" pitchFamily="34" charset="0"/>
-                <a:ea typeface="Aptos" panose="020B0004020202020204" pitchFamily="34" charset="0"/>
-                <a:cs typeface="Times New Roman" panose="02020603050405020304" pitchFamily="18" charset="0"/>
-              </a:rPr>
-              <a:t>Geen van bovenstaande opties.</a:t>
-            </a:r>
-          </a:p>
-          <a:p>
-            <a:r>
-              <a:rPr lang="nl-NL" sz="1400" b="1" kern="100">
-                <a:latin typeface="Aptos" panose="020B0004020202020204" pitchFamily="34" charset="0"/>
-                <a:ea typeface="Aptos" panose="020B0004020202020204" pitchFamily="34" charset="0"/>
-                <a:cs typeface="Times New Roman" panose="02020603050405020304" pitchFamily="18" charset="0"/>
-              </a:rPr>
-              <a:t>2: kies uit de opties die er niet bij hoort (het gaat hierbij om de fysieke laag):</a:t>
-            </a:r>
-          </a:p>
-          <a:p>
-            <a:pPr marL="457200" indent="-457200">
-              <a:buAutoNum type="alphaLcParenR"/>
-            </a:pPr>
-            <a:r>
-              <a:rPr lang="en-US" sz="1400" err="1"/>
-              <a:t>Moederbord</a:t>
-            </a:r>
-            <a:endParaRPr lang="en-US" sz="1400"/>
-          </a:p>
-          <a:p>
-            <a:pPr marL="457200" indent="-457200">
-              <a:buAutoNum type="alphaLcParenR"/>
-            </a:pPr>
-            <a:r>
-              <a:rPr lang="en-US" sz="1400"/>
-              <a:t>Chipset</a:t>
-            </a:r>
-          </a:p>
-          <a:p>
-            <a:pPr marL="457200" indent="-457200">
-              <a:buAutoNum type="alphaLcParenR"/>
-            </a:pPr>
-            <a:r>
-              <a:rPr lang="en-US" sz="1400" err="1"/>
-              <a:t>Beveiliging</a:t>
-            </a:r>
-            <a:endParaRPr lang="en-US" sz="1400"/>
-          </a:p>
-          <a:p>
-            <a:pPr marL="457200" indent="-457200">
-              <a:buAutoNum type="alphaLcParenR"/>
-            </a:pPr>
-            <a:r>
-              <a:rPr lang="en-US" sz="1400" err="1"/>
-              <a:t>Protocollen</a:t>
-            </a:r>
-            <a:endParaRPr lang="en-US" sz="1400"/>
-          </a:p>
-          <a:p>
-            <a:pPr marL="457200" indent="-457200">
-              <a:buAutoNum type="alphaLcParenR"/>
-            </a:pPr>
-            <a:r>
-              <a:rPr lang="en-US" sz="1400" err="1"/>
-              <a:t>Voeding</a:t>
-            </a:r>
-            <a:endParaRPr lang="en-US" sz="1400"/>
-          </a:p>
-          <a:p>
-            <a:r>
-              <a:rPr lang="nl-NL" sz="1400" b="1"/>
-              <a:t>3: Wat is de functie van de </a:t>
-            </a:r>
-            <a:r>
-              <a:rPr lang="nl-NL" sz="1400" b="1" err="1"/>
-              <a:t>toepassingslaag</a:t>
-            </a:r>
-            <a:r>
-              <a:rPr lang="nl-NL" sz="1400" b="1"/>
-              <a:t> in een computer?</a:t>
-            </a:r>
-          </a:p>
-          <a:p>
-            <a:pPr marL="0" indent="0">
-              <a:buNone/>
-            </a:pPr>
-            <a:endParaRPr lang="nl-NL" sz="1400" b="1"/>
-          </a:p>
-          <a:p>
-            <a:pPr marL="342900" indent="-342900">
-              <a:buAutoNum type="alphaLcParenR"/>
-            </a:pPr>
-            <a:r>
-              <a:rPr lang="nl-NL" sz="1400"/>
-              <a:t>Het regelt de stroomvoorziening van de computer.</a:t>
-            </a:r>
-          </a:p>
-          <a:p>
-            <a:pPr marL="342900" indent="-342900">
-              <a:buAutoNum type="alphaLcParenR"/>
-            </a:pPr>
-            <a:r>
-              <a:rPr lang="nl-NL" sz="1400"/>
-              <a:t>Het zorgt ervoor dat je programma's makkelijk met elkaar kunnen</a:t>
-            </a:r>
-          </a:p>
-          <a:p>
-            <a:pPr marL="342900" indent="-342900">
-              <a:buAutoNum type="alphaLcParenR"/>
-            </a:pPr>
-            <a:r>
-              <a:rPr lang="nl-NL" sz="1400"/>
-              <a:t>Het zorgt ervoor dat de computer geen oververhitting krijgt.</a:t>
-            </a:r>
-          </a:p>
-          <a:p>
-            <a:pPr marL="342900" indent="-342900">
-              <a:buFont typeface="Arial" panose="020B0604020202020204" pitchFamily="34" charset="0"/>
-              <a:buAutoNum type="alphaLcParenR"/>
-            </a:pPr>
-            <a:r>
-              <a:rPr lang="nl-NL" sz="1400"/>
-              <a:t>Het slaat gegevens op die de computer niet vaak nodig heeft.</a:t>
-            </a:r>
-            <a:endParaRPr lang="en-US" sz="2000" b="1"/>
-          </a:p>
-          <a:p>
-            <a:pPr marL="457200" indent="-457200">
-              <a:buAutoNum type="alphaLcParenR"/>
-            </a:pPr>
-            <a:endParaRPr lang="nl-NL" sz="2000" kern="100">
-              <a:latin typeface="Aptos" panose="020B0004020202020204" pitchFamily="34" charset="0"/>
-              <a:ea typeface="Aptos" panose="020B0004020202020204" pitchFamily="34" charset="0"/>
-              <a:cs typeface="Times New Roman" panose="02020603050405020304" pitchFamily="18" charset="0"/>
-            </a:endParaRPr>
-          </a:p>
-          <a:p>
-            <a:pPr marL="0" indent="0">
-              <a:buNone/>
-            </a:pPr>
-            <a:endParaRPr lang="nl-NL" sz="2000" kern="100">
-              <a:latin typeface="Aptos" panose="020B0004020202020204" pitchFamily="34" charset="0"/>
-              <a:ea typeface="Aptos" panose="020B0004020202020204" pitchFamily="34" charset="0"/>
-              <a:cs typeface="Times New Roman" panose="02020603050405020304" pitchFamily="18" charset="0"/>
-            </a:endParaRPr>
-          </a:p>
-          <a:p>
-            <a:pPr marL="457200" indent="-457200">
-              <a:buAutoNum type="alphaLcParenR"/>
-            </a:pPr>
-            <a:endParaRPr lang="nl-NL" sz="2000" b="1" kern="100">
-              <a:effectLst/>
-              <a:latin typeface="Aptos" panose="020B0004020202020204" pitchFamily="34" charset="0"/>
-              <a:ea typeface="Aptos" panose="020B0004020202020204" pitchFamily="34" charset="0"/>
-              <a:cs typeface="Times New Roman" panose="02020603050405020304" pitchFamily="18" charset="0"/>
-            </a:endParaRPr>
-          </a:p>
-          <a:p>
-            <a:pPr marL="457200" indent="-457200">
-              <a:buAutoNum type="alphaLcParenR"/>
-            </a:pPr>
-            <a:endParaRPr lang="nl-NL" sz="2000"/>
-          </a:p>
-        </p:txBody>
-      </p:sp>
-      <p:pic>
-        <p:nvPicPr>
-          <p:cNvPr id="4" name="Afbeelding 3" descr="Afbeelding met logo, symbool, embleem, Graphics&#10;&#10;Automatisch gegenereerde beschrijving">
-            <a:extLst>
-              <a:ext uri="{FF2B5EF4-FFF2-40B4-BE49-F238E27FC236}">
-                <a16:creationId xmlns:a16="http://schemas.microsoft.com/office/drawing/2014/main" id="{DA4F5716-5CA6-3434-3551-5AD1A825E474}"/>
-              </a:ext>
-            </a:extLst>
-          </p:cNvPr>
-          <p:cNvPicPr>
-            <a:picLocks noChangeAspect="1"/>
-          </p:cNvPicPr>
-          <p:nvPr/>
         </p:nvPicPr>
         <p:blipFill>
           <a:blip r:embed="rId2"/>
-          <a:srcRect l="5004" r="8049"/>
+          <a:srcRect t="10634" b="12589"/>
           <a:stretch/>
         </p:blipFill>
         <p:spPr>
           <a:xfrm>
-            <a:off x="6229215" y="10"/>
-            <a:ext cx="5962785" cy="6857990"/>
+            <a:off x="20" y="1282"/>
+            <a:ext cx="12191980" cy="6856718"/>
           </a:xfrm>
-          <a:custGeom>
+          <a:prstGeom prst="rect">
             <a:avLst/>
-            <a:gdLst/>
-            <a:ahLst/>
-            <a:cxnLst/>
-            <a:rect l="l" t="t" r="r" b="b"/>
-            <a:pathLst>
-              <a:path w="5962785" h="6858000">
-                <a:moveTo>
-                  <a:pt x="1044839" y="0"/>
-                </a:moveTo>
-                <a:lnTo>
-                  <a:pt x="5962785" y="0"/>
-                </a:lnTo>
-                <a:lnTo>
-                  <a:pt x="5962785" y="6858000"/>
-                </a:lnTo>
-                <a:lnTo>
-                  <a:pt x="1469886" y="6858000"/>
-                </a:lnTo>
-                <a:lnTo>
-                  <a:pt x="1416006" y="6823984"/>
-                </a:lnTo>
-                <a:cubicBezTo>
-                  <a:pt x="1356767" y="6787940"/>
-                  <a:pt x="1296437" y="6755500"/>
-                  <a:pt x="1232473" y="6733873"/>
-                </a:cubicBezTo>
-                <a:cubicBezTo>
-                  <a:pt x="1145250" y="6705037"/>
-                  <a:pt x="1060933" y="6654575"/>
-                  <a:pt x="1075471" y="6503186"/>
-                </a:cubicBezTo>
-                <a:cubicBezTo>
-                  <a:pt x="1078378" y="6459932"/>
-                  <a:pt x="1055118" y="6427493"/>
-                  <a:pt x="1020229" y="6438306"/>
-                </a:cubicBezTo>
-                <a:cubicBezTo>
-                  <a:pt x="953358" y="6459932"/>
-                  <a:pt x="921375" y="6398656"/>
-                  <a:pt x="883579" y="6351798"/>
-                </a:cubicBezTo>
-                <a:cubicBezTo>
-                  <a:pt x="816707" y="6268895"/>
-                  <a:pt x="752743" y="6182387"/>
-                  <a:pt x="645167" y="6167969"/>
-                </a:cubicBezTo>
-                <a:cubicBezTo>
-                  <a:pt x="665519" y="6103088"/>
-                  <a:pt x="700408" y="6110298"/>
-                  <a:pt x="732391" y="6124716"/>
-                </a:cubicBezTo>
-                <a:cubicBezTo>
-                  <a:pt x="816707" y="6160761"/>
-                  <a:pt x="901023" y="6200410"/>
-                  <a:pt x="985339" y="6236455"/>
-                </a:cubicBezTo>
-                <a:cubicBezTo>
-                  <a:pt x="1040581" y="6258081"/>
-                  <a:pt x="1095822" y="6290522"/>
-                  <a:pt x="1168509" y="6265291"/>
-                </a:cubicBezTo>
-                <a:cubicBezTo>
-                  <a:pt x="1104545" y="6135530"/>
-                  <a:pt x="996969" y="6110298"/>
-                  <a:pt x="909746" y="6070649"/>
-                </a:cubicBezTo>
-                <a:cubicBezTo>
-                  <a:pt x="802169" y="6020185"/>
-                  <a:pt x="738206" y="5926470"/>
-                  <a:pt x="659704" y="5818335"/>
-                </a:cubicBezTo>
-                <a:cubicBezTo>
-                  <a:pt x="738206" y="5789500"/>
-                  <a:pt x="787632" y="5868798"/>
-                  <a:pt x="851597" y="5865193"/>
-                </a:cubicBezTo>
-                <a:cubicBezTo>
-                  <a:pt x="854504" y="5854380"/>
-                  <a:pt x="860319" y="5832753"/>
-                  <a:pt x="860319" y="5832753"/>
-                </a:cubicBezTo>
-                <a:cubicBezTo>
-                  <a:pt x="755650" y="5775081"/>
-                  <a:pt x="709132" y="5666947"/>
-                  <a:pt x="691686" y="5533581"/>
-                </a:cubicBezTo>
-                <a:cubicBezTo>
-                  <a:pt x="685872" y="5465095"/>
-                  <a:pt x="648075" y="5443468"/>
-                  <a:pt x="610278" y="5411029"/>
-                </a:cubicBezTo>
-                <a:cubicBezTo>
-                  <a:pt x="482350" y="5299289"/>
-                  <a:pt x="345700" y="5198364"/>
-                  <a:pt x="238123" y="5046976"/>
-                </a:cubicBezTo>
-                <a:cubicBezTo>
-                  <a:pt x="363144" y="5064998"/>
-                  <a:pt x="461997" y="5165924"/>
-                  <a:pt x="592833" y="5209177"/>
-                </a:cubicBezTo>
-                <a:cubicBezTo>
-                  <a:pt x="488165" y="5043371"/>
-                  <a:pt x="351514" y="4956864"/>
-                  <a:pt x="226494" y="4855939"/>
-                </a:cubicBezTo>
-                <a:cubicBezTo>
-                  <a:pt x="168344" y="4809081"/>
-                  <a:pt x="116011" y="4751408"/>
-                  <a:pt x="49139" y="4726177"/>
-                </a:cubicBezTo>
-                <a:cubicBezTo>
-                  <a:pt x="25879" y="4718968"/>
-                  <a:pt x="-14825" y="4700947"/>
-                  <a:pt x="5527" y="4650483"/>
-                </a:cubicBezTo>
-                <a:cubicBezTo>
-                  <a:pt x="22972" y="4607230"/>
-                  <a:pt x="54954" y="4621648"/>
-                  <a:pt x="84029" y="4632460"/>
-                </a:cubicBezTo>
-                <a:cubicBezTo>
-                  <a:pt x="153807" y="4661296"/>
-                  <a:pt x="229401" y="4661296"/>
-                  <a:pt x="325347" y="4661296"/>
-                </a:cubicBezTo>
-                <a:cubicBezTo>
-                  <a:pt x="243939" y="4524326"/>
-                  <a:pt x="95658" y="4567580"/>
-                  <a:pt x="25879" y="4423401"/>
-                </a:cubicBezTo>
-                <a:cubicBezTo>
-                  <a:pt x="113103" y="4398170"/>
-                  <a:pt x="179975" y="4448632"/>
-                  <a:pt x="249753" y="4459446"/>
-                </a:cubicBezTo>
-                <a:cubicBezTo>
-                  <a:pt x="313718" y="4470259"/>
-                  <a:pt x="328254" y="4445028"/>
-                  <a:pt x="313718" y="4365729"/>
-                </a:cubicBezTo>
-                <a:cubicBezTo>
-                  <a:pt x="290458" y="4243177"/>
-                  <a:pt x="325347" y="4181900"/>
-                  <a:pt x="418386" y="4214341"/>
-                </a:cubicBezTo>
-                <a:cubicBezTo>
-                  <a:pt x="505609" y="4246781"/>
-                  <a:pt x="514332" y="4199922"/>
-                  <a:pt x="491072" y="4131438"/>
-                </a:cubicBezTo>
-                <a:cubicBezTo>
-                  <a:pt x="456183" y="4030512"/>
-                  <a:pt x="493979" y="3951214"/>
-                  <a:pt x="520147" y="3864706"/>
-                </a:cubicBezTo>
-                <a:cubicBezTo>
-                  <a:pt x="560851" y="3734945"/>
-                  <a:pt x="543407" y="3670064"/>
-                  <a:pt x="459090" y="3572743"/>
-                </a:cubicBezTo>
-                <a:cubicBezTo>
-                  <a:pt x="409664" y="3518676"/>
-                  <a:pt x="360236" y="3471818"/>
-                  <a:pt x="290458" y="3424959"/>
-                </a:cubicBezTo>
-                <a:cubicBezTo>
-                  <a:pt x="450368" y="3399728"/>
-                  <a:pt x="284643" y="3313221"/>
-                  <a:pt x="339884" y="3259153"/>
-                </a:cubicBezTo>
-                <a:cubicBezTo>
-                  <a:pt x="453275" y="3237527"/>
-                  <a:pt x="543407" y="3410542"/>
-                  <a:pt x="697501" y="3360078"/>
-                </a:cubicBezTo>
-                <a:cubicBezTo>
-                  <a:pt x="511425" y="3212294"/>
-                  <a:pt x="302087" y="3165436"/>
-                  <a:pt x="165437" y="2967190"/>
-                </a:cubicBezTo>
-                <a:cubicBezTo>
-                  <a:pt x="197419" y="2923937"/>
-                  <a:pt x="229401" y="2967190"/>
-                  <a:pt x="255568" y="2949167"/>
-                </a:cubicBezTo>
-                <a:cubicBezTo>
-                  <a:pt x="255568" y="2938354"/>
-                  <a:pt x="560851" y="3006840"/>
-                  <a:pt x="578296" y="2725691"/>
-                </a:cubicBezTo>
-                <a:cubicBezTo>
-                  <a:pt x="584111" y="2725691"/>
-                  <a:pt x="589926" y="2725691"/>
-                  <a:pt x="595740" y="2714876"/>
-                </a:cubicBezTo>
-                <a:cubicBezTo>
-                  <a:pt x="627722" y="2675228"/>
-                  <a:pt x="598648" y="2581510"/>
-                  <a:pt x="650982" y="2574301"/>
-                </a:cubicBezTo>
-                <a:cubicBezTo>
-                  <a:pt x="709132" y="2567092"/>
-                  <a:pt x="764373" y="2534653"/>
-                  <a:pt x="825429" y="2552674"/>
-                </a:cubicBezTo>
-                <a:cubicBezTo>
-                  <a:pt x="871949" y="2567092"/>
-                  <a:pt x="921375" y="2585115"/>
-                  <a:pt x="970802" y="2585115"/>
-                </a:cubicBezTo>
-                <a:cubicBezTo>
-                  <a:pt x="1023136" y="2585115"/>
-                  <a:pt x="1095822" y="2707668"/>
-                  <a:pt x="1127805" y="2545465"/>
-                </a:cubicBezTo>
-                <a:cubicBezTo>
-                  <a:pt x="1127805" y="2538257"/>
-                  <a:pt x="1217936" y="2556280"/>
-                  <a:pt x="1267362" y="2563488"/>
-                </a:cubicBezTo>
-                <a:cubicBezTo>
-                  <a:pt x="1308067" y="2570698"/>
-                  <a:pt x="1357494" y="2603137"/>
-                  <a:pt x="1386568" y="2538257"/>
-                </a:cubicBezTo>
-                <a:cubicBezTo>
-                  <a:pt x="1401105" y="2498607"/>
-                  <a:pt x="1331326" y="2426518"/>
-                  <a:pt x="1270270" y="2419309"/>
-                </a:cubicBezTo>
-                <a:cubicBezTo>
-                  <a:pt x="1215029" y="2412101"/>
-                  <a:pt x="1159787" y="2404892"/>
-                  <a:pt x="1107453" y="2419309"/>
-                </a:cubicBezTo>
-                <a:cubicBezTo>
-                  <a:pt x="1043489" y="2437331"/>
-                  <a:pt x="1008599" y="2408495"/>
-                  <a:pt x="991154" y="2343615"/>
-                </a:cubicBezTo>
-                <a:cubicBezTo>
-                  <a:pt x="970802" y="2275131"/>
-                  <a:pt x="933005" y="2239085"/>
-                  <a:pt x="880671" y="2206645"/>
-                </a:cubicBezTo>
-                <a:cubicBezTo>
-                  <a:pt x="752743" y="2127346"/>
-                  <a:pt x="630630" y="2033629"/>
-                  <a:pt x="491072" y="1986771"/>
-                </a:cubicBezTo>
-                <a:cubicBezTo>
-                  <a:pt x="464905" y="1979562"/>
-                  <a:pt x="432923" y="1965145"/>
-                  <a:pt x="421293" y="1903868"/>
-                </a:cubicBezTo>
-                <a:cubicBezTo>
-                  <a:pt x="799262" y="1997584"/>
-                  <a:pt x="1142342" y="2239085"/>
-                  <a:pt x="1531941" y="2224667"/>
-                </a:cubicBezTo>
-                <a:cubicBezTo>
-                  <a:pt x="1427272" y="2148974"/>
-                  <a:pt x="1302252" y="2145369"/>
-                  <a:pt x="1188861" y="2091301"/>
-                </a:cubicBezTo>
-                <a:cubicBezTo>
-                  <a:pt x="1270270" y="2051652"/>
-                  <a:pt x="1345864" y="2094906"/>
-                  <a:pt x="1421458" y="2116532"/>
-                </a:cubicBezTo>
-                <a:cubicBezTo>
-                  <a:pt x="1485422" y="2134554"/>
-                  <a:pt x="1543571" y="2138160"/>
-                  <a:pt x="1549386" y="2026420"/>
-                </a:cubicBezTo>
-                <a:cubicBezTo>
-                  <a:pt x="1549386" y="2015607"/>
-                  <a:pt x="1549386" y="2008398"/>
-                  <a:pt x="1549386" y="1997584"/>
-                </a:cubicBezTo>
-                <a:cubicBezTo>
-                  <a:pt x="1526126" y="1950727"/>
-                  <a:pt x="1494144" y="1929099"/>
-                  <a:pt x="1453440" y="1914682"/>
-                </a:cubicBezTo>
-                <a:cubicBezTo>
-                  <a:pt x="1430180" y="1907473"/>
-                  <a:pt x="1398198" y="1893056"/>
-                  <a:pt x="1398198" y="1860614"/>
-                </a:cubicBezTo>
-                <a:cubicBezTo>
-                  <a:pt x="1401105" y="1738063"/>
-                  <a:pt x="1322604" y="1702018"/>
-                  <a:pt x="1247011" y="1665972"/>
-                </a:cubicBezTo>
-                <a:cubicBezTo>
-                  <a:pt x="1287715" y="1604696"/>
-                  <a:pt x="1322604" y="1647950"/>
-                  <a:pt x="1354586" y="1644345"/>
-                </a:cubicBezTo>
-                <a:cubicBezTo>
-                  <a:pt x="1374939" y="1640741"/>
-                  <a:pt x="1395290" y="1637138"/>
-                  <a:pt x="1395290" y="1604696"/>
-                </a:cubicBezTo>
-                <a:cubicBezTo>
-                  <a:pt x="1395290" y="1579465"/>
-                  <a:pt x="1386568" y="1547025"/>
-                  <a:pt x="1366216" y="1547025"/>
-                </a:cubicBezTo>
-                <a:cubicBezTo>
-                  <a:pt x="1238288" y="1543420"/>
-                  <a:pt x="1165601" y="1370405"/>
-                  <a:pt x="1031858" y="1370405"/>
-                </a:cubicBezTo>
-                <a:cubicBezTo>
-                  <a:pt x="950450" y="1370405"/>
-                  <a:pt x="1072563" y="1273083"/>
-                  <a:pt x="1005692" y="1233435"/>
-                </a:cubicBezTo>
-                <a:cubicBezTo>
-                  <a:pt x="991154" y="1222621"/>
-                  <a:pt x="1046396" y="1208203"/>
-                  <a:pt x="1069655" y="1211808"/>
-                </a:cubicBezTo>
-                <a:cubicBezTo>
-                  <a:pt x="1092915" y="1215412"/>
-                  <a:pt x="1113268" y="1240644"/>
-                  <a:pt x="1142342" y="1222621"/>
-                </a:cubicBezTo>
-                <a:cubicBezTo>
-                  <a:pt x="1156879" y="1157741"/>
-                  <a:pt x="1119082" y="1132510"/>
-                  <a:pt x="1084193" y="1114487"/>
-                </a:cubicBezTo>
-                <a:cubicBezTo>
-                  <a:pt x="1008599" y="1071234"/>
-                  <a:pt x="933005" y="1020771"/>
-                  <a:pt x="848689" y="1006353"/>
-                </a:cubicBezTo>
-                <a:cubicBezTo>
-                  <a:pt x="819615" y="1002748"/>
-                  <a:pt x="802169" y="984726"/>
-                  <a:pt x="805077" y="948681"/>
-                </a:cubicBezTo>
-                <a:cubicBezTo>
-                  <a:pt x="810892" y="901822"/>
-                  <a:pt x="839967" y="916240"/>
-                  <a:pt x="863226" y="919844"/>
-                </a:cubicBezTo>
-                <a:cubicBezTo>
-                  <a:pt x="877764" y="923450"/>
-                  <a:pt x="892301" y="934263"/>
-                  <a:pt x="906838" y="909031"/>
-                </a:cubicBezTo>
-                <a:cubicBezTo>
-                  <a:pt x="566666" y="653113"/>
-                  <a:pt x="386404" y="667532"/>
-                  <a:pt x="5527" y="458471"/>
-                </a:cubicBezTo>
-                <a:cubicBezTo>
-                  <a:pt x="89843" y="418822"/>
-                  <a:pt x="150900" y="447658"/>
-                  <a:pt x="209049" y="454867"/>
-                </a:cubicBezTo>
-                <a:cubicBezTo>
-                  <a:pt x="354422" y="472890"/>
-                  <a:pt x="264290" y="505329"/>
-                  <a:pt x="409664" y="526956"/>
-                </a:cubicBezTo>
-                <a:cubicBezTo>
-                  <a:pt x="479443" y="537770"/>
-                  <a:pt x="543407" y="573815"/>
-                  <a:pt x="621908" y="516143"/>
-                </a:cubicBezTo>
-                <a:cubicBezTo>
-                  <a:pt x="674242" y="476494"/>
-                  <a:pt x="758558" y="519747"/>
-                  <a:pt x="822522" y="552188"/>
-                </a:cubicBezTo>
-                <a:cubicBezTo>
-                  <a:pt x="874856" y="581024"/>
-                  <a:pt x="927190" y="588232"/>
-                  <a:pt x="996969" y="552188"/>
-                </a:cubicBezTo>
-                <a:cubicBezTo>
-                  <a:pt x="933005" y="530562"/>
-                  <a:pt x="883579" y="512539"/>
-                  <a:pt x="834151" y="498120"/>
-                </a:cubicBezTo>
-                <a:cubicBezTo>
-                  <a:pt x="793447" y="487307"/>
-                  <a:pt x="770187" y="462076"/>
-                  <a:pt x="773095" y="408008"/>
-                </a:cubicBezTo>
-                <a:cubicBezTo>
-                  <a:pt x="773095" y="379172"/>
-                  <a:pt x="764373" y="339523"/>
-                  <a:pt x="793447" y="325106"/>
-                </a:cubicBezTo>
-                <a:cubicBezTo>
-                  <a:pt x="816707" y="310688"/>
-                  <a:pt x="848689" y="325106"/>
-                  <a:pt x="860319" y="350336"/>
-                </a:cubicBezTo>
-                <a:cubicBezTo>
-                  <a:pt x="874856" y="397195"/>
-                  <a:pt x="889393" y="440449"/>
-                  <a:pt x="938820" y="444054"/>
-                </a:cubicBezTo>
-                <a:cubicBezTo>
-                  <a:pt x="1005692" y="451262"/>
-                  <a:pt x="967894" y="422426"/>
-                  <a:pt x="956265" y="386381"/>
-                </a:cubicBezTo>
-                <a:cubicBezTo>
-                  <a:pt x="944635" y="346733"/>
-                  <a:pt x="979525" y="335919"/>
-                  <a:pt x="1002784" y="343127"/>
-                </a:cubicBezTo>
-                <a:cubicBezTo>
-                  <a:pt x="1090008" y="375569"/>
-                  <a:pt x="1180139" y="317897"/>
-                  <a:pt x="1270270" y="364755"/>
-                </a:cubicBezTo>
-                <a:cubicBezTo>
-                  <a:pt x="1247011" y="249411"/>
-                  <a:pt x="1197583" y="198949"/>
-                  <a:pt x="1092915" y="180926"/>
-                </a:cubicBezTo>
-                <a:cubicBezTo>
-                  <a:pt x="1055118" y="177322"/>
-                  <a:pt x="1014414" y="184530"/>
-                  <a:pt x="979525" y="152090"/>
-                </a:cubicBezTo>
-                <a:cubicBezTo>
-                  <a:pt x="959172" y="134068"/>
-                  <a:pt x="938820" y="112441"/>
-                  <a:pt x="953358" y="76396"/>
-                </a:cubicBezTo>
-                <a:cubicBezTo>
-                  <a:pt x="962080" y="51165"/>
-                  <a:pt x="985339" y="51165"/>
-                  <a:pt x="1005692" y="58373"/>
-                </a:cubicBezTo>
-                <a:cubicBezTo>
-                  <a:pt x="1090008" y="98023"/>
-                  <a:pt x="1180139" y="108837"/>
-                  <a:pt x="1267362" y="123254"/>
-                </a:cubicBezTo>
-                <a:cubicBezTo>
-                  <a:pt x="1281900" y="126859"/>
-                  <a:pt x="1296437" y="134068"/>
-                  <a:pt x="1310975" y="98023"/>
-                </a:cubicBezTo>
-                <a:cubicBezTo>
-                  <a:pt x="1260095" y="81803"/>
-                  <a:pt x="1209941" y="62879"/>
-                  <a:pt x="1159787" y="43505"/>
-                </a:cubicBezTo>
-                <a:close/>
-              </a:path>
-            </a:pathLst>
-          </a:custGeom>
+          </a:prstGeom>
         </p:spPr>
       </p:pic>
     </p:spTree>
     <p:extLst>
       <p:ext uri="{BB962C8B-B14F-4D97-AF65-F5344CB8AC3E}">
-        <p14:creationId xmlns:p14="http://schemas.microsoft.com/office/powerpoint/2010/main" val="1526345194"/>
+        <p14:creationId xmlns:p14="http://schemas.microsoft.com/office/powerpoint/2010/main" val="4165253903"/>
       </p:ext>
     </p:extLst>
   </p:cSld>
@@ -8476,14 +11283,6 @@
 <file path=ppt/slides/slide6.xml><?xml version="1.0" encoding="utf-8"?>
 <p:sld xmlns:a="http://schemas.openxmlformats.org/drawingml/2006/main" xmlns:r="http://schemas.openxmlformats.org/officeDocument/2006/relationships" xmlns:p="http://schemas.openxmlformats.org/presentationml/2006/main">
   <p:cSld>
-    <p:bg>
-      <p:bgPr>
-        <a:solidFill>
-          <a:schemeClr val="bg1"/>
-        </a:solidFill>
-        <a:effectLst/>
-      </p:bgPr>
-    </p:bg>
     <p:spTree>
       <p:nvGrpSpPr>
         <p:cNvPr id="1" name=""/>
@@ -8498,45 +11297,70 @@
           <a:chExt cx="0" cy="0"/>
         </a:xfrm>
       </p:grpSpPr>
-      <p:sp useBgFill="1">
-        <p:nvSpPr>
-          <p:cNvPr id="3079" name="Rectangle 3078">
-            <a:extLst>
-              <a:ext uri="{FF2B5EF4-FFF2-40B4-BE49-F238E27FC236}">
-                <a16:creationId xmlns:a16="http://schemas.microsoft.com/office/drawing/2014/main" id="{68AF5748-FED8-45BA-8631-26D1D10F3246}"/>
-              </a:ext>
-              <a:ext uri="{C183D7F6-B498-43B3-948B-1728B52AA6E4}">
-                <adec:decorative xmlns:adec="http://schemas.microsoft.com/office/drawing/2017/decorative" val="1"/>
+      <p:sp>
+        <p:nvSpPr>
+          <p:cNvPr id="2" name="Titel 1">
+            <a:extLst>
+              <a:ext uri="{FF2B5EF4-FFF2-40B4-BE49-F238E27FC236}">
+                <a16:creationId xmlns:a16="http://schemas.microsoft.com/office/drawing/2014/main" id="{951F5C6D-ECA4-342F-7D1F-14DB5D72B90F}"/>
               </a:ext>
             </a:extLst>
           </p:cNvPr>
           <p:cNvSpPr>
-            <a:spLocks noGrp="1" noRot="1" noChangeAspect="1" noMove="1" noResize="1" noEditPoints="1" noAdjustHandles="1" noChangeArrowheads="1" noChangeShapeType="1" noTextEdit="1"/>
+            <a:spLocks noGrp="1"/>
           </p:cNvSpPr>
           <p:nvPr>
-            <p:extLst>
-              <p:ext uri="{386F3935-93C4-4BCD-93E2-E3B085C9AB24}">
-                <p16:designElem xmlns:p16="http://schemas.microsoft.com/office/powerpoint/2015/main" val="1"/>
-              </p:ext>
-            </p:extLst>
+            <p:ph type="title"/>
           </p:nvPr>
+        </p:nvSpPr>
+        <p:spPr/>
+        <p:txBody>
+          <a:bodyPr/>
+          <a:lstStyle/>
+          <a:p>
+            <a:pPr algn="ctr"/>
+            <a:r>
+              <a:rPr lang="nl-NL" sz="2800" b="1">
+                <a:latin typeface="Aptos"/>
+              </a:rPr>
+              <a:t>1: Bevat onderdelen die ervoor zorgen dat het apparaat functioneert:</a:t>
+            </a:r>
+            <a:r>
+              <a:rPr lang="nl-NL" sz="2800">
+                <a:latin typeface="Aptos"/>
+              </a:rPr>
+              <a:t> </a:t>
+            </a:r>
+            <a:endParaRPr lang="nl-NL" sz="2800"/>
+          </a:p>
+        </p:txBody>
+      </p:sp>
+      <p:sp>
+        <p:nvSpPr>
+          <p:cNvPr id="4" name="Rechthoek: afgeronde hoeken 3">
+            <a:hlinkClick r:id="rId2" action="ppaction://hlinksldjump"/>
+            <a:extLst>
+              <a:ext uri="{FF2B5EF4-FFF2-40B4-BE49-F238E27FC236}">
+                <a16:creationId xmlns:a16="http://schemas.microsoft.com/office/drawing/2014/main" id="{2CCB3762-3C94-C22B-59FF-AED9938F584E}"/>
+              </a:ext>
+            </a:extLst>
+          </p:cNvPr>
+          <p:cNvSpPr/>
+          <p:nvPr/>
         </p:nvSpPr>
         <p:spPr>
           <a:xfrm>
-            <a:off x="0" y="0"/>
-            <a:ext cx="12192000" cy="6858000"/>
+            <a:off x="1742283" y="1690688"/>
+            <a:ext cx="7418869" cy="960108"/>
           </a:xfrm>
-          <a:prstGeom prst="rect">
+          <a:prstGeom prst="roundRect">
             <a:avLst/>
           </a:prstGeom>
-          <a:ln>
-            <a:noFill/>
-          </a:ln>
         </p:spPr>
         <p:style>
           <a:lnRef idx="2">
             <a:schemeClr val="accent1">
-              <a:shade val="50000"/>
+              <a:shade val="15000"/>
             </a:schemeClr>
           </a:lnRef>
           <a:fillRef idx="1">
@@ -8554,138 +11378,55 @@
           <a:lstStyle/>
           <a:p>
             <a:pPr algn="ctr"/>
-            <a:endParaRPr lang="en-US"/>
+            <a:r>
+              <a:rPr lang="nl-NL" sz="1400" kern="100">
+                <a:effectLst/>
+                <a:latin typeface="Aptos" panose="020B0004020202020204" pitchFamily="34" charset="0"/>
+                <a:ea typeface="Aptos" panose="020B0004020202020204" pitchFamily="34" charset="0"/>
+                <a:cs typeface="Times New Roman" panose="02020603050405020304" pitchFamily="18" charset="0"/>
+              </a:rPr>
+              <a:t>A De fysieke laag</a:t>
+            </a:r>
+          </a:p>
+          <a:p>
+            <a:pPr algn="ctr"/>
+            <a:r>
+              <a:rPr lang="nl-NL" sz="1400">
+                <a:solidFill>
+                  <a:schemeClr val="bg1"/>
+                </a:solidFill>
+              </a:rPr>
+              <a:t>  </a:t>
+            </a:r>
           </a:p>
         </p:txBody>
       </p:sp>
       <p:sp>
         <p:nvSpPr>
-          <p:cNvPr id="2" name="Titel 1">
-            <a:extLst>
-              <a:ext uri="{FF2B5EF4-FFF2-40B4-BE49-F238E27FC236}">
-                <a16:creationId xmlns:a16="http://schemas.microsoft.com/office/drawing/2014/main" id="{EA060B37-6ECF-F381-AB6D-6D7E48F907D9}"/>
-              </a:ext>
-            </a:extLst>
-          </p:cNvPr>
-          <p:cNvSpPr>
-            <a:spLocks noGrp="1"/>
-          </p:cNvSpPr>
-          <p:nvPr>
-            <p:ph type="ctrTitle"/>
-          </p:nvPr>
+          <p:cNvPr id="8" name="Rechthoek: afgeronde hoeken 7">
+            <a:hlinkClick r:id="rId3" action="ppaction://hlinksldjump"/>
+            <a:extLst>
+              <a:ext uri="{FF2B5EF4-FFF2-40B4-BE49-F238E27FC236}">
+                <a16:creationId xmlns:a16="http://schemas.microsoft.com/office/drawing/2014/main" id="{F8C88C72-525E-DAA8-9822-61FF924B9910}"/>
+              </a:ext>
+            </a:extLst>
+          </p:cNvPr>
+          <p:cNvSpPr/>
+          <p:nvPr/>
         </p:nvSpPr>
         <p:spPr>
           <a:xfrm>
-            <a:off x="477981" y="1122363"/>
-            <a:ext cx="4023360" cy="3204134"/>
+            <a:off x="1742283" y="2896518"/>
+            <a:ext cx="7317882" cy="950928"/>
           </a:xfrm>
-        </p:spPr>
-        <p:txBody>
-          <a:bodyPr anchor="b">
-            <a:normAutofit/>
-          </a:bodyPr>
-          <a:lstStyle/>
-          <a:p>
-            <a:pPr algn="l"/>
-            <a:r>
-              <a:rPr lang="nl-NL" sz="4800"/>
-              <a:t>antwoorden</a:t>
-            </a:r>
-          </a:p>
-        </p:txBody>
-      </p:sp>
-      <p:sp>
-        <p:nvSpPr>
-          <p:cNvPr id="3" name="Ondertitel 2">
-            <a:extLst>
-              <a:ext uri="{FF2B5EF4-FFF2-40B4-BE49-F238E27FC236}">
-                <a16:creationId xmlns:a16="http://schemas.microsoft.com/office/drawing/2014/main" id="{8A59CC84-4A55-21C0-F06A-D8AB287D18DE}"/>
-              </a:ext>
-            </a:extLst>
-          </p:cNvPr>
-          <p:cNvSpPr>
-            <a:spLocks noGrp="1"/>
-          </p:cNvSpPr>
-          <p:nvPr>
-            <p:ph type="subTitle" idx="1"/>
-          </p:nvPr>
-        </p:nvSpPr>
-        <p:spPr>
-          <a:xfrm>
-            <a:off x="477981" y="4872922"/>
-            <a:ext cx="3933306" cy="1208141"/>
-          </a:xfrm>
-        </p:spPr>
-        <p:txBody>
-          <a:bodyPr>
-            <a:normAutofit/>
-          </a:bodyPr>
-          <a:lstStyle/>
-          <a:p>
-            <a:pPr algn="l"/>
-            <a:r>
-              <a:rPr lang="nl-NL" sz="2000"/>
-              <a:t>1: a</a:t>
-            </a:r>
-          </a:p>
-          <a:p>
-            <a:pPr algn="l"/>
-            <a:r>
-              <a:rPr lang="nl-NL" sz="2000"/>
-              <a:t>2: c en d</a:t>
-            </a:r>
-          </a:p>
-          <a:p>
-            <a:pPr algn="l"/>
-            <a:r>
-              <a:rPr lang="nl-NL" sz="2000"/>
-              <a:t>3: b</a:t>
-            </a:r>
-          </a:p>
-        </p:txBody>
-      </p:sp>
-      <p:sp>
-        <p:nvSpPr>
-          <p:cNvPr id="3081" name="Rectangle 3080">
-            <a:extLst>
-              <a:ext uri="{FF2B5EF4-FFF2-40B4-BE49-F238E27FC236}">
-                <a16:creationId xmlns:a16="http://schemas.microsoft.com/office/drawing/2014/main" id="{AF2F604E-43BE-4DC3-B983-E071523364F8}"/>
-              </a:ext>
-              <a:ext uri="{C183D7F6-B498-43B3-948B-1728B52AA6E4}">
-                <adec:decorative xmlns:adec="http://schemas.microsoft.com/office/drawing/2017/decorative" val="1"/>
-              </a:ext>
-            </a:extLst>
-          </p:cNvPr>
-          <p:cNvSpPr>
-            <a:spLocks noGrp="1" noRot="1" noChangeAspect="1" noMove="1" noResize="1" noEditPoints="1" noAdjustHandles="1" noChangeArrowheads="1" noChangeShapeType="1" noTextEdit="1"/>
-          </p:cNvSpPr>
-          <p:nvPr>
-            <p:extLst>
-              <p:ext uri="{386F3935-93C4-4BCD-93E2-E3B085C9AB24}">
-                <p16:designElem xmlns:p16="http://schemas.microsoft.com/office/powerpoint/2015/main" val="1"/>
-              </p:ext>
-            </p:extLst>
-          </p:nvPr>
-        </p:nvSpPr>
-        <p:spPr>
-          <a:xfrm rot="5400000">
-            <a:off x="759921" y="346791"/>
-            <a:ext cx="146304" cy="704088"/>
-          </a:xfrm>
-          <a:prstGeom prst="rect">
+          <a:prstGeom prst="roundRect">
             <a:avLst/>
           </a:prstGeom>
-          <a:solidFill>
-            <a:schemeClr val="accent2"/>
-          </a:solidFill>
-          <a:ln>
-            <a:noFill/>
-          </a:ln>
         </p:spPr>
         <p:style>
           <a:lnRef idx="2">
             <a:schemeClr val="accent1">
-              <a:shade val="50000"/>
+              <a:shade val="15000"/>
             </a:schemeClr>
           </a:lnRef>
           <a:fillRef idx="1">
@@ -8699,86 +11440,58 @@
           </a:fontRef>
         </p:style>
         <p:txBody>
-          <a:bodyPr rtlCol="0" anchor="ctr"/>
+          <a:bodyPr lIns="91440" tIns="45720" rIns="91440" bIns="45720" rtlCol="0" anchor="ctr"/>
           <a:lstStyle/>
           <a:p>
-            <a:pPr marL="0" marR="0" lvl="0" indent="0" algn="ctr" defTabSz="914400" rtl="0" eaLnBrk="1" fontAlgn="auto" latinLnBrk="0" hangingPunct="1">
-              <a:lnSpc>
-                <a:spcPct val="100000"/>
-              </a:lnSpc>
-              <a:spcBef>
-                <a:spcPts val="0"/>
-              </a:spcBef>
-              <a:spcAft>
-                <a:spcPts val="0"/>
-              </a:spcAft>
-              <a:buClrTx/>
-              <a:buSzTx/>
-              <a:buFontTx/>
-              <a:buNone/>
-              <a:tabLst/>
-              <a:defRPr/>
-            </a:pPr>
-            <a:endParaRPr kumimoji="0" lang="en-US" sz="1800" b="0" i="0" u="none" strike="noStrike" kern="1200" cap="none" spc="0" normalizeH="0" baseline="0" noProof="0">
-              <a:ln>
-                <a:noFill/>
-              </a:ln>
-              <a:solidFill>
-                <a:prstClr val="white"/>
-              </a:solidFill>
-              <a:effectLst/>
-              <a:uLnTx/>
-              <a:uFillTx/>
-              <a:latin typeface="Calibri" panose="020F0502020204030204"/>
-              <a:ea typeface="+mn-ea"/>
-              <a:cs typeface="+mn-cs"/>
-            </a:endParaRPr>
+            <a:pPr algn="ctr"/>
+            <a:r>
+              <a:rPr lang="nl-NL" sz="1400" kern="100">
+                <a:effectLst/>
+                <a:latin typeface="Aptos" panose="020B0004020202020204" pitchFamily="34" charset="0"/>
+                <a:ea typeface="Aptos" panose="020B0004020202020204" pitchFamily="34" charset="0"/>
+                <a:cs typeface="Times New Roman" panose="02020603050405020304" pitchFamily="18" charset="0"/>
+              </a:rPr>
+              <a:t>B De logische laag</a:t>
+            </a:r>
+          </a:p>
+          <a:p>
+            <a:r>
+              <a:rPr lang="nl-NL" sz="1400" kern="100">
+                <a:latin typeface="Aptos" panose="020B0004020202020204" pitchFamily="34" charset="0"/>
+                <a:ea typeface="Aptos" panose="020B0004020202020204" pitchFamily="34" charset="0"/>
+                <a:cs typeface="Times New Roman" panose="02020603050405020304" pitchFamily="18" charset="0"/>
+              </a:rPr>
+              <a:t>  </a:t>
+            </a:r>
           </a:p>
         </p:txBody>
       </p:sp>
       <p:sp>
         <p:nvSpPr>
-          <p:cNvPr id="3083" name="Rectangle 3082">
-            <a:extLst>
-              <a:ext uri="{FF2B5EF4-FFF2-40B4-BE49-F238E27FC236}">
-                <a16:creationId xmlns:a16="http://schemas.microsoft.com/office/drawing/2014/main" id="{08C9B587-E65E-4B52-B37C-ABEBB6E87928}"/>
-              </a:ext>
-              <a:ext uri="{C183D7F6-B498-43B3-948B-1728B52AA6E4}">
-                <adec:decorative xmlns:adec="http://schemas.microsoft.com/office/drawing/2017/decorative" val="1"/>
-              </a:ext>
-            </a:extLst>
-          </p:cNvPr>
-          <p:cNvSpPr>
-            <a:spLocks noGrp="1" noRot="1" noChangeAspect="1" noMove="1" noResize="1" noEditPoints="1" noAdjustHandles="1" noChangeArrowheads="1" noChangeShapeType="1" noTextEdit="1"/>
-          </p:cNvSpPr>
-          <p:nvPr>
-            <p:extLst>
-              <p:ext uri="{386F3935-93C4-4BCD-93E2-E3B085C9AB24}">
-                <p16:designElem xmlns:p16="http://schemas.microsoft.com/office/powerpoint/2015/main" val="1"/>
-              </p:ext>
-            </p:extLst>
-          </p:nvPr>
+          <p:cNvPr id="9" name="Rechthoek: afgeronde hoeken 8">
+            <a:hlinkClick r:id="rId4" action="ppaction://hlinksldjump"/>
+            <a:extLst>
+              <a:ext uri="{FF2B5EF4-FFF2-40B4-BE49-F238E27FC236}">
+                <a16:creationId xmlns:a16="http://schemas.microsoft.com/office/drawing/2014/main" id="{456C4B98-0958-653C-EF48-D25493C47E88}"/>
+              </a:ext>
+            </a:extLst>
+          </p:cNvPr>
+          <p:cNvSpPr/>
+          <p:nvPr/>
         </p:nvSpPr>
         <p:spPr>
           <a:xfrm>
-            <a:off x="481029" y="4546920"/>
-            <a:ext cx="4023360" cy="18288"/>
+            <a:off x="1738588" y="4093168"/>
+            <a:ext cx="7317882" cy="950928"/>
           </a:xfrm>
-          <a:prstGeom prst="rect">
+          <a:prstGeom prst="roundRect">
             <a:avLst/>
           </a:prstGeom>
-          <a:solidFill>
-            <a:srgbClr val="D5D5D5"/>
-          </a:solidFill>
-          <a:ln w="3175">
-            <a:noFill/>
-          </a:ln>
-          <a:effectLst/>
         </p:spPr>
         <p:style>
           <a:lnRef idx="2">
             <a:schemeClr val="accent1">
-              <a:shade val="50000"/>
+              <a:shade val="15000"/>
             </a:schemeClr>
           </a:lnRef>
           <a:fillRef idx="1">
@@ -8796,21 +11509,235 @@
           <a:lstStyle/>
           <a:p>
             <a:pPr algn="ctr"/>
-            <a:endParaRPr lang="en-US">
+            <a:r>
+              <a:rPr lang="nl-NL" sz="1400" kern="100">
+                <a:effectLst/>
+                <a:latin typeface="Aptos" panose="020B0004020202020204" pitchFamily="34" charset="0"/>
+                <a:ea typeface="Aptos" panose="020B0004020202020204" pitchFamily="34" charset="0"/>
+                <a:cs typeface="Times New Roman" panose="02020603050405020304" pitchFamily="18" charset="0"/>
+              </a:rPr>
+              <a:t>C De </a:t>
+            </a:r>
+            <a:r>
+              <a:rPr lang="nl-NL" sz="1400" kern="100" err="1">
+                <a:effectLst/>
+                <a:latin typeface="Aptos" panose="020B0004020202020204" pitchFamily="34" charset="0"/>
+                <a:ea typeface="Aptos" panose="020B0004020202020204" pitchFamily="34" charset="0"/>
+                <a:cs typeface="Times New Roman" panose="02020603050405020304" pitchFamily="18" charset="0"/>
+              </a:rPr>
+              <a:t>toepassingslaag</a:t>
+            </a:r>
+            <a:endParaRPr lang="nl-NL" sz="1400" kern="100">
+              <a:latin typeface="Aptos" panose="020B0004020202020204" pitchFamily="34" charset="0"/>
+              <a:ea typeface="Aptos" panose="020B0004020202020204" pitchFamily="34" charset="0"/>
+              <a:cs typeface="Times New Roman" panose="02020603050405020304" pitchFamily="18" charset="0"/>
+            </a:endParaRPr>
+          </a:p>
+          <a:p>
+            <a:pPr algn="ctr"/>
+            <a:r>
+              <a:rPr lang="nl-NL" sz="1400" b="1">
+                <a:solidFill>
+                  <a:srgbClr val="000000"/>
+                </a:solidFill>
+              </a:rPr>
+              <a:t> </a:t>
+            </a:r>
+          </a:p>
+        </p:txBody>
+      </p:sp>
+      <p:sp>
+        <p:nvSpPr>
+          <p:cNvPr id="10" name="Rechthoek: afgeronde hoeken 9">
+            <a:hlinkClick r:id="rId5" action="ppaction://hlinksldjump"/>
+            <a:extLst>
+              <a:ext uri="{FF2B5EF4-FFF2-40B4-BE49-F238E27FC236}">
+                <a16:creationId xmlns:a16="http://schemas.microsoft.com/office/drawing/2014/main" id="{F921749A-4D6E-5C09-D72C-C9EA809BCC74}"/>
+              </a:ext>
+            </a:extLst>
+          </p:cNvPr>
+          <p:cNvSpPr/>
+          <p:nvPr/>
+        </p:nvSpPr>
+        <p:spPr>
+          <a:xfrm>
+            <a:off x="1742283" y="5265145"/>
+            <a:ext cx="7317882" cy="950928"/>
+          </a:xfrm>
+          <a:prstGeom prst="roundRect">
+            <a:avLst/>
+          </a:prstGeom>
+        </p:spPr>
+        <p:style>
+          <a:lnRef idx="2">
+            <a:schemeClr val="accent1">
+              <a:shade val="15000"/>
+            </a:schemeClr>
+          </a:lnRef>
+          <a:fillRef idx="1">
+            <a:schemeClr val="accent1"/>
+          </a:fillRef>
+          <a:effectRef idx="0">
+            <a:schemeClr val="accent1"/>
+          </a:effectRef>
+          <a:fontRef idx="minor">
+            <a:schemeClr val="lt1"/>
+          </a:fontRef>
+        </p:style>
+        <p:txBody>
+          <a:bodyPr rtlCol="0" anchor="ctr"/>
+          <a:lstStyle/>
+          <a:p>
+            <a:pPr algn="ctr"/>
+            <a:r>
+              <a:rPr lang="nl-NL" sz="1400" kern="100">
+                <a:latin typeface="Aptos" panose="020B0004020202020204" pitchFamily="34" charset="0"/>
+                <a:ea typeface="Aptos" panose="020B0004020202020204" pitchFamily="34" charset="0"/>
+                <a:cs typeface="Times New Roman" panose="02020603050405020304" pitchFamily="18" charset="0"/>
+              </a:rPr>
+              <a:t>D Geen van bovenstaande opties.</a:t>
+            </a:r>
+          </a:p>
+          <a:p>
+            <a:pPr algn="ctr"/>
+            <a:r>
+              <a:rPr lang="nl-NL" sz="1400" b="1">
+                <a:solidFill>
+                  <a:srgbClr val="000000"/>
+                </a:solidFill>
+              </a:rPr>
+              <a:t> </a:t>
+            </a:r>
+          </a:p>
+        </p:txBody>
+      </p:sp>
+    </p:spTree>
+    <p:extLst>
+      <p:ext uri="{BB962C8B-B14F-4D97-AF65-F5344CB8AC3E}">
+        <p14:creationId xmlns:p14="http://schemas.microsoft.com/office/powerpoint/2010/main" val="3236597655"/>
+      </p:ext>
+    </p:extLst>
+  </p:cSld>
+  <p:clrMapOvr>
+    <a:masterClrMapping/>
+  </p:clrMapOvr>
+</p:sld>
+</file>
+
+<file path=ppt/slides/slide7.xml><?xml version="1.0" encoding="utf-8"?>
+<p:sld xmlns:a="http://schemas.openxmlformats.org/drawingml/2006/main" xmlns:r="http://schemas.openxmlformats.org/officeDocument/2006/relationships" xmlns:p="http://schemas.openxmlformats.org/presentationml/2006/main">
+  <p:cSld>
+    <p:spTree>
+      <p:nvGrpSpPr>
+        <p:cNvPr id="1" name=""/>
+        <p:cNvGrpSpPr/>
+        <p:nvPr/>
+      </p:nvGrpSpPr>
+      <p:grpSpPr>
+        <a:xfrm>
+          <a:off x="0" y="0"/>
+          <a:ext cx="0" cy="0"/>
+          <a:chOff x="0" y="0"/>
+          <a:chExt cx="0" cy="0"/>
+        </a:xfrm>
+      </p:grpSpPr>
+      <p:sp>
+        <p:nvSpPr>
+          <p:cNvPr id="2" name="Titel 1">
+            <a:extLst>
+              <a:ext uri="{FF2B5EF4-FFF2-40B4-BE49-F238E27FC236}">
+                <a16:creationId xmlns:a16="http://schemas.microsoft.com/office/drawing/2014/main" id="{72313A44-C5C4-9602-2BC2-C4685D48EAE3}"/>
+              </a:ext>
+            </a:extLst>
+          </p:cNvPr>
+          <p:cNvSpPr>
+            <a:spLocks noGrp="1"/>
+          </p:cNvSpPr>
+          <p:nvPr>
+            <p:ph type="title"/>
+          </p:nvPr>
+        </p:nvSpPr>
+        <p:spPr>
+          <a:xfrm>
+            <a:off x="838200" y="2881988"/>
+            <a:ext cx="10515600" cy="1325563"/>
+          </a:xfrm>
+        </p:spPr>
+        <p:txBody>
+          <a:bodyPr>
+            <a:normAutofit fontScale="90000"/>
+            <a:scene3d>
+              <a:camera prst="orthographicFront"/>
+              <a:lightRig rig="harsh" dir="t"/>
+            </a:scene3d>
+            <a:sp3d extrusionH="57150" prstMaterial="matte">
+              <a:bevelT w="63500" h="12700" prst="angle"/>
+              <a:contourClr>
+                <a:schemeClr val="bg1">
+                  <a:lumMod val="65000"/>
+                </a:schemeClr>
+              </a:contourClr>
+            </a:sp3d>
+          </a:bodyPr>
+          <a:lstStyle/>
+          <a:p>
+            <a:r>
+              <a:rPr lang="nl-NL" sz="10700" b="1">
+                <a:ln/>
+                <a:solidFill>
+                  <a:schemeClr val="accent3"/>
+                </a:solidFill>
+              </a:rPr>
+              <a:t>Juist!</a:t>
+            </a:r>
+            <a:r>
+              <a:rPr lang="nl-NL" sz="10700" b="1" kern="100">
+                <a:ln/>
+                <a:solidFill>
+                  <a:schemeClr val="accent3"/>
+                </a:solidFill>
+                <a:latin typeface="Aptos" panose="020B0004020202020204" pitchFamily="34" charset="0"/>
+                <a:ea typeface="Aptos" panose="020B0004020202020204" pitchFamily="34" charset="0"/>
+                <a:cs typeface="Times New Roman" panose="02020603050405020304" pitchFamily="18" charset="0"/>
+              </a:rPr>
+              <a:t> </a:t>
+            </a:r>
+            <a:r>
+              <a:rPr lang="nl-NL" sz="3100" b="1" kern="100">
+                <a:ln/>
+                <a:solidFill>
+                  <a:schemeClr val="accent3"/>
+                </a:solidFill>
+                <a:latin typeface="Aptos" panose="020B0004020202020204" pitchFamily="34" charset="0"/>
+                <a:ea typeface="Aptos" panose="020B0004020202020204" pitchFamily="34" charset="0"/>
+                <a:cs typeface="Times New Roman" panose="02020603050405020304" pitchFamily="18" charset="0"/>
+              </a:rPr>
+              <a:t>Dit is de laag die je kan aanraken, zoals de accu. Dit zijn allemaal onderdelen die ervoor zorgen dat het apparaat functioneert</a:t>
+            </a:r>
+            <a:r>
+              <a:rPr lang="nl-NL" sz="3100" b="1">
+                <a:ln/>
+                <a:solidFill>
+                  <a:schemeClr val="accent3"/>
+                </a:solidFill>
+              </a:rPr>
+              <a:t> </a:t>
+            </a:r>
+            <a:endParaRPr lang="nl-NL" b="1">
+              <a:ln/>
               <a:solidFill>
-                <a:prstClr val="white"/>
+                <a:schemeClr val="accent3"/>
               </a:solidFill>
-              <a:latin typeface="Calibri" panose="020F0502020204030204"/>
             </a:endParaRPr>
           </a:p>
         </p:txBody>
       </p:sp>
       <p:pic>
         <p:nvPicPr>
-          <p:cNvPr id="3074" name="Picture 2" descr="Antwoorden spelregelquiz ronde 5">
-            <a:extLst>
-              <a:ext uri="{FF2B5EF4-FFF2-40B4-BE49-F238E27FC236}">
-                <a16:creationId xmlns:a16="http://schemas.microsoft.com/office/drawing/2014/main" id="{BEB40E0D-DA0A-26E7-96C4-6DB66384B714}"/>
+          <p:cNvPr id="1026" name="Picture 2" descr="Duimpje omhoog als je de sportweek in foto's leuk vindt">
+            <a:extLst>
+              <a:ext uri="{FF2B5EF4-FFF2-40B4-BE49-F238E27FC236}">
+                <a16:creationId xmlns:a16="http://schemas.microsoft.com/office/drawing/2014/main" id="{547D352C-49D6-D88A-7D43-BAA91D06327D}"/>
               </a:ext>
             </a:extLst>
           </p:cNvPr>
@@ -8827,19 +11754,25 @@
               </a:ext>
             </a:extLst>
           </a:blip>
+          <a:srcRect/>
           <a:stretch>
             <a:fillRect/>
           </a:stretch>
         </p:blipFill>
         <p:spPr bwMode="auto">
           <a:xfrm>
-            <a:off x="4864608" y="1718804"/>
-            <a:ext cx="6846363" cy="3269138"/>
+            <a:off x="3484346" y="558265"/>
+            <a:ext cx="3933523" cy="2151246"/>
           </a:xfrm>
-          <a:prstGeom prst="rect">
+          <a:prstGeom prst="ellipse">
             <a:avLst/>
           </a:prstGeom>
-          <a:noFill/>
+          <a:ln>
+            <a:noFill/>
+          </a:ln>
+          <a:effectLst>
+            <a:softEdge rad="112500"/>
+          </a:effectLst>
           <a:extLst>
             <a:ext uri="{909E8E84-426E-40DD-AFC4-6F175D3DCCD1}">
               <a14:hiddenFill xmlns:a14="http://schemas.microsoft.com/office/drawing/2010/main">
@@ -8851,10 +11784,502 @@
           </a:extLst>
         </p:spPr>
       </p:pic>
+      <p:sp>
+        <p:nvSpPr>
+          <p:cNvPr id="11" name="Bijschrift: pijl-rechts 10">
+            <a:hlinkClick r:id="rId3" action="ppaction://hlinksldjump"/>
+            <a:extLst>
+              <a:ext uri="{FF2B5EF4-FFF2-40B4-BE49-F238E27FC236}">
+                <a16:creationId xmlns:a16="http://schemas.microsoft.com/office/drawing/2014/main" id="{C455BD92-08F7-B1BE-AEAF-16180410E1D6}"/>
+              </a:ext>
+            </a:extLst>
+          </p:cNvPr>
+          <p:cNvSpPr/>
+          <p:nvPr/>
+        </p:nvSpPr>
+        <p:spPr>
+          <a:xfrm>
+            <a:off x="9696261" y="5011863"/>
+            <a:ext cx="1865013" cy="1325563"/>
+          </a:xfrm>
+          <a:prstGeom prst="rightArrowCallout">
+            <a:avLst/>
+          </a:prstGeom>
+        </p:spPr>
+        <p:style>
+          <a:lnRef idx="2">
+            <a:schemeClr val="accent1">
+              <a:shade val="15000"/>
+            </a:schemeClr>
+          </a:lnRef>
+          <a:fillRef idx="1">
+            <a:schemeClr val="accent1"/>
+          </a:fillRef>
+          <a:effectRef idx="0">
+            <a:schemeClr val="accent1"/>
+          </a:effectRef>
+          <a:fontRef idx="minor">
+            <a:schemeClr val="lt1"/>
+          </a:fontRef>
+        </p:style>
+        <p:txBody>
+          <a:bodyPr rtlCol="0" anchor="ctr"/>
+          <a:lstStyle/>
+          <a:p>
+            <a:pPr algn="ctr"/>
+            <a:r>
+              <a:rPr lang="nl-NL"/>
+              <a:t>Volgende vraag</a:t>
+            </a:r>
+          </a:p>
+        </p:txBody>
+      </p:sp>
     </p:spTree>
     <p:extLst>
       <p:ext uri="{BB962C8B-B14F-4D97-AF65-F5344CB8AC3E}">
-        <p14:creationId xmlns:p14="http://schemas.microsoft.com/office/powerpoint/2010/main" val="2892343951"/>
+        <p14:creationId xmlns:p14="http://schemas.microsoft.com/office/powerpoint/2010/main" val="4173602318"/>
+      </p:ext>
+    </p:extLst>
+  </p:cSld>
+  <p:clrMapOvr>
+    <a:masterClrMapping/>
+  </p:clrMapOvr>
+</p:sld>
+</file>
+
+<file path=ppt/slides/slide8.xml><?xml version="1.0" encoding="utf-8"?>
+<p:sld xmlns:a="http://schemas.openxmlformats.org/drawingml/2006/main" xmlns:r="http://schemas.openxmlformats.org/officeDocument/2006/relationships" xmlns:p="http://schemas.openxmlformats.org/presentationml/2006/main">
+  <p:cSld>
+    <p:spTree>
+      <p:nvGrpSpPr>
+        <p:cNvPr id="1" name="">
+          <a:extLst>
+            <a:ext uri="{FF2B5EF4-FFF2-40B4-BE49-F238E27FC236}">
+              <a16:creationId xmlns:a16="http://schemas.microsoft.com/office/drawing/2014/main" id="{6D827E97-9B16-4B70-22AB-23F2B436D69F}"/>
+            </a:ext>
+          </a:extLst>
+        </p:cNvPr>
+        <p:cNvGrpSpPr/>
+        <p:nvPr/>
+      </p:nvGrpSpPr>
+      <p:grpSpPr>
+        <a:xfrm>
+          <a:off x="0" y="0"/>
+          <a:ext cx="0" cy="0"/>
+          <a:chOff x="0" y="0"/>
+          <a:chExt cx="0" cy="0"/>
+        </a:xfrm>
+      </p:grpSpPr>
+      <p:sp>
+        <p:nvSpPr>
+          <p:cNvPr id="2" name="Titel 1">
+            <a:extLst>
+              <a:ext uri="{FF2B5EF4-FFF2-40B4-BE49-F238E27FC236}">
+                <a16:creationId xmlns:a16="http://schemas.microsoft.com/office/drawing/2014/main" id="{A0180A33-B08E-6B88-F806-B24883B25762}"/>
+              </a:ext>
+            </a:extLst>
+          </p:cNvPr>
+          <p:cNvSpPr>
+            <a:spLocks noGrp="1"/>
+          </p:cNvSpPr>
+          <p:nvPr>
+            <p:ph type="title"/>
+          </p:nvPr>
+        </p:nvSpPr>
+        <p:spPr>
+          <a:xfrm>
+            <a:off x="838200" y="2881988"/>
+            <a:ext cx="10515600" cy="1325563"/>
+          </a:xfrm>
+        </p:spPr>
+        <p:txBody>
+          <a:bodyPr>
+            <a:normAutofit fontScale="90000"/>
+          </a:bodyPr>
+          <a:lstStyle/>
+          <a:p>
+            <a:r>
+              <a:rPr lang="nl-NL" sz="10700" b="1">
+                <a:ln w="22225">
+                  <a:solidFill>
+                    <a:schemeClr val="accent2"/>
+                  </a:solidFill>
+                  <a:prstDash val="solid"/>
+                </a:ln>
+                <a:solidFill>
+                  <a:schemeClr val="accent2">
+                    <a:lumMod val="40000"/>
+                    <a:lumOff val="60000"/>
+                  </a:schemeClr>
+                </a:solidFill>
+              </a:rPr>
+              <a:t>Onjuist! </a:t>
+            </a:r>
+            <a:r>
+              <a:rPr lang="nl-NL" sz="3100" b="1" kern="100">
+                <a:ln w="22225">
+                  <a:solidFill>
+                    <a:schemeClr val="accent2"/>
+                  </a:solidFill>
+                  <a:prstDash val="solid"/>
+                </a:ln>
+                <a:solidFill>
+                  <a:schemeClr val="accent2">
+                    <a:lumMod val="40000"/>
+                    <a:lumOff val="60000"/>
+                  </a:schemeClr>
+                </a:solidFill>
+                <a:latin typeface="Aptos" panose="020B0004020202020204" pitchFamily="34" charset="0"/>
+                <a:ea typeface="Aptos" panose="020B0004020202020204" pitchFamily="34" charset="0"/>
+                <a:cs typeface="Times New Roman" panose="02020603050405020304" pitchFamily="18" charset="0"/>
+              </a:rPr>
+              <a:t>Deze laag zorgt ervoor dat je het systeem kunt gebruiken zonder dat je alle technische details hoeft te weten. Het zorgt er dus eigenlijk voor dat je het apparaat zo makkelijk mogelijk kan gebruiken. Het laat ook de resultaten zien waarvoor de logische laag </a:t>
+            </a:r>
+            <a:r>
+              <a:rPr lang="nl-NL" sz="3100" b="1" kern="100" err="1">
+                <a:ln w="22225">
+                  <a:solidFill>
+                    <a:schemeClr val="accent2"/>
+                  </a:solidFill>
+                  <a:prstDash val="solid"/>
+                </a:ln>
+                <a:solidFill>
+                  <a:schemeClr val="accent2">
+                    <a:lumMod val="40000"/>
+                    <a:lumOff val="60000"/>
+                  </a:schemeClr>
+                </a:solidFill>
+                <a:latin typeface="Aptos" panose="020B0004020202020204" pitchFamily="34" charset="0"/>
+                <a:ea typeface="Aptos" panose="020B0004020202020204" pitchFamily="34" charset="0"/>
+                <a:cs typeface="Times New Roman" panose="02020603050405020304" pitchFamily="18" charset="0"/>
+              </a:rPr>
+              <a:t>gezorgt</a:t>
+            </a:r>
+            <a:r>
+              <a:rPr lang="nl-NL" sz="3100" b="1" kern="100">
+                <a:ln w="22225">
+                  <a:solidFill>
+                    <a:schemeClr val="accent2"/>
+                  </a:solidFill>
+                  <a:prstDash val="solid"/>
+                </a:ln>
+                <a:solidFill>
+                  <a:schemeClr val="accent2">
+                    <a:lumMod val="40000"/>
+                    <a:lumOff val="60000"/>
+                  </a:schemeClr>
+                </a:solidFill>
+                <a:latin typeface="Aptos" panose="020B0004020202020204" pitchFamily="34" charset="0"/>
+                <a:ea typeface="Aptos" panose="020B0004020202020204" pitchFamily="34" charset="0"/>
+                <a:cs typeface="Times New Roman" panose="02020603050405020304" pitchFamily="18" charset="0"/>
+              </a:rPr>
+              <a:t> heeft.</a:t>
+            </a:r>
+            <a:endParaRPr lang="nl-NL" b="1">
+              <a:ln w="22225">
+                <a:solidFill>
+                  <a:schemeClr val="accent2"/>
+                </a:solidFill>
+                <a:prstDash val="solid"/>
+              </a:ln>
+              <a:solidFill>
+                <a:schemeClr val="accent2">
+                  <a:lumMod val="40000"/>
+                  <a:lumOff val="60000"/>
+                </a:schemeClr>
+              </a:solidFill>
+            </a:endParaRPr>
+          </a:p>
+        </p:txBody>
+      </p:sp>
+      <p:pic>
+        <p:nvPicPr>
+          <p:cNvPr id="3074" name="Picture 2" descr="Angry Cristiano Ronaldo looking to leave Real Madrid: Report">
+            <a:extLst>
+              <a:ext uri="{FF2B5EF4-FFF2-40B4-BE49-F238E27FC236}">
+                <a16:creationId xmlns:a16="http://schemas.microsoft.com/office/drawing/2014/main" id="{93F158A7-6E0E-15ED-42B8-27A3925E2368}"/>
+              </a:ext>
+            </a:extLst>
+          </p:cNvPr>
+          <p:cNvPicPr>
+            <a:picLocks noChangeAspect="1" noChangeArrowheads="1"/>
+          </p:cNvPicPr>
+          <p:nvPr/>
+        </p:nvPicPr>
+        <p:blipFill>
+          <a:blip r:embed="rId2">
+            <a:extLst>
+              <a:ext uri="{28A0092B-C50C-407E-A947-70E740481C1C}">
+                <a14:useLocalDpi xmlns:a14="http://schemas.microsoft.com/office/drawing/2010/main" val="0"/>
+              </a:ext>
+            </a:extLst>
+          </a:blip>
+          <a:srcRect/>
+          <a:stretch>
+            <a:fillRect/>
+          </a:stretch>
+        </p:blipFill>
+        <p:spPr bwMode="auto">
+          <a:xfrm>
+            <a:off x="3992379" y="417103"/>
+            <a:ext cx="2860808" cy="1862612"/>
+          </a:xfrm>
+          <a:prstGeom prst="ellipse">
+            <a:avLst/>
+          </a:prstGeom>
+          <a:ln>
+            <a:noFill/>
+          </a:ln>
+          <a:effectLst>
+            <a:softEdge rad="112500"/>
+          </a:effectLst>
+          <a:extLst>
+            <a:ext uri="{909E8E84-426E-40DD-AFC4-6F175D3DCCD1}">
+              <a14:hiddenFill xmlns:a14="http://schemas.microsoft.com/office/drawing/2010/main">
+                <a:solidFill>
+                  <a:srgbClr val="FFFFFF"/>
+                </a:solidFill>
+              </a14:hiddenFill>
+            </a:ext>
+          </a:extLst>
+        </p:spPr>
+      </p:pic>
+      <p:pic>
+        <p:nvPicPr>
+          <p:cNvPr id="4" name="Afbeelding 3">
+            <a:hlinkClick r:id="rId3" action="ppaction://hlinksldjump"/>
+            <a:extLst>
+              <a:ext uri="{FF2B5EF4-FFF2-40B4-BE49-F238E27FC236}">
+                <a16:creationId xmlns:a16="http://schemas.microsoft.com/office/drawing/2014/main" id="{301370E5-E938-1BAA-C155-0CBE183B3E5D}"/>
+              </a:ext>
+            </a:extLst>
+          </p:cNvPr>
+          <p:cNvPicPr>
+            <a:picLocks noChangeAspect="1"/>
+          </p:cNvPicPr>
+          <p:nvPr/>
+        </p:nvPicPr>
+        <p:blipFill>
+          <a:blip r:embed="rId4"/>
+          <a:stretch>
+            <a:fillRect/>
+          </a:stretch>
+        </p:blipFill>
+        <p:spPr>
+          <a:xfrm>
+            <a:off x="9560700" y="5057693"/>
+            <a:ext cx="1694835" cy="1420491"/>
+          </a:xfrm>
+          <a:prstGeom prst="rect">
+            <a:avLst/>
+          </a:prstGeom>
+        </p:spPr>
+      </p:pic>
+    </p:spTree>
+    <p:extLst>
+      <p:ext uri="{BB962C8B-B14F-4D97-AF65-F5344CB8AC3E}">
+        <p14:creationId xmlns:p14="http://schemas.microsoft.com/office/powerpoint/2010/main" val="1199880476"/>
+      </p:ext>
+    </p:extLst>
+  </p:cSld>
+  <p:clrMapOvr>
+    <a:masterClrMapping/>
+  </p:clrMapOvr>
+</p:sld>
+</file>
+
+<file path=ppt/slides/slide9.xml><?xml version="1.0" encoding="utf-8"?>
+<p:sld xmlns:a="http://schemas.openxmlformats.org/drawingml/2006/main" xmlns:r="http://schemas.openxmlformats.org/officeDocument/2006/relationships" xmlns:p="http://schemas.openxmlformats.org/presentationml/2006/main">
+  <p:cSld>
+    <p:spTree>
+      <p:nvGrpSpPr>
+        <p:cNvPr id="1" name="">
+          <a:extLst>
+            <a:ext uri="{FF2B5EF4-FFF2-40B4-BE49-F238E27FC236}">
+              <a16:creationId xmlns:a16="http://schemas.microsoft.com/office/drawing/2014/main" id="{3A3EBF3A-4E84-2970-D35D-A8C6E906ACAF}"/>
+            </a:ext>
+          </a:extLst>
+        </p:cNvPr>
+        <p:cNvGrpSpPr/>
+        <p:nvPr/>
+      </p:nvGrpSpPr>
+      <p:grpSpPr>
+        <a:xfrm>
+          <a:off x="0" y="0"/>
+          <a:ext cx="0" cy="0"/>
+          <a:chOff x="0" y="0"/>
+          <a:chExt cx="0" cy="0"/>
+        </a:xfrm>
+      </p:grpSpPr>
+      <p:sp>
+        <p:nvSpPr>
+          <p:cNvPr id="2" name="Titel 1">
+            <a:extLst>
+              <a:ext uri="{FF2B5EF4-FFF2-40B4-BE49-F238E27FC236}">
+                <a16:creationId xmlns:a16="http://schemas.microsoft.com/office/drawing/2014/main" id="{B6E7CAB1-88A4-5C3C-8914-5A7CD8DB98C7}"/>
+              </a:ext>
+            </a:extLst>
+          </p:cNvPr>
+          <p:cNvSpPr>
+            <a:spLocks noGrp="1"/>
+          </p:cNvSpPr>
+          <p:nvPr>
+            <p:ph type="title"/>
+          </p:nvPr>
+        </p:nvSpPr>
+        <p:spPr>
+          <a:xfrm>
+            <a:off x="838200" y="2881988"/>
+            <a:ext cx="10515600" cy="1325563"/>
+          </a:xfrm>
+        </p:spPr>
+        <p:txBody>
+          <a:bodyPr>
+            <a:normAutofit fontScale="90000"/>
+          </a:bodyPr>
+          <a:lstStyle/>
+          <a:p>
+            <a:r>
+              <a:rPr lang="nl-NL" sz="10700" b="1">
+                <a:ln w="22225">
+                  <a:solidFill>
+                    <a:schemeClr val="accent2"/>
+                  </a:solidFill>
+                  <a:prstDash val="solid"/>
+                </a:ln>
+                <a:solidFill>
+                  <a:schemeClr val="accent2">
+                    <a:lumMod val="40000"/>
+                    <a:lumOff val="60000"/>
+                  </a:schemeClr>
+                </a:solidFill>
+              </a:rPr>
+              <a:t>Onjuist! </a:t>
+            </a:r>
+            <a:r>
+              <a:rPr lang="nl-NL" sz="3100" b="1" kern="100">
+                <a:ln w="22225">
+                  <a:solidFill>
+                    <a:schemeClr val="accent2"/>
+                  </a:solidFill>
+                  <a:prstDash val="solid"/>
+                </a:ln>
+                <a:solidFill>
+                  <a:schemeClr val="accent2">
+                    <a:lumMod val="40000"/>
+                    <a:lumOff val="60000"/>
+                  </a:schemeClr>
+                </a:solidFill>
+                <a:latin typeface="Aptos" panose="020B0004020202020204" pitchFamily="34" charset="0"/>
+                <a:ea typeface="Aptos" panose="020B0004020202020204" pitchFamily="34" charset="0"/>
+                <a:cs typeface="Times New Roman" panose="02020603050405020304" pitchFamily="18" charset="0"/>
+              </a:rPr>
+              <a:t>Dit is de laag die beslist wat je doet. Dus je zoekt bijvoorbeeld iets op dan zorgt de logische laag voor de zoekopdracht. Het volgt regels om de taken correct uit te voeren. Dus het zorgt eigenlijk altijd dat je het resultaat op je scherm te zien krijgt</a:t>
+            </a:r>
+            <a:endParaRPr lang="nl-NL" b="1">
+              <a:ln w="22225">
+                <a:solidFill>
+                  <a:schemeClr val="accent2"/>
+                </a:solidFill>
+                <a:prstDash val="solid"/>
+              </a:ln>
+              <a:solidFill>
+                <a:schemeClr val="accent2">
+                  <a:lumMod val="40000"/>
+                  <a:lumOff val="60000"/>
+                </a:schemeClr>
+              </a:solidFill>
+            </a:endParaRPr>
+          </a:p>
+        </p:txBody>
+      </p:sp>
+      <p:pic>
+        <p:nvPicPr>
+          <p:cNvPr id="2050" name="Picture 2" descr="Cristiano Ronaldo angry as five-game ban is upheld | Football News | Sky  Sports">
+            <a:extLst>
+              <a:ext uri="{FF2B5EF4-FFF2-40B4-BE49-F238E27FC236}">
+                <a16:creationId xmlns:a16="http://schemas.microsoft.com/office/drawing/2014/main" id="{BE868C88-9229-2C64-2979-FB74B78CD5E5}"/>
+              </a:ext>
+            </a:extLst>
+          </p:cNvPr>
+          <p:cNvPicPr>
+            <a:picLocks noChangeAspect="1" noChangeArrowheads="1"/>
+          </p:cNvPicPr>
+          <p:nvPr/>
+        </p:nvPicPr>
+        <p:blipFill>
+          <a:blip r:embed="rId2">
+            <a:extLst>
+              <a:ext uri="{28A0092B-C50C-407E-A947-70E740481C1C}">
+                <a14:useLocalDpi xmlns:a14="http://schemas.microsoft.com/office/drawing/2010/main" val="0"/>
+              </a:ext>
+            </a:extLst>
+          </a:blip>
+          <a:srcRect/>
+          <a:stretch>
+            <a:fillRect/>
+          </a:stretch>
+        </p:blipFill>
+        <p:spPr bwMode="auto">
+          <a:xfrm>
+            <a:off x="3619099" y="282140"/>
+            <a:ext cx="3436219" cy="1932874"/>
+          </a:xfrm>
+          <a:prstGeom prst="ellipse">
+            <a:avLst/>
+          </a:prstGeom>
+          <a:ln>
+            <a:noFill/>
+          </a:ln>
+          <a:effectLst>
+            <a:softEdge rad="112500"/>
+          </a:effectLst>
+          <a:extLst>
+            <a:ext uri="{909E8E84-426E-40DD-AFC4-6F175D3DCCD1}">
+              <a14:hiddenFill xmlns:a14="http://schemas.microsoft.com/office/drawing/2010/main">
+                <a:solidFill>
+                  <a:srgbClr val="FFFFFF"/>
+                </a:solidFill>
+              </a14:hiddenFill>
+            </a:ext>
+          </a:extLst>
+        </p:spPr>
+      </p:pic>
+      <p:pic>
+        <p:nvPicPr>
+          <p:cNvPr id="4" name="Afbeelding 3">
+            <a:hlinkClick r:id="rId3" action="ppaction://hlinksldjump"/>
+            <a:extLst>
+              <a:ext uri="{FF2B5EF4-FFF2-40B4-BE49-F238E27FC236}">
+                <a16:creationId xmlns:a16="http://schemas.microsoft.com/office/drawing/2014/main" id="{B53E9614-BEBF-9B13-3B16-05B17C405937}"/>
+              </a:ext>
+            </a:extLst>
+          </p:cNvPr>
+          <p:cNvPicPr>
+            <a:picLocks noChangeAspect="1"/>
+          </p:cNvPicPr>
+          <p:nvPr/>
+        </p:nvPicPr>
+        <p:blipFill>
+          <a:blip r:embed="rId4"/>
+          <a:stretch>
+            <a:fillRect/>
+          </a:stretch>
+        </p:blipFill>
+        <p:spPr>
+          <a:xfrm>
+            <a:off x="9665062" y="4990027"/>
+            <a:ext cx="1688738" cy="1420491"/>
+          </a:xfrm>
+          <a:prstGeom prst="rect">
+            <a:avLst/>
+          </a:prstGeom>
+        </p:spPr>
+      </p:pic>
+    </p:spTree>
+    <p:extLst>
+      <p:ext uri="{BB962C8B-B14F-4D97-AF65-F5344CB8AC3E}">
+        <p14:creationId xmlns:p14="http://schemas.microsoft.com/office/powerpoint/2010/main" val="2662979751"/>
       </p:ext>
     </p:extLst>
   </p:cSld>
